--- a/Outbound Integrations.pptx
+++ b/Outbound Integrations.pptx
@@ -2287,7 +2287,7 @@
       <dgm:spPr/>
     </dgm:pt>
     <dgm:pt modelId="{09FF6060-8DC7-4756-A198-32CF5B8EF8FF}" type="pres">
-      <dgm:prSet presAssocID="{578C39D7-99D7-41D4-8B07-E24F242726F3}" presName="node" presStyleLbl="node1" presStyleIdx="3" presStyleCnt="4">
+      <dgm:prSet presAssocID="{578C39D7-99D7-41D4-8B07-E24F242726F3}" presName="node" presStyleLbl="node1" presStyleIdx="3" presStyleCnt="4" custScaleX="143804">
         <dgm:presLayoutVars>
           <dgm:bulletEnabled val="1"/>
         </dgm:presLayoutVars>
@@ -2856,8 +2856,8 @@
       </dsp:nvSpPr>
       <dsp:spPr>
         <a:xfrm>
-          <a:off x="1090817" y="527"/>
-          <a:ext cx="878631" cy="571110"/>
+          <a:off x="897405" y="555"/>
+          <a:ext cx="755823" cy="491285"/>
         </a:xfrm>
         <a:prstGeom prst="roundRect">
           <a:avLst/>
@@ -2924,8 +2924,8 @@
         </a:p>
       </dsp:txBody>
       <dsp:txXfrm>
-        <a:off x="1118696" y="28406"/>
-        <a:ext cx="822873" cy="515352"/>
+        <a:off x="921388" y="24538"/>
+        <a:ext cx="707857" cy="443319"/>
       </dsp:txXfrm>
     </dsp:sp>
     <dsp:sp modelId="{86FE89EC-47EA-4C6A-8234-3A6150BF9715}">
@@ -2935,8 +2935,8 @@
       </dsp:nvSpPr>
       <dsp:spPr>
         <a:xfrm>
-          <a:off x="585109" y="286083"/>
-          <a:ext cx="1890046" cy="1890046"/>
+          <a:off x="464152" y="246198"/>
+          <a:ext cx="1622331" cy="1622331"/>
         </a:xfrm>
         <a:custGeom>
           <a:avLst/>
@@ -2947,9 +2947,9 @@
           <a:pathLst>
             <a:path>
               <a:moveTo>
-                <a:pt x="1506068" y="184564"/>
+                <a:pt x="1293267" y="158810"/>
               </a:moveTo>
-              <a:arcTo wR="945023" hR="945023" stAng="18385132" swAng="1636586"/>
+              <a:arcTo wR="811165" hR="811165" stAng="18387904" swAng="1632605"/>
             </a:path>
           </a:pathLst>
         </a:custGeom>
@@ -2989,8 +2989,8 @@
       </dsp:nvSpPr>
       <dsp:spPr>
         <a:xfrm>
-          <a:off x="2035840" y="945551"/>
-          <a:ext cx="878631" cy="571110"/>
+          <a:off x="1708571" y="811721"/>
+          <a:ext cx="755823" cy="491285"/>
         </a:xfrm>
         <a:prstGeom prst="roundRect">
           <a:avLst/>
@@ -3057,8 +3057,8 @@
         </a:p>
       </dsp:txBody>
       <dsp:txXfrm>
-        <a:off x="2063719" y="973430"/>
-        <a:ext cx="822873" cy="515352"/>
+        <a:off x="1732554" y="835704"/>
+        <a:ext cx="707857" cy="443319"/>
       </dsp:txXfrm>
     </dsp:sp>
     <dsp:sp modelId="{E1B72896-3F78-470B-A9D9-A62BA65C81D8}">
@@ -3068,8 +3068,8 @@
       </dsp:nvSpPr>
       <dsp:spPr>
         <a:xfrm>
-          <a:off x="585109" y="286083"/>
-          <a:ext cx="1890046" cy="1890046"/>
+          <a:off x="464152" y="246198"/>
+          <a:ext cx="1622331" cy="1622331"/>
         </a:xfrm>
         <a:custGeom>
           <a:avLst/>
@@ -3080,9 +3080,9 @@
           <a:pathLst>
             <a:path>
               <a:moveTo>
-                <a:pt x="1792189" y="1363805"/>
+                <a:pt x="1538208" y="1170885"/>
               </a:moveTo>
-              <a:arcTo wR="945023" hR="945023" stAng="1578282" swAng="1636586"/>
+              <a:arcTo wR="811165" hR="811165" stAng="1579492" swAng="1632605"/>
             </a:path>
           </a:pathLst>
         </a:custGeom>
@@ -3122,8 +3122,8 @@
       </dsp:nvSpPr>
       <dsp:spPr>
         <a:xfrm>
-          <a:off x="1090817" y="1890574"/>
-          <a:ext cx="878631" cy="571110"/>
+          <a:off x="897405" y="1622886"/>
+          <a:ext cx="755823" cy="491285"/>
         </a:xfrm>
         <a:prstGeom prst="roundRect">
           <a:avLst/>
@@ -3208,8 +3208,8 @@
         </a:p>
       </dsp:txBody>
       <dsp:txXfrm>
-        <a:off x="1118696" y="1918453"/>
-        <a:ext cx="822873" cy="515352"/>
+        <a:off x="921388" y="1646869"/>
+        <a:ext cx="707857" cy="443319"/>
       </dsp:txXfrm>
     </dsp:sp>
     <dsp:sp modelId="{F8EEFE25-0600-46BF-9D4E-64B828926DAC}">
@@ -3219,8 +3219,8 @@
       </dsp:nvSpPr>
       <dsp:spPr>
         <a:xfrm>
-          <a:off x="585109" y="286083"/>
-          <a:ext cx="1890046" cy="1890046"/>
+          <a:off x="464152" y="246198"/>
+          <a:ext cx="1622331" cy="1622331"/>
         </a:xfrm>
         <a:custGeom>
           <a:avLst/>
@@ -3231,9 +3231,9 @@
           <a:pathLst>
             <a:path>
               <a:moveTo>
-                <a:pt x="383978" y="1705482"/>
+                <a:pt x="329063" y="1463520"/>
               </a:moveTo>
-              <a:arcTo wR="945023" hR="945023" stAng="7585132" swAng="1636586"/>
+              <a:arcTo wR="811165" hR="811165" stAng="7587904" swAng="1632605"/>
             </a:path>
           </a:pathLst>
         </a:custGeom>
@@ -3273,8 +3273,8 @@
       </dsp:nvSpPr>
       <dsp:spPr>
         <a:xfrm>
-          <a:off x="145794" y="945551"/>
-          <a:ext cx="878631" cy="571110"/>
+          <a:off x="-79300" y="811721"/>
+          <a:ext cx="1086904" cy="491285"/>
         </a:xfrm>
         <a:prstGeom prst="roundRect">
           <a:avLst/>
@@ -3341,8 +3341,8 @@
         </a:p>
       </dsp:txBody>
       <dsp:txXfrm>
-        <a:off x="173673" y="973430"/>
-        <a:ext cx="822873" cy="515352"/>
+        <a:off x="-55317" y="835704"/>
+        <a:ext cx="1038938" cy="443319"/>
       </dsp:txXfrm>
     </dsp:sp>
     <dsp:sp modelId="{C2454825-54E6-44F0-B9F4-69843EF7F8F0}">
@@ -3352,8 +3352,8 @@
       </dsp:nvSpPr>
       <dsp:spPr>
         <a:xfrm>
-          <a:off x="585109" y="286083"/>
-          <a:ext cx="1890046" cy="1890046"/>
+          <a:off x="464152" y="246198"/>
+          <a:ext cx="1622331" cy="1622331"/>
         </a:xfrm>
         <a:custGeom>
           <a:avLst/>
@@ -3364,9 +3364,9 @@
           <a:pathLst>
             <a:path>
               <a:moveTo>
-                <a:pt x="97857" y="526241"/>
+                <a:pt x="84122" y="451445"/>
               </a:moveTo>
-              <a:arcTo wR="945023" hR="945023" stAng="12378282" swAng="1636586"/>
+              <a:arcTo wR="811165" hR="811165" stAng="12379492" swAng="1632605"/>
             </a:path>
           </a:pathLst>
         </a:custGeom>
@@ -7406,7 +7406,7 @@
           <a:p>
             <a:fld id="{35ACAB7E-9791-46EF-9C56-9B9A6246B142}" type="datetimeFigureOut">
               <a:rPr lang="en-AU" smtClean="0"/>
-              <a:t>1/04/2018</a:t>
+              <a:t>4/04/2018</a:t>
             </a:fld>
             <a:endParaRPr lang="en-AU"/>
           </a:p>
@@ -8159,7 +8159,7 @@
           <a:p>
             <a:fld id="{D3A58CAA-286E-417A-8488-C377A93EE4A8}" type="datetimeFigureOut">
               <a:rPr lang="en-AU" smtClean="0"/>
-              <a:t>1/04/2018</a:t>
+              <a:t>4/04/2018</a:t>
             </a:fld>
             <a:endParaRPr lang="en-AU"/>
           </a:p>
@@ -8359,7 +8359,7 @@
           <a:p>
             <a:fld id="{D3A58CAA-286E-417A-8488-C377A93EE4A8}" type="datetimeFigureOut">
               <a:rPr lang="en-AU" smtClean="0"/>
-              <a:t>1/04/2018</a:t>
+              <a:t>4/04/2018</a:t>
             </a:fld>
             <a:endParaRPr lang="en-AU"/>
           </a:p>
@@ -8569,7 +8569,7 @@
           <a:p>
             <a:fld id="{D3A58CAA-286E-417A-8488-C377A93EE4A8}" type="datetimeFigureOut">
               <a:rPr lang="en-AU" smtClean="0"/>
-              <a:t>1/04/2018</a:t>
+              <a:t>4/04/2018</a:t>
             </a:fld>
             <a:endParaRPr lang="en-AU"/>
           </a:p>
@@ -8769,7 +8769,7 @@
           <a:p>
             <a:fld id="{D3A58CAA-286E-417A-8488-C377A93EE4A8}" type="datetimeFigureOut">
               <a:rPr lang="en-AU" smtClean="0"/>
-              <a:t>1/04/2018</a:t>
+              <a:t>4/04/2018</a:t>
             </a:fld>
             <a:endParaRPr lang="en-AU"/>
           </a:p>
@@ -9045,7 +9045,7 @@
           <a:p>
             <a:fld id="{D3A58CAA-286E-417A-8488-C377A93EE4A8}" type="datetimeFigureOut">
               <a:rPr lang="en-AU" smtClean="0"/>
-              <a:t>1/04/2018</a:t>
+              <a:t>4/04/2018</a:t>
             </a:fld>
             <a:endParaRPr lang="en-AU"/>
           </a:p>
@@ -9313,7 +9313,7 @@
           <a:p>
             <a:fld id="{D3A58CAA-286E-417A-8488-C377A93EE4A8}" type="datetimeFigureOut">
               <a:rPr lang="en-AU" smtClean="0"/>
-              <a:t>1/04/2018</a:t>
+              <a:t>4/04/2018</a:t>
             </a:fld>
             <a:endParaRPr lang="en-AU"/>
           </a:p>
@@ -9728,7 +9728,7 @@
           <a:p>
             <a:fld id="{D3A58CAA-286E-417A-8488-C377A93EE4A8}" type="datetimeFigureOut">
               <a:rPr lang="en-AU" smtClean="0"/>
-              <a:t>1/04/2018</a:t>
+              <a:t>4/04/2018</a:t>
             </a:fld>
             <a:endParaRPr lang="en-AU"/>
           </a:p>
@@ -9870,7 +9870,7 @@
           <a:p>
             <a:fld id="{D3A58CAA-286E-417A-8488-C377A93EE4A8}" type="datetimeFigureOut">
               <a:rPr lang="en-AU" smtClean="0"/>
-              <a:t>1/04/2018</a:t>
+              <a:t>4/04/2018</a:t>
             </a:fld>
             <a:endParaRPr lang="en-AU"/>
           </a:p>
@@ -9983,7 +9983,7 @@
           <a:p>
             <a:fld id="{D3A58CAA-286E-417A-8488-C377A93EE4A8}" type="datetimeFigureOut">
               <a:rPr lang="en-AU" smtClean="0"/>
-              <a:t>1/04/2018</a:t>
+              <a:t>4/04/2018</a:t>
             </a:fld>
             <a:endParaRPr lang="en-AU"/>
           </a:p>
@@ -10296,7 +10296,7 @@
           <a:p>
             <a:fld id="{D3A58CAA-286E-417A-8488-C377A93EE4A8}" type="datetimeFigureOut">
               <a:rPr lang="en-AU" smtClean="0"/>
-              <a:t>1/04/2018</a:t>
+              <a:t>4/04/2018</a:t>
             </a:fld>
             <a:endParaRPr lang="en-AU"/>
           </a:p>
@@ -10585,7 +10585,7 @@
           <a:p>
             <a:fld id="{D3A58CAA-286E-417A-8488-C377A93EE4A8}" type="datetimeFigureOut">
               <a:rPr lang="en-AU" smtClean="0"/>
-              <a:t>1/04/2018</a:t>
+              <a:t>4/04/2018</a:t>
             </a:fld>
             <a:endParaRPr lang="en-AU"/>
           </a:p>
@@ -10828,7 +10828,7 @@
           <a:p>
             <a:fld id="{D3A58CAA-286E-417A-8488-C377A93EE4A8}" type="datetimeFigureOut">
               <a:rPr lang="en-AU" smtClean="0"/>
-              <a:t>1/04/2018</a:t>
+              <a:t>4/04/2018</a:t>
             </a:fld>
             <a:endParaRPr lang="en-AU"/>
           </a:p>
@@ -11573,8 +11573,8 @@
         </p:blipFill>
         <p:spPr>
           <a:xfrm>
-            <a:off x="5637629" y="2827949"/>
-            <a:ext cx="890911" cy="890911"/>
+            <a:off x="5679804" y="1868570"/>
+            <a:ext cx="662002" cy="662002"/>
           </a:xfrm>
           <a:prstGeom prst="rect">
             <a:avLst/>
@@ -11709,14 +11709,14 @@
           <p:nvPr>
             <p:extLst>
               <p:ext uri="{D42A27DB-BD31-4B8C-83A1-F6EECF244321}">
-                <p14:modId xmlns:p14="http://schemas.microsoft.com/office/powerpoint/2010/main" val="1901544310"/>
+                <p14:modId xmlns:p14="http://schemas.microsoft.com/office/powerpoint/2010/main" val="1415103806"/>
               </p:ext>
             </p:extLst>
           </p:nvPr>
         </p:nvGraphicFramePr>
         <p:xfrm>
-          <a:off x="793201" y="4020127"/>
-          <a:ext cx="3060266" cy="2462213"/>
+          <a:off x="1061598" y="3962787"/>
+          <a:ext cx="2385095" cy="2114728"/>
         </p:xfrm>
         <a:graphic>
           <a:graphicData uri="http://schemas.openxmlformats.org/drawingml/2006/diagram">
@@ -11738,8 +11738,8 @@
         </p:nvSpPr>
         <p:spPr>
           <a:xfrm>
-            <a:off x="5184649" y="3886312"/>
-            <a:ext cx="2199349" cy="1631216"/>
+            <a:off x="5124645" y="2565299"/>
+            <a:ext cx="1905777" cy="553998"/>
           </a:xfrm>
           <a:prstGeom prst="rect">
             <a:avLst/>
@@ -11753,78 +11753,73 @@
           <a:lstStyle/>
           <a:p>
             <a:r>
-              <a:rPr lang="en-AU" sz="1000" dirty="0"/>
+              <a:rPr lang="en-AU" sz="1000" dirty="0">
+                <a:solidFill>
+                  <a:schemeClr val="accent1">
+                    <a:lumMod val="75000"/>
+                  </a:schemeClr>
+                </a:solidFill>
+              </a:rPr>
               <a:t>Topic – Become A Member</a:t>
             </a:r>
           </a:p>
           <a:p>
             <a:r>
-              <a:rPr lang="en-AU" sz="1000" dirty="0"/>
+              <a:rPr lang="en-AU" sz="1000" dirty="0">
+                <a:solidFill>
+                  <a:schemeClr val="accent1">
+                    <a:lumMod val="75000"/>
+                  </a:schemeClr>
+                </a:solidFill>
+              </a:rPr>
               <a:t>Event Type - </a:t>
             </a:r>
             <a:r>
-              <a:rPr lang="en-AU" sz="1000" dirty="0" err="1"/>
+              <a:rPr lang="en-AU" sz="1000" dirty="0" err="1">
+                <a:solidFill>
+                  <a:schemeClr val="accent1">
+                    <a:lumMod val="75000"/>
+                  </a:schemeClr>
+                </a:solidFill>
+              </a:rPr>
               <a:t>Purchase.Created</a:t>
             </a:r>
-            <a:endParaRPr lang="en-AU" sz="1000" dirty="0"/>
-          </a:p>
-          <a:p>
-            <a:r>
-              <a:rPr lang="en-AU" sz="1000" dirty="0"/>
+            <a:endParaRPr lang="en-AU" sz="1000" dirty="0">
+              <a:solidFill>
+                <a:schemeClr val="accent1">
+                  <a:lumMod val="75000"/>
+                </a:schemeClr>
+              </a:solidFill>
+            </a:endParaRPr>
+          </a:p>
+          <a:p>
+            <a:r>
+              <a:rPr lang="en-AU" sz="1000" dirty="0">
+                <a:solidFill>
+                  <a:schemeClr val="accent1">
+                    <a:lumMod val="75000"/>
+                  </a:schemeClr>
+                </a:solidFill>
+              </a:rPr>
               <a:t>Event Type - </a:t>
             </a:r>
             <a:r>
-              <a:rPr lang="en-AU" sz="1000" dirty="0" err="1"/>
+              <a:rPr lang="en-AU" sz="1000" dirty="0" err="1">
+                <a:solidFill>
+                  <a:schemeClr val="accent1">
+                    <a:lumMod val="75000"/>
+                  </a:schemeClr>
+                </a:solidFill>
+              </a:rPr>
               <a:t>Purchase.Fulfilled</a:t>
             </a:r>
-            <a:endParaRPr lang="en-AU" sz="1000" dirty="0"/>
-          </a:p>
-          <a:p>
-            <a:pPr marL="285750" indent="-285750">
-              <a:buFont typeface="Arial" panose="020B0604020202020204" pitchFamily="34" charset="0"/>
-              <a:buChar char="•"/>
-            </a:pPr>
-            <a:endParaRPr lang="en-AU" sz="1000" dirty="0"/>
-          </a:p>
-          <a:p>
-            <a:r>
-              <a:rPr lang="en-AU" sz="1000" dirty="0"/>
-              <a:t>Topic – Resolve My Complaint</a:t>
-            </a:r>
-          </a:p>
-          <a:p>
-            <a:r>
-              <a:rPr lang="en-AU" sz="1000" dirty="0"/>
-              <a:t>Event Type - </a:t>
-            </a:r>
-            <a:r>
-              <a:rPr lang="en-AU" sz="1000" dirty="0" err="1"/>
-              <a:t>Purchase.PartialRefund</a:t>
-            </a:r>
-            <a:endParaRPr lang="en-AU" sz="1000" dirty="0"/>
-          </a:p>
-          <a:p>
-            <a:endParaRPr lang="en-AU" sz="1000" dirty="0"/>
-          </a:p>
-          <a:p>
-            <a:r>
-              <a:rPr lang="en-AU" sz="1000" dirty="0"/>
-              <a:t>Topic – Cancel My Membership</a:t>
-            </a:r>
-          </a:p>
-          <a:p>
-            <a:r>
-              <a:rPr lang="en-AU" sz="1000" dirty="0"/>
-              <a:t>Event Type - </a:t>
-            </a:r>
-            <a:r>
-              <a:rPr lang="en-AU" sz="1000" dirty="0" err="1"/>
-              <a:t>Purchase.Refunded</a:t>
-            </a:r>
-            <a:endParaRPr lang="en-AU" sz="1000" dirty="0"/>
-          </a:p>
-          <a:p>
-            <a:endParaRPr lang="en-AU" sz="1000" dirty="0"/>
+            <a:endParaRPr lang="en-AU" sz="1000" dirty="0">
+              <a:solidFill>
+                <a:schemeClr val="accent1">
+                  <a:lumMod val="75000"/>
+                </a:schemeClr>
+              </a:solidFill>
+            </a:endParaRPr>
           </a:p>
         </p:txBody>
       </p:sp>
@@ -11859,7 +11854,7 @@
         </p:blipFill>
         <p:spPr>
           <a:xfrm>
-            <a:off x="9325316" y="2110833"/>
+            <a:off x="9274510" y="1662706"/>
             <a:ext cx="933981" cy="1005570"/>
           </a:xfrm>
           <a:prstGeom prst="rect">
@@ -11881,7 +11876,7 @@
         </p:nvSpPr>
         <p:spPr>
           <a:xfrm>
-            <a:off x="9325316" y="1334785"/>
+            <a:off x="9274510" y="886658"/>
             <a:ext cx="3442900" cy="646331"/>
           </a:xfrm>
           <a:prstGeom prst="rect">
@@ -11897,13 +11892,13 @@
           <a:p>
             <a:r>
               <a:rPr lang="en-AU" sz="2000" b="1" u="sng" dirty="0"/>
-              <a:t>Referrer-A APIs</a:t>
+              <a:t>Partner-A APIs</a:t>
             </a:r>
           </a:p>
           <a:p>
             <a:r>
               <a:rPr lang="en-AU" sz="1600" dirty="0"/>
-              <a:t>multiple notification operations</a:t>
+              <a:t>distinct notification operations</a:t>
             </a:r>
           </a:p>
         </p:txBody>
@@ -11926,8 +11921,8 @@
         </p:nvCxnSpPr>
         <p:spPr>
           <a:xfrm flipV="1">
-            <a:off x="6528540" y="2613618"/>
-            <a:ext cx="2796776" cy="659787"/>
+            <a:off x="6341806" y="2165491"/>
+            <a:ext cx="2932704" cy="34080"/>
           </a:xfrm>
           <a:prstGeom prst="straightConnector1">
             <a:avLst/>
@@ -11970,9 +11965,9 @@
           <p:nvPr/>
         </p:nvSpPr>
         <p:spPr>
-          <a:xfrm rot="20771503">
-            <a:off x="7093740" y="2444260"/>
-            <a:ext cx="2312499" cy="307777"/>
+          <a:xfrm>
+            <a:off x="7356453" y="1781789"/>
+            <a:ext cx="2234793" cy="307777"/>
           </a:xfrm>
           <a:prstGeom prst="rect">
             <a:avLst/>
@@ -11986,8 +11981,8 @@
           <a:lstStyle/>
           <a:p>
             <a:r>
-              <a:rPr lang="en-AU" sz="1400" dirty="0"/>
-              <a:t>filter = “Referrer-A”</a:t>
+              <a:rPr lang="en-AU" sz="1400" b="1" dirty="0"/>
+              <a:t>sub filter = “Partner-A”</a:t>
             </a:r>
           </a:p>
         </p:txBody>
@@ -12023,7 +12018,7 @@
         </p:blipFill>
         <p:spPr>
           <a:xfrm>
-            <a:off x="9325316" y="4145079"/>
+            <a:off x="9276156" y="5020151"/>
             <a:ext cx="933981" cy="1005570"/>
           </a:xfrm>
           <a:prstGeom prst="rect">
@@ -12045,7 +12040,7 @@
         </p:nvSpPr>
         <p:spPr>
           <a:xfrm>
-            <a:off x="9323670" y="3449412"/>
+            <a:off x="9274510" y="4324484"/>
             <a:ext cx="2576711" cy="892552"/>
           </a:xfrm>
           <a:prstGeom prst="rect">
@@ -12061,7 +12056,7 @@
           <a:p>
             <a:r>
               <a:rPr lang="en-AU" sz="2000" b="1" u="sng" dirty="0"/>
-              <a:t>Referrer-B API</a:t>
+              <a:t>Partner-B API</a:t>
             </a:r>
           </a:p>
           <a:p>
@@ -12093,8 +12088,8 @@
         </p:nvCxnSpPr>
         <p:spPr>
           <a:xfrm>
-            <a:off x="6528540" y="3273405"/>
-            <a:ext cx="2796776" cy="1374459"/>
+            <a:off x="6341806" y="2199571"/>
+            <a:ext cx="2934350" cy="3323365"/>
           </a:xfrm>
           <a:prstGeom prst="straightConnector1">
             <a:avLst/>
@@ -12138,8 +12133,8 @@
         </p:nvSpPr>
         <p:spPr>
           <a:xfrm>
-            <a:off x="5225914" y="1941133"/>
-            <a:ext cx="1511571" cy="400110"/>
+            <a:off x="4770590" y="1177839"/>
+            <a:ext cx="2464106" cy="615553"/>
           </a:xfrm>
           <a:prstGeom prst="rect">
             <a:avLst/>
@@ -12152,10 +12147,19 @@
           </a:bodyPr>
           <a:lstStyle/>
           <a:p>
+            <a:pPr algn="ctr"/>
             <a:r>
               <a:rPr lang="en-AU" sz="2000" b="1" u="sng" dirty="0"/>
               <a:t>Insurer HUB</a:t>
             </a:r>
+          </a:p>
+          <a:p>
+            <a:pPr algn="ctr"/>
+            <a:r>
+              <a:rPr lang="en-AU" sz="1400" dirty="0"/>
+              <a:t>route events to subscribers</a:t>
+            </a:r>
+            <a:endParaRPr lang="en-AU" sz="1400" b="1" u="sng" dirty="0"/>
           </a:p>
         </p:txBody>
       </p:sp>
@@ -12219,19 +12223,17 @@
           <p:cNvCxnSpPr>
             <a:cxnSpLocks/>
             <a:stCxn id="6" idx="3"/>
-            <a:endCxn id="9" idx="1"/>
+            <a:endCxn id="56" idx="2"/>
           </p:cNvCxnSpPr>
           <p:nvPr/>
         </p:nvCxnSpPr>
         <p:spPr>
           <a:xfrm flipV="1">
-            <a:off x="2842499" y="3273405"/>
-            <a:ext cx="2795130" cy="179"/>
+            <a:off x="2842499" y="2199073"/>
+            <a:ext cx="2103774" cy="1074511"/>
           </a:xfrm>
-          <a:prstGeom prst="bentConnector3">
-            <a:avLst>
-              <a:gd name="adj1" fmla="val 50000"/>
-            </a:avLst>
+          <a:prstGeom prst="curvedConnector3">
+            <a:avLst/>
           </a:prstGeom>
           <a:ln w="25400" cap="flat" cmpd="sng" algn="ctr">
             <a:solidFill>
@@ -12287,7 +12289,7 @@
           <a:lstStyle/>
           <a:p>
             <a:r>
-              <a:rPr lang="en-AU" sz="1400" dirty="0"/>
+              <a:rPr lang="en-AU" sz="1400" b="1" dirty="0"/>
               <a:t>drive policy lifecycle</a:t>
             </a:r>
           </a:p>
@@ -12307,8 +12309,8 @@
         </p:nvSpPr>
         <p:spPr>
           <a:xfrm>
-            <a:off x="3141555" y="3371086"/>
-            <a:ext cx="2068345" cy="307777"/>
+            <a:off x="3902294" y="2850405"/>
+            <a:ext cx="1204105" cy="523220"/>
           </a:xfrm>
           <a:prstGeom prst="rect">
             <a:avLst/>
@@ -12322,8 +12324,14 @@
           <a:lstStyle/>
           <a:p>
             <a:r>
-              <a:rPr lang="en-AU" sz="1400" dirty="0"/>
-              <a:t>push events to hub topics</a:t>
+              <a:rPr lang="en-AU" sz="1400" b="1" dirty="0"/>
+              <a:t>push events </a:t>
+            </a:r>
+          </a:p>
+          <a:p>
+            <a:r>
+              <a:rPr lang="en-AU" sz="1400" b="1" dirty="0"/>
+              <a:t>to hub topics</a:t>
             </a:r>
           </a:p>
         </p:txBody>
@@ -12341,9 +12349,9 @@
           <p:nvPr/>
         </p:nvSpPr>
         <p:spPr>
-          <a:xfrm rot="1623682">
-            <a:off x="7327423" y="3840809"/>
-            <a:ext cx="2312499" cy="307777"/>
+          <a:xfrm>
+            <a:off x="7430886" y="5604573"/>
+            <a:ext cx="1876679" cy="307777"/>
           </a:xfrm>
           <a:prstGeom prst="rect">
             <a:avLst/>
@@ -12357,18 +12365,18 @@
           <a:lstStyle/>
           <a:p>
             <a:r>
-              <a:rPr lang="en-AU" sz="1400" dirty="0"/>
-              <a:t>filter = “Referrer-B”</a:t>
+              <a:rPr lang="en-AU" sz="1400" b="1" dirty="0"/>
+              <a:t>sub filter = “Partner-B”</a:t>
             </a:r>
           </a:p>
         </p:txBody>
       </p:sp>
       <p:sp>
         <p:nvSpPr>
-          <p:cNvPr id="27" name="TextBox 26">
-            <a:extLst>
-              <a:ext uri="{FF2B5EF4-FFF2-40B4-BE49-F238E27FC236}">
-                <a16:creationId xmlns:a16="http://schemas.microsoft.com/office/drawing/2014/main" id="{1C9EF330-15EB-428E-B4E6-FBD8B6D698E4}"/>
+          <p:cNvPr id="28" name="TextBox 27">
+            <a:extLst>
+              <a:ext uri="{FF2B5EF4-FFF2-40B4-BE49-F238E27FC236}">
+                <a16:creationId xmlns:a16="http://schemas.microsoft.com/office/drawing/2014/main" id="{26409931-DAC4-4847-B1E3-5AAD6CB825E3}"/>
               </a:ext>
             </a:extLst>
           </p:cNvPr>
@@ -12377,42 +12385,7 @@
         </p:nvSpPr>
         <p:spPr>
           <a:xfrm>
-            <a:off x="4896999" y="2329494"/>
-            <a:ext cx="2357166" cy="307777"/>
-          </a:xfrm>
-          <a:prstGeom prst="rect">
-            <a:avLst/>
-          </a:prstGeom>
-          <a:noFill/>
-        </p:spPr>
-        <p:txBody>
-          <a:bodyPr wrap="square" rtlCol="0">
-            <a:spAutoFit/>
-          </a:bodyPr>
-          <a:lstStyle/>
-          <a:p>
-            <a:r>
-              <a:rPr lang="en-AU" sz="1400" dirty="0"/>
-              <a:t>route events to subscribers</a:t>
-            </a:r>
-          </a:p>
-        </p:txBody>
-      </p:sp>
-      <p:sp>
-        <p:nvSpPr>
-          <p:cNvPr id="28" name="TextBox 27">
-            <a:extLst>
-              <a:ext uri="{FF2B5EF4-FFF2-40B4-BE49-F238E27FC236}">
-                <a16:creationId xmlns:a16="http://schemas.microsoft.com/office/drawing/2014/main" id="{26409931-DAC4-4847-B1E3-5AAD6CB825E3}"/>
-              </a:ext>
-            </a:extLst>
-          </p:cNvPr>
-          <p:cNvSpPr txBox="1"/>
-          <p:nvPr/>
-        </p:nvSpPr>
-        <p:spPr>
-          <a:xfrm>
-            <a:off x="10385082" y="2182731"/>
+            <a:off x="10208491" y="1714186"/>
             <a:ext cx="1860415" cy="861774"/>
           </a:xfrm>
           <a:prstGeom prst="rect">
@@ -12427,82 +12400,208 @@
           <a:lstStyle/>
           <a:p>
             <a:r>
-              <a:rPr lang="en-AU" sz="1000" dirty="0"/>
+              <a:rPr lang="en-AU" sz="1000" dirty="0">
+                <a:solidFill>
+                  <a:schemeClr val="accent1">
+                    <a:lumMod val="75000"/>
+                  </a:schemeClr>
+                </a:solidFill>
+              </a:rPr>
               <a:t>/</a:t>
             </a:r>
             <a:r>
-              <a:rPr lang="en-AU" sz="1000" dirty="0" err="1"/>
+              <a:rPr lang="en-AU" sz="1000" dirty="0" err="1">
+                <a:solidFill>
+                  <a:schemeClr val="accent1">
+                    <a:lumMod val="75000"/>
+                  </a:schemeClr>
+                </a:solidFill>
+              </a:rPr>
               <a:t>api</a:t>
             </a:r>
             <a:r>
-              <a:rPr lang="en-AU" sz="1000" dirty="0"/>
+              <a:rPr lang="en-AU" sz="1000" dirty="0">
+                <a:solidFill>
+                  <a:schemeClr val="accent1">
+                    <a:lumMod val="75000"/>
+                  </a:schemeClr>
+                </a:solidFill>
+              </a:rPr>
               <a:t>/</a:t>
             </a:r>
             <a:r>
-              <a:rPr lang="en-AU" sz="1000" dirty="0" err="1"/>
+              <a:rPr lang="en-AU" sz="1000" dirty="0" err="1">
+                <a:solidFill>
+                  <a:schemeClr val="accent1">
+                    <a:lumMod val="75000"/>
+                  </a:schemeClr>
+                </a:solidFill>
+              </a:rPr>
               <a:t>TransactionApproved</a:t>
             </a:r>
-            <a:endParaRPr lang="en-AU" sz="1000" dirty="0"/>
-          </a:p>
-          <a:p>
-            <a:r>
-              <a:rPr lang="en-AU" sz="1000" dirty="0"/>
+            <a:endParaRPr lang="en-AU" sz="1000" dirty="0">
+              <a:solidFill>
+                <a:schemeClr val="accent1">
+                  <a:lumMod val="75000"/>
+                </a:schemeClr>
+              </a:solidFill>
+            </a:endParaRPr>
+          </a:p>
+          <a:p>
+            <a:r>
+              <a:rPr lang="en-AU" sz="1000" dirty="0">
+                <a:solidFill>
+                  <a:schemeClr val="accent1">
+                    <a:lumMod val="75000"/>
+                  </a:schemeClr>
+                </a:solidFill>
+              </a:rPr>
               <a:t>/</a:t>
             </a:r>
             <a:r>
-              <a:rPr lang="en-AU" sz="1000" dirty="0" err="1"/>
+              <a:rPr lang="en-AU" sz="1000" dirty="0" err="1">
+                <a:solidFill>
+                  <a:schemeClr val="accent1">
+                    <a:lumMod val="75000"/>
+                  </a:schemeClr>
+                </a:solidFill>
+              </a:rPr>
               <a:t>api</a:t>
             </a:r>
             <a:r>
-              <a:rPr lang="en-AU" sz="1000" dirty="0"/>
+              <a:rPr lang="en-AU" sz="1000" dirty="0">
+                <a:solidFill>
+                  <a:schemeClr val="accent1">
+                    <a:lumMod val="75000"/>
+                  </a:schemeClr>
+                </a:solidFill>
+              </a:rPr>
               <a:t>/</a:t>
             </a:r>
             <a:r>
-              <a:rPr lang="en-AU" sz="1000" dirty="0" err="1"/>
+              <a:rPr lang="en-AU" sz="1000" dirty="0" err="1">
+                <a:solidFill>
+                  <a:schemeClr val="accent1">
+                    <a:lumMod val="75000"/>
+                  </a:schemeClr>
+                </a:solidFill>
+              </a:rPr>
               <a:t>TransactionUpdated</a:t>
             </a:r>
-            <a:endParaRPr lang="en-AU" sz="1000" dirty="0"/>
-          </a:p>
-          <a:p>
-            <a:r>
-              <a:rPr lang="en-AU" sz="1000" dirty="0"/>
+            <a:endParaRPr lang="en-AU" sz="1000" dirty="0">
+              <a:solidFill>
+                <a:schemeClr val="accent1">
+                  <a:lumMod val="75000"/>
+                </a:schemeClr>
+              </a:solidFill>
+            </a:endParaRPr>
+          </a:p>
+          <a:p>
+            <a:r>
+              <a:rPr lang="en-AU" sz="1000" dirty="0">
+                <a:solidFill>
+                  <a:schemeClr val="accent1">
+                    <a:lumMod val="75000"/>
+                  </a:schemeClr>
+                </a:solidFill>
+              </a:rPr>
               <a:t>/</a:t>
             </a:r>
             <a:r>
-              <a:rPr lang="en-AU" sz="1000" dirty="0" err="1"/>
+              <a:rPr lang="en-AU" sz="1000" dirty="0" err="1">
+                <a:solidFill>
+                  <a:schemeClr val="accent1">
+                    <a:lumMod val="75000"/>
+                  </a:schemeClr>
+                </a:solidFill>
+              </a:rPr>
               <a:t>api</a:t>
             </a:r>
             <a:r>
-              <a:rPr lang="en-AU" sz="1000" dirty="0"/>
+              <a:rPr lang="en-AU" sz="1000" dirty="0">
+                <a:solidFill>
+                  <a:schemeClr val="accent1">
+                    <a:lumMod val="75000"/>
+                  </a:schemeClr>
+                </a:solidFill>
+              </a:rPr>
               <a:t>/</a:t>
             </a:r>
             <a:r>
-              <a:rPr lang="en-AU" sz="1000" dirty="0" err="1"/>
+              <a:rPr lang="en-AU" sz="1000" dirty="0" err="1">
+                <a:solidFill>
+                  <a:schemeClr val="accent1">
+                    <a:lumMod val="75000"/>
+                  </a:schemeClr>
+                </a:solidFill>
+              </a:rPr>
               <a:t>TransactionPartialRefund</a:t>
             </a:r>
-            <a:endParaRPr lang="en-AU" sz="1000" dirty="0"/>
-          </a:p>
-          <a:p>
-            <a:r>
-              <a:rPr lang="en-AU" sz="1000" dirty="0"/>
+            <a:endParaRPr lang="en-AU" sz="1000" dirty="0">
+              <a:solidFill>
+                <a:schemeClr val="accent1">
+                  <a:lumMod val="75000"/>
+                </a:schemeClr>
+              </a:solidFill>
+            </a:endParaRPr>
+          </a:p>
+          <a:p>
+            <a:r>
+              <a:rPr lang="en-AU" sz="1000" dirty="0">
+                <a:solidFill>
+                  <a:schemeClr val="accent1">
+                    <a:lumMod val="75000"/>
+                  </a:schemeClr>
+                </a:solidFill>
+              </a:rPr>
               <a:t>/</a:t>
             </a:r>
             <a:r>
-              <a:rPr lang="en-AU" sz="1000" dirty="0" err="1"/>
+              <a:rPr lang="en-AU" sz="1000" dirty="0" err="1">
+                <a:solidFill>
+                  <a:schemeClr val="accent1">
+                    <a:lumMod val="75000"/>
+                  </a:schemeClr>
+                </a:solidFill>
+              </a:rPr>
               <a:t>api</a:t>
             </a:r>
             <a:r>
-              <a:rPr lang="en-AU" sz="1000" dirty="0"/>
+              <a:rPr lang="en-AU" sz="1000" dirty="0">
+                <a:solidFill>
+                  <a:schemeClr val="accent1">
+                    <a:lumMod val="75000"/>
+                  </a:schemeClr>
+                </a:solidFill>
+              </a:rPr>
               <a:t>/</a:t>
             </a:r>
             <a:r>
-              <a:rPr lang="en-AU" sz="1000" dirty="0" err="1"/>
+              <a:rPr lang="en-AU" sz="1000" dirty="0" err="1">
+                <a:solidFill>
+                  <a:schemeClr val="accent1">
+                    <a:lumMod val="75000"/>
+                  </a:schemeClr>
+                </a:solidFill>
+              </a:rPr>
               <a:t>TransactionRefund</a:t>
             </a:r>
-            <a:endParaRPr lang="en-AU" sz="1000" dirty="0"/>
-          </a:p>
-          <a:p>
-            <a:endParaRPr lang="en-AU" sz="1000" dirty="0"/>
+            <a:endParaRPr lang="en-AU" sz="1000" dirty="0">
+              <a:solidFill>
+                <a:schemeClr val="accent1">
+                  <a:lumMod val="75000"/>
+                </a:schemeClr>
+              </a:solidFill>
+            </a:endParaRPr>
+          </a:p>
+          <a:p>
+            <a:endParaRPr lang="en-AU" sz="1000" dirty="0">
+              <a:solidFill>
+                <a:schemeClr val="accent1">
+                  <a:lumMod val="75000"/>
+                </a:schemeClr>
+              </a:solidFill>
+            </a:endParaRPr>
           </a:p>
         </p:txBody>
       </p:sp>
@@ -12520,7 +12619,7 @@
         </p:nvSpPr>
         <p:spPr>
           <a:xfrm>
-            <a:off x="10385082" y="4564692"/>
+            <a:off x="10194992" y="5323993"/>
             <a:ext cx="1860415" cy="246221"/>
           </a:xfrm>
           <a:prstGeom prst="rect">
@@ -12535,25 +12634,824 @@
           <a:lstStyle/>
           <a:p>
             <a:r>
-              <a:rPr lang="en-AU" sz="1000" dirty="0"/>
+              <a:rPr lang="en-AU" sz="1000" dirty="0">
+                <a:solidFill>
+                  <a:schemeClr val="accent1">
+                    <a:lumMod val="75000"/>
+                  </a:schemeClr>
+                </a:solidFill>
+              </a:rPr>
               <a:t>/</a:t>
             </a:r>
             <a:r>
-              <a:rPr lang="en-AU" sz="1000" dirty="0" err="1"/>
+              <a:rPr lang="en-AU" sz="1000" dirty="0" err="1">
+                <a:solidFill>
+                  <a:schemeClr val="accent1">
+                    <a:lumMod val="75000"/>
+                  </a:schemeClr>
+                </a:solidFill>
+              </a:rPr>
               <a:t>api</a:t>
             </a:r>
             <a:r>
-              <a:rPr lang="en-AU" sz="1000" dirty="0"/>
+              <a:rPr lang="en-AU" sz="1000" dirty="0">
+                <a:solidFill>
+                  <a:schemeClr val="accent1">
+                    <a:lumMod val="75000"/>
+                  </a:schemeClr>
+                </a:solidFill>
+              </a:rPr>
               <a:t>/</a:t>
             </a:r>
             <a:r>
-              <a:rPr lang="en-AU" sz="1000" dirty="0" err="1"/>
+              <a:rPr lang="en-AU" sz="1000" dirty="0" err="1">
+                <a:solidFill>
+                  <a:schemeClr val="accent1">
+                    <a:lumMod val="75000"/>
+                  </a:schemeClr>
+                </a:solidFill>
+              </a:rPr>
               <a:t>TransactionChanged</a:t>
             </a:r>
-            <a:endParaRPr lang="en-AU" sz="1000" dirty="0"/>
+            <a:endParaRPr lang="en-AU" sz="1000" dirty="0">
+              <a:solidFill>
+                <a:schemeClr val="accent1">
+                  <a:lumMod val="75000"/>
+                </a:schemeClr>
+              </a:solidFill>
+            </a:endParaRPr>
           </a:p>
         </p:txBody>
       </p:sp>
+      <p:sp>
+        <p:nvSpPr>
+          <p:cNvPr id="37" name="TextBox 36">
+            <a:extLst>
+              <a:ext uri="{FF2B5EF4-FFF2-40B4-BE49-F238E27FC236}">
+                <a16:creationId xmlns:a16="http://schemas.microsoft.com/office/drawing/2014/main" id="{F127D982-E241-42DF-8DDE-0F1C672601C1}"/>
+              </a:ext>
+            </a:extLst>
+          </p:cNvPr>
+          <p:cNvSpPr txBox="1"/>
+          <p:nvPr/>
+        </p:nvSpPr>
+        <p:spPr>
+          <a:xfrm>
+            <a:off x="5060483" y="4205219"/>
+            <a:ext cx="2068346" cy="400110"/>
+          </a:xfrm>
+          <a:prstGeom prst="rect">
+            <a:avLst/>
+          </a:prstGeom>
+          <a:noFill/>
+        </p:spPr>
+        <p:txBody>
+          <a:bodyPr wrap="square" rtlCol="0">
+            <a:spAutoFit/>
+          </a:bodyPr>
+          <a:lstStyle/>
+          <a:p>
+            <a:r>
+              <a:rPr lang="en-AU" sz="1000" dirty="0">
+                <a:solidFill>
+                  <a:schemeClr val="accent1">
+                    <a:lumMod val="75000"/>
+                  </a:schemeClr>
+                </a:solidFill>
+              </a:rPr>
+              <a:t>Topic – Resolve My Complaint</a:t>
+            </a:r>
+          </a:p>
+          <a:p>
+            <a:r>
+              <a:rPr lang="en-AU" sz="1000" dirty="0">
+                <a:solidFill>
+                  <a:schemeClr val="accent1">
+                    <a:lumMod val="75000"/>
+                  </a:schemeClr>
+                </a:solidFill>
+              </a:rPr>
+              <a:t>Event Type - </a:t>
+            </a:r>
+            <a:r>
+              <a:rPr lang="en-AU" sz="1000" dirty="0" err="1">
+                <a:solidFill>
+                  <a:schemeClr val="accent1">
+                    <a:lumMod val="75000"/>
+                  </a:schemeClr>
+                </a:solidFill>
+              </a:rPr>
+              <a:t>Purchase.PartialRefund</a:t>
+            </a:r>
+            <a:endParaRPr lang="en-AU" sz="1000" dirty="0">
+              <a:solidFill>
+                <a:schemeClr val="accent1">
+                  <a:lumMod val="75000"/>
+                </a:schemeClr>
+              </a:solidFill>
+            </a:endParaRPr>
+          </a:p>
+        </p:txBody>
+      </p:sp>
+      <p:sp>
+        <p:nvSpPr>
+          <p:cNvPr id="38" name="TextBox 37">
+            <a:extLst>
+              <a:ext uri="{FF2B5EF4-FFF2-40B4-BE49-F238E27FC236}">
+                <a16:creationId xmlns:a16="http://schemas.microsoft.com/office/drawing/2014/main" id="{44DF223A-2F27-4D3C-B54B-2981A4CB2E6D}"/>
+              </a:ext>
+            </a:extLst>
+          </p:cNvPr>
+          <p:cNvSpPr txBox="1"/>
+          <p:nvPr/>
+        </p:nvSpPr>
+        <p:spPr>
+          <a:xfrm>
+            <a:off x="5124645" y="5940718"/>
+            <a:ext cx="1860415" cy="553998"/>
+          </a:xfrm>
+          <a:prstGeom prst="rect">
+            <a:avLst/>
+          </a:prstGeom>
+          <a:noFill/>
+        </p:spPr>
+        <p:txBody>
+          <a:bodyPr wrap="square" rtlCol="0">
+            <a:spAutoFit/>
+          </a:bodyPr>
+          <a:lstStyle/>
+          <a:p>
+            <a:r>
+              <a:rPr lang="en-AU" sz="1000" dirty="0">
+                <a:solidFill>
+                  <a:schemeClr val="accent1">
+                    <a:lumMod val="75000"/>
+                  </a:schemeClr>
+                </a:solidFill>
+              </a:rPr>
+              <a:t>Topic – Cancel My Membership</a:t>
+            </a:r>
+          </a:p>
+          <a:p>
+            <a:r>
+              <a:rPr lang="en-AU" sz="1000" dirty="0">
+                <a:solidFill>
+                  <a:schemeClr val="accent1">
+                    <a:lumMod val="75000"/>
+                  </a:schemeClr>
+                </a:solidFill>
+              </a:rPr>
+              <a:t>Event Type - </a:t>
+            </a:r>
+            <a:r>
+              <a:rPr lang="en-AU" sz="1000" dirty="0" err="1">
+                <a:solidFill>
+                  <a:schemeClr val="accent1">
+                    <a:lumMod val="75000"/>
+                  </a:schemeClr>
+                </a:solidFill>
+              </a:rPr>
+              <a:t>Purchase.Refunded</a:t>
+            </a:r>
+            <a:endParaRPr lang="en-AU" sz="1000" dirty="0">
+              <a:solidFill>
+                <a:schemeClr val="accent1">
+                  <a:lumMod val="75000"/>
+                </a:schemeClr>
+              </a:solidFill>
+            </a:endParaRPr>
+          </a:p>
+          <a:p>
+            <a:endParaRPr lang="en-AU" sz="1000" dirty="0">
+              <a:solidFill>
+                <a:schemeClr val="accent1">
+                  <a:lumMod val="75000"/>
+                </a:schemeClr>
+              </a:solidFill>
+            </a:endParaRPr>
+          </a:p>
+        </p:txBody>
+      </p:sp>
+      <p:pic>
+        <p:nvPicPr>
+          <p:cNvPr id="39" name="Graphic 38">
+            <a:extLst>
+              <a:ext uri="{FF2B5EF4-FFF2-40B4-BE49-F238E27FC236}">
+                <a16:creationId xmlns:a16="http://schemas.microsoft.com/office/drawing/2014/main" id="{9B8D325B-5C4A-406F-B136-0094049BD30B}"/>
+              </a:ext>
+            </a:extLst>
+          </p:cNvPr>
+          <p:cNvPicPr>
+            <a:picLocks noChangeAspect="1"/>
+          </p:cNvPicPr>
+          <p:nvPr/>
+        </p:nvPicPr>
+        <p:blipFill>
+          <a:blip r:embed="rId4">
+            <a:extLst>
+              <a:ext uri="{28A0092B-C50C-407E-A947-70E740481C1C}">
+                <a14:useLocalDpi xmlns:a14="http://schemas.microsoft.com/office/drawing/2010/main" val="0"/>
+              </a:ext>
+              <a:ext uri="{96DAC541-7B7A-43D3-8B79-37D633B846F1}">
+                <asvg:svgBlip xmlns:asvg="http://schemas.microsoft.com/office/drawing/2016/SVG/main" r:embed="rId5"/>
+              </a:ext>
+            </a:extLst>
+          </a:blip>
+          <a:stretch>
+            <a:fillRect/>
+          </a:stretch>
+        </p:blipFill>
+        <p:spPr>
+          <a:xfrm>
+            <a:off x="5763642" y="3483077"/>
+            <a:ext cx="662002" cy="662002"/>
+          </a:xfrm>
+          <a:prstGeom prst="rect">
+            <a:avLst/>
+          </a:prstGeom>
+        </p:spPr>
+      </p:pic>
+      <p:pic>
+        <p:nvPicPr>
+          <p:cNvPr id="40" name="Graphic 39">
+            <a:extLst>
+              <a:ext uri="{FF2B5EF4-FFF2-40B4-BE49-F238E27FC236}">
+                <a16:creationId xmlns:a16="http://schemas.microsoft.com/office/drawing/2014/main" id="{94C66170-951A-460D-8858-F1C9322FBBD0}"/>
+              </a:ext>
+            </a:extLst>
+          </p:cNvPr>
+          <p:cNvPicPr>
+            <a:picLocks noChangeAspect="1"/>
+          </p:cNvPicPr>
+          <p:nvPr/>
+        </p:nvPicPr>
+        <p:blipFill>
+          <a:blip r:embed="rId4">
+            <a:extLst>
+              <a:ext uri="{28A0092B-C50C-407E-A947-70E740481C1C}">
+                <a14:useLocalDpi xmlns:a14="http://schemas.microsoft.com/office/drawing/2010/main" val="0"/>
+              </a:ext>
+              <a:ext uri="{96DAC541-7B7A-43D3-8B79-37D633B846F1}">
+                <asvg:svgBlip xmlns:asvg="http://schemas.microsoft.com/office/drawing/2016/SVG/main" r:embed="rId5"/>
+              </a:ext>
+            </a:extLst>
+          </a:blip>
+          <a:stretch>
+            <a:fillRect/>
+          </a:stretch>
+        </p:blipFill>
+        <p:spPr>
+          <a:xfrm>
+            <a:off x="5764052" y="5163567"/>
+            <a:ext cx="662002" cy="662002"/>
+          </a:xfrm>
+          <a:prstGeom prst="rect">
+            <a:avLst/>
+          </a:prstGeom>
+        </p:spPr>
+      </p:pic>
+      <p:cxnSp>
+        <p:nvCxnSpPr>
+          <p:cNvPr id="43" name="Straight Arrow Connector 42">
+            <a:extLst>
+              <a:ext uri="{FF2B5EF4-FFF2-40B4-BE49-F238E27FC236}">
+                <a16:creationId xmlns:a16="http://schemas.microsoft.com/office/drawing/2014/main" id="{C5A2DF55-8300-4E27-A794-6E2C9F2CBB3A}"/>
+              </a:ext>
+            </a:extLst>
+          </p:cNvPr>
+          <p:cNvCxnSpPr>
+            <a:cxnSpLocks/>
+            <a:stCxn id="40" idx="3"/>
+            <a:endCxn id="35" idx="1"/>
+          </p:cNvCxnSpPr>
+          <p:nvPr/>
+        </p:nvCxnSpPr>
+        <p:spPr>
+          <a:xfrm>
+            <a:off x="6426054" y="5494568"/>
+            <a:ext cx="2850102" cy="28368"/>
+          </a:xfrm>
+          <a:prstGeom prst="straightConnector1">
+            <a:avLst/>
+          </a:prstGeom>
+          <a:ln w="25400" cap="flat" cmpd="sng" algn="ctr">
+            <a:solidFill>
+              <a:schemeClr val="accent1"/>
+            </a:solidFill>
+            <a:prstDash val="dash"/>
+            <a:round/>
+            <a:headEnd type="none" w="med" len="med"/>
+            <a:tailEnd type="arrow" w="lg" len="lg"/>
+          </a:ln>
+        </p:spPr>
+        <p:style>
+          <a:lnRef idx="0">
+            <a:scrgbClr r="0" g="0" b="0"/>
+          </a:lnRef>
+          <a:fillRef idx="0">
+            <a:scrgbClr r="0" g="0" b="0"/>
+          </a:fillRef>
+          <a:effectRef idx="0">
+            <a:scrgbClr r="0" g="0" b="0"/>
+          </a:effectRef>
+          <a:fontRef idx="minor">
+            <a:schemeClr val="tx1"/>
+          </a:fontRef>
+        </p:style>
+      </p:cxnSp>
+      <p:cxnSp>
+        <p:nvCxnSpPr>
+          <p:cNvPr id="45" name="Straight Arrow Connector 44">
+            <a:extLst>
+              <a:ext uri="{FF2B5EF4-FFF2-40B4-BE49-F238E27FC236}">
+                <a16:creationId xmlns:a16="http://schemas.microsoft.com/office/drawing/2014/main" id="{6FC7B727-8A41-4A49-B113-F0A466502EE2}"/>
+              </a:ext>
+            </a:extLst>
+          </p:cNvPr>
+          <p:cNvCxnSpPr>
+            <a:cxnSpLocks/>
+            <a:stCxn id="39" idx="3"/>
+            <a:endCxn id="35" idx="1"/>
+          </p:cNvCxnSpPr>
+          <p:nvPr/>
+        </p:nvCxnSpPr>
+        <p:spPr>
+          <a:xfrm>
+            <a:off x="6425644" y="3814078"/>
+            <a:ext cx="2850512" cy="1708858"/>
+          </a:xfrm>
+          <a:prstGeom prst="straightConnector1">
+            <a:avLst/>
+          </a:prstGeom>
+          <a:ln w="25400" cap="flat" cmpd="sng" algn="ctr">
+            <a:solidFill>
+              <a:schemeClr val="accent1"/>
+            </a:solidFill>
+            <a:prstDash val="dash"/>
+            <a:round/>
+            <a:headEnd type="none" w="med" len="med"/>
+            <a:tailEnd type="arrow" w="lg" len="lg"/>
+          </a:ln>
+        </p:spPr>
+        <p:style>
+          <a:lnRef idx="0">
+            <a:scrgbClr r="0" g="0" b="0"/>
+          </a:lnRef>
+          <a:fillRef idx="0">
+            <a:scrgbClr r="0" g="0" b="0"/>
+          </a:fillRef>
+          <a:effectRef idx="0">
+            <a:scrgbClr r="0" g="0" b="0"/>
+          </a:effectRef>
+          <a:fontRef idx="minor">
+            <a:schemeClr val="tx1"/>
+          </a:fontRef>
+        </p:style>
+      </p:cxnSp>
+      <p:cxnSp>
+        <p:nvCxnSpPr>
+          <p:cNvPr id="48" name="Straight Arrow Connector 47">
+            <a:extLst>
+              <a:ext uri="{FF2B5EF4-FFF2-40B4-BE49-F238E27FC236}">
+                <a16:creationId xmlns:a16="http://schemas.microsoft.com/office/drawing/2014/main" id="{97283C88-74C7-4433-91E8-BCCB3162DECC}"/>
+              </a:ext>
+            </a:extLst>
+          </p:cNvPr>
+          <p:cNvCxnSpPr>
+            <a:cxnSpLocks/>
+            <a:stCxn id="39" idx="3"/>
+            <a:endCxn id="21" idx="1"/>
+          </p:cNvCxnSpPr>
+          <p:nvPr/>
+        </p:nvCxnSpPr>
+        <p:spPr>
+          <a:xfrm flipV="1">
+            <a:off x="6425644" y="2165491"/>
+            <a:ext cx="2848866" cy="1648587"/>
+          </a:xfrm>
+          <a:prstGeom prst="straightConnector1">
+            <a:avLst/>
+          </a:prstGeom>
+          <a:ln w="25400" cap="flat" cmpd="sng" algn="ctr">
+            <a:solidFill>
+              <a:schemeClr val="accent1"/>
+            </a:solidFill>
+            <a:prstDash val="dash"/>
+            <a:round/>
+            <a:headEnd type="none" w="med" len="med"/>
+            <a:tailEnd type="arrow" w="lg" len="lg"/>
+          </a:ln>
+        </p:spPr>
+        <p:style>
+          <a:lnRef idx="0">
+            <a:scrgbClr r="0" g="0" b="0"/>
+          </a:lnRef>
+          <a:fillRef idx="0">
+            <a:scrgbClr r="0" g="0" b="0"/>
+          </a:fillRef>
+          <a:effectRef idx="0">
+            <a:scrgbClr r="0" g="0" b="0"/>
+          </a:effectRef>
+          <a:fontRef idx="minor">
+            <a:schemeClr val="tx1"/>
+          </a:fontRef>
+        </p:style>
+      </p:cxnSp>
+      <p:cxnSp>
+        <p:nvCxnSpPr>
+          <p:cNvPr id="52" name="Straight Arrow Connector 51">
+            <a:extLst>
+              <a:ext uri="{FF2B5EF4-FFF2-40B4-BE49-F238E27FC236}">
+                <a16:creationId xmlns:a16="http://schemas.microsoft.com/office/drawing/2014/main" id="{DCE924CC-EC5F-4D5B-A152-11D01CA11962}"/>
+              </a:ext>
+            </a:extLst>
+          </p:cNvPr>
+          <p:cNvCxnSpPr>
+            <a:cxnSpLocks/>
+            <a:stCxn id="40" idx="3"/>
+            <a:endCxn id="21" idx="1"/>
+          </p:cNvCxnSpPr>
+          <p:nvPr/>
+        </p:nvCxnSpPr>
+        <p:spPr>
+          <a:xfrm flipV="1">
+            <a:off x="6426054" y="2165491"/>
+            <a:ext cx="2848456" cy="3329077"/>
+          </a:xfrm>
+          <a:prstGeom prst="straightConnector1">
+            <a:avLst/>
+          </a:prstGeom>
+          <a:ln w="25400" cap="flat" cmpd="sng" algn="ctr">
+            <a:solidFill>
+              <a:schemeClr val="accent1"/>
+            </a:solidFill>
+            <a:prstDash val="dash"/>
+            <a:round/>
+            <a:headEnd type="none" w="med" len="med"/>
+            <a:tailEnd type="arrow" w="lg" len="lg"/>
+          </a:ln>
+        </p:spPr>
+        <p:style>
+          <a:lnRef idx="0">
+            <a:scrgbClr r="0" g="0" b="0"/>
+          </a:lnRef>
+          <a:fillRef idx="0">
+            <a:scrgbClr r="0" g="0" b="0"/>
+          </a:fillRef>
+          <a:effectRef idx="0">
+            <a:scrgbClr r="0" g="0" b="0"/>
+          </a:effectRef>
+          <a:fontRef idx="minor">
+            <a:schemeClr val="tx1"/>
+          </a:fontRef>
+        </p:style>
+      </p:cxnSp>
+      <p:cxnSp>
+        <p:nvCxnSpPr>
+          <p:cNvPr id="55" name="Straight Connector 54">
+            <a:extLst>
+              <a:ext uri="{FF2B5EF4-FFF2-40B4-BE49-F238E27FC236}">
+                <a16:creationId xmlns:a16="http://schemas.microsoft.com/office/drawing/2014/main" id="{4B6BCA0D-C611-4AC1-BE8D-F955BE3A5257}"/>
+              </a:ext>
+            </a:extLst>
+          </p:cNvPr>
+          <p:cNvCxnSpPr>
+            <a:stCxn id="9" idx="1"/>
+          </p:cNvCxnSpPr>
+          <p:nvPr/>
+        </p:nvCxnSpPr>
+        <p:spPr>
+          <a:xfrm flipH="1">
+            <a:off x="5060483" y="2199571"/>
+            <a:ext cx="619321" cy="0"/>
+          </a:xfrm>
+          <a:prstGeom prst="line">
+            <a:avLst/>
+          </a:prstGeom>
+        </p:spPr>
+        <p:style>
+          <a:lnRef idx="3">
+            <a:schemeClr val="accent1"/>
+          </a:lnRef>
+          <a:fillRef idx="0">
+            <a:schemeClr val="accent1"/>
+          </a:fillRef>
+          <a:effectRef idx="2">
+            <a:schemeClr val="accent1"/>
+          </a:effectRef>
+          <a:fontRef idx="minor">
+            <a:schemeClr val="tx1"/>
+          </a:fontRef>
+        </p:style>
+      </p:cxnSp>
+      <p:sp>
+        <p:nvSpPr>
+          <p:cNvPr id="56" name="Flowchart: Connector 55">
+            <a:extLst>
+              <a:ext uri="{FF2B5EF4-FFF2-40B4-BE49-F238E27FC236}">
+                <a16:creationId xmlns:a16="http://schemas.microsoft.com/office/drawing/2014/main" id="{443FF69D-3B12-4860-9D4D-D4FE71708073}"/>
+              </a:ext>
+            </a:extLst>
+          </p:cNvPr>
+          <p:cNvSpPr/>
+          <p:nvPr/>
+        </p:nvSpPr>
+        <p:spPr>
+          <a:xfrm>
+            <a:off x="4946273" y="2145073"/>
+            <a:ext cx="108000" cy="108000"/>
+          </a:xfrm>
+          <a:prstGeom prst="flowChartConnector">
+            <a:avLst/>
+          </a:prstGeom>
+        </p:spPr>
+        <p:style>
+          <a:lnRef idx="2">
+            <a:schemeClr val="accent1">
+              <a:shade val="50000"/>
+            </a:schemeClr>
+          </a:lnRef>
+          <a:fillRef idx="1">
+            <a:schemeClr val="accent1"/>
+          </a:fillRef>
+          <a:effectRef idx="0">
+            <a:schemeClr val="accent1"/>
+          </a:effectRef>
+          <a:fontRef idx="minor">
+            <a:schemeClr val="lt1"/>
+          </a:fontRef>
+        </p:style>
+        <p:txBody>
+          <a:bodyPr rtlCol="0" anchor="ctr"/>
+          <a:lstStyle/>
+          <a:p>
+            <a:pPr algn="ctr"/>
+            <a:endParaRPr lang="en-AU"/>
+          </a:p>
+        </p:txBody>
+      </p:sp>
+      <p:cxnSp>
+        <p:nvCxnSpPr>
+          <p:cNvPr id="57" name="Straight Connector 56">
+            <a:extLst>
+              <a:ext uri="{FF2B5EF4-FFF2-40B4-BE49-F238E27FC236}">
+                <a16:creationId xmlns:a16="http://schemas.microsoft.com/office/drawing/2014/main" id="{A151EDF3-C72C-4593-AD2A-683B34C8E232}"/>
+              </a:ext>
+            </a:extLst>
+          </p:cNvPr>
+          <p:cNvCxnSpPr/>
+          <p:nvPr/>
+        </p:nvCxnSpPr>
+        <p:spPr>
+          <a:xfrm flipH="1">
+            <a:off x="5060483" y="3800483"/>
+            <a:ext cx="619321" cy="0"/>
+          </a:xfrm>
+          <a:prstGeom prst="line">
+            <a:avLst/>
+          </a:prstGeom>
+        </p:spPr>
+        <p:style>
+          <a:lnRef idx="3">
+            <a:schemeClr val="accent1"/>
+          </a:lnRef>
+          <a:fillRef idx="0">
+            <a:schemeClr val="accent1"/>
+          </a:fillRef>
+          <a:effectRef idx="2">
+            <a:schemeClr val="accent1"/>
+          </a:effectRef>
+          <a:fontRef idx="minor">
+            <a:schemeClr val="tx1"/>
+          </a:fontRef>
+        </p:style>
+      </p:cxnSp>
+      <p:sp>
+        <p:nvSpPr>
+          <p:cNvPr id="58" name="Flowchart: Connector 57">
+            <a:extLst>
+              <a:ext uri="{FF2B5EF4-FFF2-40B4-BE49-F238E27FC236}">
+                <a16:creationId xmlns:a16="http://schemas.microsoft.com/office/drawing/2014/main" id="{18F18B8A-C398-43EE-9700-504EA7C7A7C8}"/>
+              </a:ext>
+            </a:extLst>
+          </p:cNvPr>
+          <p:cNvSpPr/>
+          <p:nvPr/>
+        </p:nvSpPr>
+        <p:spPr>
+          <a:xfrm>
+            <a:off x="4946273" y="3745985"/>
+            <a:ext cx="108000" cy="108000"/>
+          </a:xfrm>
+          <a:prstGeom prst="flowChartConnector">
+            <a:avLst/>
+          </a:prstGeom>
+        </p:spPr>
+        <p:style>
+          <a:lnRef idx="2">
+            <a:schemeClr val="accent1">
+              <a:shade val="50000"/>
+            </a:schemeClr>
+          </a:lnRef>
+          <a:fillRef idx="1">
+            <a:schemeClr val="accent1"/>
+          </a:fillRef>
+          <a:effectRef idx="0">
+            <a:schemeClr val="accent1"/>
+          </a:effectRef>
+          <a:fontRef idx="minor">
+            <a:schemeClr val="lt1"/>
+          </a:fontRef>
+        </p:style>
+        <p:txBody>
+          <a:bodyPr rtlCol="0" anchor="ctr"/>
+          <a:lstStyle/>
+          <a:p>
+            <a:pPr algn="ctr"/>
+            <a:endParaRPr lang="en-AU"/>
+          </a:p>
+        </p:txBody>
+      </p:sp>
+      <p:cxnSp>
+        <p:nvCxnSpPr>
+          <p:cNvPr id="59" name="Straight Connector 58">
+            <a:extLst>
+              <a:ext uri="{FF2B5EF4-FFF2-40B4-BE49-F238E27FC236}">
+                <a16:creationId xmlns:a16="http://schemas.microsoft.com/office/drawing/2014/main" id="{0C565394-EBEE-42C7-A12E-E0E86EF678C9}"/>
+              </a:ext>
+            </a:extLst>
+          </p:cNvPr>
+          <p:cNvCxnSpPr/>
+          <p:nvPr/>
+        </p:nvCxnSpPr>
+        <p:spPr>
+          <a:xfrm flipH="1">
+            <a:off x="5054273" y="5496810"/>
+            <a:ext cx="619321" cy="0"/>
+          </a:xfrm>
+          <a:prstGeom prst="line">
+            <a:avLst/>
+          </a:prstGeom>
+        </p:spPr>
+        <p:style>
+          <a:lnRef idx="3">
+            <a:schemeClr val="accent1"/>
+          </a:lnRef>
+          <a:fillRef idx="0">
+            <a:schemeClr val="accent1"/>
+          </a:fillRef>
+          <a:effectRef idx="2">
+            <a:schemeClr val="accent1"/>
+          </a:effectRef>
+          <a:fontRef idx="minor">
+            <a:schemeClr val="tx1"/>
+          </a:fontRef>
+        </p:style>
+      </p:cxnSp>
+      <p:sp>
+        <p:nvSpPr>
+          <p:cNvPr id="60" name="Flowchart: Connector 59">
+            <a:extLst>
+              <a:ext uri="{FF2B5EF4-FFF2-40B4-BE49-F238E27FC236}">
+                <a16:creationId xmlns:a16="http://schemas.microsoft.com/office/drawing/2014/main" id="{1DCF1C95-FB52-49FC-97DE-DED3DD79956C}"/>
+              </a:ext>
+            </a:extLst>
+          </p:cNvPr>
+          <p:cNvSpPr/>
+          <p:nvPr/>
+        </p:nvSpPr>
+        <p:spPr>
+          <a:xfrm>
+            <a:off x="4940063" y="5442312"/>
+            <a:ext cx="108000" cy="108000"/>
+          </a:xfrm>
+          <a:prstGeom prst="flowChartConnector">
+            <a:avLst/>
+          </a:prstGeom>
+        </p:spPr>
+        <p:style>
+          <a:lnRef idx="2">
+            <a:schemeClr val="accent1">
+              <a:shade val="50000"/>
+            </a:schemeClr>
+          </a:lnRef>
+          <a:fillRef idx="1">
+            <a:schemeClr val="accent1"/>
+          </a:fillRef>
+          <a:effectRef idx="0">
+            <a:schemeClr val="accent1"/>
+          </a:effectRef>
+          <a:fontRef idx="minor">
+            <a:schemeClr val="lt1"/>
+          </a:fontRef>
+        </p:style>
+        <p:txBody>
+          <a:bodyPr rtlCol="0" anchor="ctr"/>
+          <a:lstStyle/>
+          <a:p>
+            <a:pPr algn="ctr"/>
+            <a:endParaRPr lang="en-AU"/>
+          </a:p>
+        </p:txBody>
+      </p:sp>
+      <p:cxnSp>
+        <p:nvCxnSpPr>
+          <p:cNvPr id="62" name="Straight Arrow Connector 46">
+            <a:extLst>
+              <a:ext uri="{FF2B5EF4-FFF2-40B4-BE49-F238E27FC236}">
+                <a16:creationId xmlns:a16="http://schemas.microsoft.com/office/drawing/2014/main" id="{010870DB-610E-4BA1-8224-7D822A5CD42F}"/>
+              </a:ext>
+            </a:extLst>
+          </p:cNvPr>
+          <p:cNvCxnSpPr>
+            <a:cxnSpLocks/>
+            <a:stCxn id="6" idx="3"/>
+            <a:endCxn id="58" idx="1"/>
+          </p:cNvCxnSpPr>
+          <p:nvPr/>
+        </p:nvCxnSpPr>
+        <p:spPr>
+          <a:xfrm>
+            <a:off x="2842499" y="3273584"/>
+            <a:ext cx="2119590" cy="488217"/>
+          </a:xfrm>
+          <a:prstGeom prst="curvedConnector2">
+            <a:avLst/>
+          </a:prstGeom>
+          <a:ln w="25400" cap="flat" cmpd="sng" algn="ctr">
+            <a:solidFill>
+              <a:schemeClr val="accent1"/>
+            </a:solidFill>
+            <a:prstDash val="dash"/>
+            <a:round/>
+            <a:headEnd type="none" w="med" len="med"/>
+            <a:tailEnd type="arrow" w="lg" len="lg"/>
+          </a:ln>
+        </p:spPr>
+        <p:style>
+          <a:lnRef idx="0">
+            <a:scrgbClr r="0" g="0" b="0"/>
+          </a:lnRef>
+          <a:fillRef idx="0">
+            <a:scrgbClr r="0" g="0" b="0"/>
+          </a:fillRef>
+          <a:effectRef idx="0">
+            <a:scrgbClr r="0" g="0" b="0"/>
+          </a:effectRef>
+          <a:fontRef idx="minor">
+            <a:schemeClr val="tx1"/>
+          </a:fontRef>
+        </p:style>
+      </p:cxnSp>
+      <p:cxnSp>
+        <p:nvCxnSpPr>
+          <p:cNvPr id="63" name="Straight Arrow Connector 46">
+            <a:extLst>
+              <a:ext uri="{FF2B5EF4-FFF2-40B4-BE49-F238E27FC236}">
+                <a16:creationId xmlns:a16="http://schemas.microsoft.com/office/drawing/2014/main" id="{8AE76C3E-73FE-4E32-8303-B3C1941B9580}"/>
+              </a:ext>
+            </a:extLst>
+          </p:cNvPr>
+          <p:cNvCxnSpPr>
+            <a:cxnSpLocks/>
+            <a:stCxn id="6" idx="3"/>
+            <a:endCxn id="60" idx="2"/>
+          </p:cNvCxnSpPr>
+          <p:nvPr/>
+        </p:nvCxnSpPr>
+        <p:spPr>
+          <a:xfrm>
+            <a:off x="2842499" y="3273584"/>
+            <a:ext cx="2097564" cy="2222728"/>
+          </a:xfrm>
+          <a:prstGeom prst="curvedConnector3">
+            <a:avLst/>
+          </a:prstGeom>
+          <a:ln w="25400" cap="flat" cmpd="sng" algn="ctr">
+            <a:solidFill>
+              <a:schemeClr val="accent1"/>
+            </a:solidFill>
+            <a:prstDash val="dash"/>
+            <a:round/>
+            <a:headEnd type="none" w="med" len="med"/>
+            <a:tailEnd type="arrow" w="lg" len="lg"/>
+          </a:ln>
+        </p:spPr>
+        <p:style>
+          <a:lnRef idx="0">
+            <a:scrgbClr r="0" g="0" b="0"/>
+          </a:lnRef>
+          <a:fillRef idx="0">
+            <a:scrgbClr r="0" g="0" b="0"/>
+          </a:fillRef>
+          <a:effectRef idx="0">
+            <a:scrgbClr r="0" g="0" b="0"/>
+          </a:effectRef>
+          <a:fontRef idx="minor">
+            <a:schemeClr val="tx1"/>
+          </a:fontRef>
+        </p:style>
+      </p:cxnSp>
     </p:spTree>
     <p:extLst>
       <p:ext uri="{BB962C8B-B14F-4D97-AF65-F5344CB8AC3E}">
@@ -17515,7 +18413,7 @@
             <a:pPr algn="ctr"/>
             <a:r>
               <a:rPr lang="en-AU" dirty="0"/>
-              <a:t>(Referrer)</a:t>
+              <a:t>(Partner)</a:t>
             </a:r>
           </a:p>
         </p:txBody>
@@ -18117,7 +19015,7 @@
                   <a:schemeClr val="accent1"/>
                 </a:solidFill>
               </a:rPr>
-              <a:t>1a - referrer driven subscription</a:t>
+              <a:t>1a - partner driven subscription</a:t>
             </a:r>
           </a:p>
         </p:txBody>

--- a/Outbound Integrations.pptx
+++ b/Outbound Integrations.pptx
@@ -123,6 +123,10 @@
     </p:ext>
   </p:extLst>
 </p:presentation>
+</file>
+
+<file path=ppt/revisionInfo.xml><?xml version="1.0" encoding="utf-8"?>
+<p1510:revInfo xmlns:a="http://schemas.openxmlformats.org/drawingml/2006/main" xmlns:r="http://schemas.openxmlformats.org/officeDocument/2006/relationships" xmlns:p1510="http://schemas.microsoft.com/office/powerpoint/2015/10/main"/>
 </file>
 
 <file path=ppt/diagrams/colors1.xml><?xml version="1.0" encoding="utf-8"?>
@@ -1001,18 +1005,34 @@
 </file>
 
 <file path=ppt/diagrams/colors2.xml><?xml version="1.0" encoding="utf-8"?>
-<dgm:colorsDef xmlns:dgm="http://schemas.openxmlformats.org/drawingml/2006/diagram" xmlns:a="http://schemas.openxmlformats.org/drawingml/2006/main" uniqueId="urn:microsoft.com/office/officeart/2005/8/colors/accent4_1">
+<dgm:colorsDef xmlns:dgm="http://schemas.openxmlformats.org/drawingml/2006/diagram" xmlns:a="http://schemas.openxmlformats.org/drawingml/2006/main" uniqueId="urn:microsoft.com/office/officeart/2005/8/colors/accent1_1">
   <dgm:title val=""/>
   <dgm:desc val=""/>
   <dgm:catLst>
-    <dgm:cat type="accent4" pri="11100"/>
+    <dgm:cat type="accent1" pri="11100"/>
   </dgm:catLst>
   <dgm:styleLbl name="node0">
     <dgm:fillClrLst meth="repeat">
       <a:schemeClr val="lt1"/>
     </dgm:fillClrLst>
     <dgm:linClrLst meth="repeat">
-      <a:schemeClr val="accent4">
+      <a:schemeClr val="accent1">
+        <a:shade val="80000"/>
+      </a:schemeClr>
+    </dgm:linClrLst>
+    <dgm:effectClrLst/>
+    <dgm:txLinClrLst/>
+    <dgm:txFillClrLst meth="repeat">
+      <a:schemeClr val="dk1"/>
+    </dgm:txFillClrLst>
+    <dgm:txEffectClrLst/>
+  </dgm:styleLbl>
+  <dgm:styleLbl name="alignNode1">
+    <dgm:fillClrLst meth="repeat">
+      <a:schemeClr val="lt1"/>
+    </dgm:fillClrLst>
+    <dgm:linClrLst meth="repeat">
+      <a:schemeClr val="accent1">
         <a:shade val="80000"/>
       </a:schemeClr>
     </dgm:linClrLst>
@@ -1028,23 +1048,7 @@
       <a:schemeClr val="lt1"/>
     </dgm:fillClrLst>
     <dgm:linClrLst meth="repeat">
-      <a:schemeClr val="accent4">
-        <a:shade val="80000"/>
-      </a:schemeClr>
-    </dgm:linClrLst>
-    <dgm:effectClrLst/>
-    <dgm:txLinClrLst/>
-    <dgm:txFillClrLst meth="repeat">
-      <a:schemeClr val="dk1"/>
-    </dgm:txFillClrLst>
-    <dgm:txEffectClrLst/>
-  </dgm:styleLbl>
-  <dgm:styleLbl name="alignNode1">
-    <dgm:fillClrLst meth="repeat">
-      <a:schemeClr val="lt1"/>
-    </dgm:fillClrLst>
-    <dgm:linClrLst meth="repeat">
-      <a:schemeClr val="accent4">
+      <a:schemeClr val="accent1">
         <a:shade val="80000"/>
       </a:schemeClr>
     </dgm:linClrLst>
@@ -1060,7 +1064,7 @@
       <a:schemeClr val="lt1"/>
     </dgm:fillClrLst>
     <dgm:linClrLst meth="repeat">
-      <a:schemeClr val="accent4">
+      <a:schemeClr val="accent1">
         <a:shade val="80000"/>
       </a:schemeClr>
     </dgm:linClrLst>
@@ -1078,7 +1082,7 @@
       </a:schemeClr>
     </dgm:fillClrLst>
     <dgm:linClrLst meth="repeat">
-      <a:schemeClr val="accent4">
+      <a:schemeClr val="accent1">
         <a:shade val="80000"/>
       </a:schemeClr>
     </dgm:linClrLst>
@@ -1092,7 +1096,7 @@
       <a:schemeClr val="lt1"/>
     </dgm:fillClrLst>
     <dgm:linClrLst meth="repeat">
-      <a:schemeClr val="accent4">
+      <a:schemeClr val="accent1">
         <a:shade val="80000"/>
       </a:schemeClr>
     </dgm:linClrLst>
@@ -1108,7 +1112,7 @@
       <a:schemeClr val="lt1"/>
     </dgm:fillClrLst>
     <dgm:linClrLst meth="repeat">
-      <a:schemeClr val="accent4">
+      <a:schemeClr val="accent1">
         <a:shade val="80000"/>
       </a:schemeClr>
     </dgm:linClrLst>
@@ -1124,7 +1128,7 @@
       <a:schemeClr val="lt1"/>
     </dgm:fillClrLst>
     <dgm:linClrLst meth="repeat">
-      <a:schemeClr val="accent4">
+      <a:schemeClr val="accent1">
         <a:shade val="80000"/>
       </a:schemeClr>
     </dgm:linClrLst>
@@ -1137,12 +1141,12 @@
   </dgm:styleLbl>
   <dgm:styleLbl name="fgImgPlace1">
     <dgm:fillClrLst meth="repeat">
-      <a:schemeClr val="accent4">
+      <a:schemeClr val="accent1">
         <a:tint val="40000"/>
       </a:schemeClr>
     </dgm:fillClrLst>
     <dgm:linClrLst meth="repeat">
-      <a:schemeClr val="accent4">
+      <a:schemeClr val="accent1">
         <a:shade val="80000"/>
       </a:schemeClr>
     </dgm:linClrLst>
@@ -1155,12 +1159,12 @@
   </dgm:styleLbl>
   <dgm:styleLbl name="alignImgPlace1">
     <dgm:fillClrLst meth="repeat">
-      <a:schemeClr val="accent4">
+      <a:schemeClr val="accent1">
         <a:tint val="40000"/>
       </a:schemeClr>
     </dgm:fillClrLst>
     <dgm:linClrLst meth="repeat">
-      <a:schemeClr val="accent4">
+      <a:schemeClr val="accent1">
         <a:shade val="80000"/>
       </a:schemeClr>
     </dgm:linClrLst>
@@ -1173,12 +1177,12 @@
   </dgm:styleLbl>
   <dgm:styleLbl name="bgImgPlace1">
     <dgm:fillClrLst meth="repeat">
-      <a:schemeClr val="accent4">
+      <a:schemeClr val="accent1">
         <a:tint val="40000"/>
       </a:schemeClr>
     </dgm:fillClrLst>
     <dgm:linClrLst meth="repeat">
-      <a:schemeClr val="accent4">
+      <a:schemeClr val="accent1">
         <a:shade val="80000"/>
       </a:schemeClr>
     </dgm:linClrLst>
@@ -1191,12 +1195,12 @@
   </dgm:styleLbl>
   <dgm:styleLbl name="sibTrans2D1">
     <dgm:fillClrLst meth="repeat">
-      <a:schemeClr val="accent4">
+      <a:schemeClr val="accent1">
         <a:tint val="60000"/>
       </a:schemeClr>
     </dgm:fillClrLst>
     <dgm:linClrLst meth="repeat">
-      <a:schemeClr val="accent4">
+      <a:schemeClr val="accent1">
         <a:tint val="60000"/>
       </a:schemeClr>
     </dgm:linClrLst>
@@ -1209,12 +1213,12 @@
   </dgm:styleLbl>
   <dgm:styleLbl name="fgSibTrans2D1">
     <dgm:fillClrLst meth="repeat">
-      <a:schemeClr val="accent4">
+      <a:schemeClr val="accent1">
         <a:tint val="60000"/>
       </a:schemeClr>
     </dgm:fillClrLst>
     <dgm:linClrLst meth="repeat">
-      <a:schemeClr val="accent4">
+      <a:schemeClr val="accent1">
         <a:tint val="60000"/>
       </a:schemeClr>
     </dgm:linClrLst>
@@ -1227,12 +1231,12 @@
   </dgm:styleLbl>
   <dgm:styleLbl name="bgSibTrans2D1">
     <dgm:fillClrLst meth="repeat">
-      <a:schemeClr val="accent4">
+      <a:schemeClr val="accent1">
         <a:tint val="60000"/>
       </a:schemeClr>
     </dgm:fillClrLst>
     <dgm:linClrLst meth="repeat">
-      <a:schemeClr val="accent4">
+      <a:schemeClr val="accent1">
         <a:tint val="60000"/>
       </a:schemeClr>
     </dgm:linClrLst>
@@ -1245,10 +1249,10 @@
   </dgm:styleLbl>
   <dgm:styleLbl name="sibTrans1D1">
     <dgm:fillClrLst meth="repeat">
-      <a:schemeClr val="accent4"/>
+      <a:schemeClr val="accent1"/>
     </dgm:fillClrLst>
     <dgm:linClrLst meth="repeat">
-      <a:schemeClr val="accent4"/>
+      <a:schemeClr val="accent1"/>
     </dgm:linClrLst>
     <dgm:effectClrLst/>
     <dgm:txLinClrLst/>
@@ -1259,10 +1263,10 @@
   </dgm:styleLbl>
   <dgm:styleLbl name="callout">
     <dgm:fillClrLst meth="repeat">
-      <a:schemeClr val="accent4"/>
+      <a:schemeClr val="accent1"/>
     </dgm:fillClrLst>
     <dgm:linClrLst meth="repeat">
-      <a:schemeClr val="accent4"/>
+      <a:schemeClr val="accent1"/>
     </dgm:linClrLst>
     <dgm:effectClrLst/>
     <dgm:txLinClrLst/>
@@ -1276,7 +1280,7 @@
       <a:schemeClr val="lt1"/>
     </dgm:fillClrLst>
     <dgm:linClrLst meth="repeat">
-      <a:schemeClr val="accent4">
+      <a:schemeClr val="accent1">
         <a:shade val="80000"/>
       </a:schemeClr>
     </dgm:linClrLst>
@@ -1292,7 +1296,7 @@
       <a:schemeClr val="lt1"/>
     </dgm:fillClrLst>
     <dgm:linClrLst meth="repeat">
-      <a:schemeClr val="accent4">
+      <a:schemeClr val="accent1">
         <a:shade val="80000"/>
       </a:schemeClr>
     </dgm:linClrLst>
@@ -1308,7 +1312,7 @@
       <a:schemeClr val="lt1"/>
     </dgm:fillClrLst>
     <dgm:linClrLst meth="repeat">
-      <a:schemeClr val="accent4">
+      <a:schemeClr val="accent1">
         <a:shade val="80000"/>
       </a:schemeClr>
     </dgm:linClrLst>
@@ -1324,7 +1328,7 @@
       <a:schemeClr val="lt1"/>
     </dgm:fillClrLst>
     <dgm:linClrLst meth="repeat">
-      <a:schemeClr val="accent4">
+      <a:schemeClr val="accent1">
         <a:shade val="80000"/>
       </a:schemeClr>
     </dgm:linClrLst>
@@ -1340,7 +1344,7 @@
       <a:schemeClr val="lt1"/>
     </dgm:fillClrLst>
     <dgm:linClrLst meth="repeat">
-      <a:schemeClr val="accent4">
+      <a:schemeClr val="accent1">
         <a:shade val="80000"/>
       </a:schemeClr>
     </dgm:linClrLst>
@@ -1353,12 +1357,12 @@
   </dgm:styleLbl>
   <dgm:styleLbl name="parChTrans2D1">
     <dgm:fillClrLst meth="repeat">
-      <a:schemeClr val="accent4">
+      <a:schemeClr val="accent1">
         <a:tint val="60000"/>
       </a:schemeClr>
     </dgm:fillClrLst>
     <dgm:linClrLst meth="repeat">
-      <a:schemeClr val="accent4">
+      <a:schemeClr val="accent1">
         <a:tint val="60000"/>
       </a:schemeClr>
     </dgm:linClrLst>
@@ -1369,10 +1373,10 @@
   </dgm:styleLbl>
   <dgm:styleLbl name="parChTrans2D2">
     <dgm:fillClrLst meth="repeat">
-      <a:schemeClr val="accent4"/>
+      <a:schemeClr val="accent1"/>
     </dgm:fillClrLst>
     <dgm:linClrLst meth="repeat">
-      <a:schemeClr val="accent4"/>
+      <a:schemeClr val="accent1"/>
     </dgm:linClrLst>
     <dgm:effectClrLst/>
     <dgm:txLinClrLst/>
@@ -1381,10 +1385,10 @@
   </dgm:styleLbl>
   <dgm:styleLbl name="parChTrans2D3">
     <dgm:fillClrLst meth="repeat">
-      <a:schemeClr val="accent4"/>
+      <a:schemeClr val="accent1"/>
     </dgm:fillClrLst>
     <dgm:linClrLst meth="repeat">
-      <a:schemeClr val="accent4"/>
+      <a:schemeClr val="accent1"/>
     </dgm:linClrLst>
     <dgm:effectClrLst/>
     <dgm:txLinClrLst/>
@@ -1393,10 +1397,10 @@
   </dgm:styleLbl>
   <dgm:styleLbl name="parChTrans2D4">
     <dgm:fillClrLst meth="repeat">
-      <a:schemeClr val="accent4"/>
+      <a:schemeClr val="accent1"/>
     </dgm:fillClrLst>
     <dgm:linClrLst meth="repeat">
-      <a:schemeClr val="accent4"/>
+      <a:schemeClr val="accent1"/>
     </dgm:linClrLst>
     <dgm:effectClrLst/>
     <dgm:txLinClrLst/>
@@ -1407,10 +1411,10 @@
   </dgm:styleLbl>
   <dgm:styleLbl name="parChTrans1D1">
     <dgm:fillClrLst meth="repeat">
-      <a:schemeClr val="accent4"/>
+      <a:schemeClr val="accent1"/>
     </dgm:fillClrLst>
     <dgm:linClrLst meth="repeat">
-      <a:schemeClr val="accent4">
+      <a:schemeClr val="accent1">
         <a:shade val="60000"/>
       </a:schemeClr>
     </dgm:linClrLst>
@@ -1423,10 +1427,10 @@
   </dgm:styleLbl>
   <dgm:styleLbl name="parChTrans1D2">
     <dgm:fillClrLst meth="repeat">
-      <a:schemeClr val="accent4"/>
+      <a:schemeClr val="accent1"/>
     </dgm:fillClrLst>
     <dgm:linClrLst meth="repeat">
-      <a:schemeClr val="accent4">
+      <a:schemeClr val="accent1">
         <a:shade val="60000"/>
       </a:schemeClr>
     </dgm:linClrLst>
@@ -1439,10 +1443,10 @@
   </dgm:styleLbl>
   <dgm:styleLbl name="parChTrans1D3">
     <dgm:fillClrLst meth="repeat">
-      <a:schemeClr val="accent4"/>
+      <a:schemeClr val="accent1"/>
     </dgm:fillClrLst>
     <dgm:linClrLst meth="repeat">
-      <a:schemeClr val="accent4">
+      <a:schemeClr val="accent1">
         <a:shade val="80000"/>
       </a:schemeClr>
     </dgm:linClrLst>
@@ -1455,10 +1459,10 @@
   </dgm:styleLbl>
   <dgm:styleLbl name="parChTrans1D4">
     <dgm:fillClrLst meth="repeat">
-      <a:schemeClr val="accent4"/>
+      <a:schemeClr val="accent1"/>
     </dgm:fillClrLst>
     <dgm:linClrLst meth="repeat">
-      <a:schemeClr val="accent4">
+      <a:schemeClr val="accent1">
         <a:shade val="80000"/>
       </a:schemeClr>
     </dgm:linClrLst>
@@ -1471,13 +1475,13 @@
   </dgm:styleLbl>
   <dgm:styleLbl name="fgAcc1">
     <dgm:fillClrLst meth="repeat">
-      <a:schemeClr val="accent4">
+      <a:schemeClr val="accent1">
         <a:alpha val="90000"/>
         <a:tint val="40000"/>
       </a:schemeClr>
     </dgm:fillClrLst>
     <dgm:linClrLst meth="repeat">
-      <a:schemeClr val="accent4"/>
+      <a:schemeClr val="accent1"/>
     </dgm:linClrLst>
     <dgm:effectClrLst/>
     <dgm:txLinClrLst/>
@@ -1488,13 +1492,13 @@
   </dgm:styleLbl>
   <dgm:styleLbl name="conFgAcc1">
     <dgm:fillClrLst meth="repeat">
-      <a:schemeClr val="accent4">
+      <a:schemeClr val="accent1">
         <a:alpha val="90000"/>
         <a:tint val="40000"/>
       </a:schemeClr>
     </dgm:fillClrLst>
     <dgm:linClrLst meth="repeat">
-      <a:schemeClr val="accent4"/>
+      <a:schemeClr val="accent1"/>
     </dgm:linClrLst>
     <dgm:effectClrLst/>
     <dgm:txLinClrLst/>
@@ -1505,13 +1509,13 @@
   </dgm:styleLbl>
   <dgm:styleLbl name="alignAcc1">
     <dgm:fillClrLst meth="repeat">
-      <a:schemeClr val="accent4">
+      <a:schemeClr val="accent1">
         <a:alpha val="90000"/>
         <a:tint val="40000"/>
       </a:schemeClr>
     </dgm:fillClrLst>
     <dgm:linClrLst meth="repeat">
-      <a:schemeClr val="accent4"/>
+      <a:schemeClr val="accent1"/>
     </dgm:linClrLst>
     <dgm:effectClrLst/>
     <dgm:txLinClrLst/>
@@ -1522,13 +1526,13 @@
   </dgm:styleLbl>
   <dgm:styleLbl name="trAlignAcc1">
     <dgm:fillClrLst meth="repeat">
-      <a:schemeClr val="accent4">
+      <a:schemeClr val="accent1">
         <a:alpha val="40000"/>
         <a:tint val="40000"/>
       </a:schemeClr>
     </dgm:fillClrLst>
     <dgm:linClrLst meth="repeat">
-      <a:schemeClr val="accent4"/>
+      <a:schemeClr val="accent1"/>
     </dgm:linClrLst>
     <dgm:effectClrLst/>
     <dgm:txLinClrLst/>
@@ -1539,13 +1543,13 @@
   </dgm:styleLbl>
   <dgm:styleLbl name="bgAcc1">
     <dgm:fillClrLst meth="repeat">
-      <a:schemeClr val="accent4">
+      <a:schemeClr val="accent1">
         <a:alpha val="90000"/>
         <a:tint val="40000"/>
       </a:schemeClr>
     </dgm:fillClrLst>
     <dgm:linClrLst meth="repeat">
-      <a:schemeClr val="accent4"/>
+      <a:schemeClr val="accent1"/>
     </dgm:linClrLst>
     <dgm:effectClrLst/>
     <dgm:txLinClrLst/>
@@ -1559,7 +1563,7 @@
       <a:schemeClr val="lt1"/>
     </dgm:fillClrLst>
     <dgm:linClrLst meth="repeat">
-      <a:schemeClr val="accent4"/>
+      <a:schemeClr val="accent1"/>
     </dgm:linClrLst>
     <dgm:effectClrLst/>
     <dgm:txLinClrLst/>
@@ -1573,7 +1577,7 @@
       <a:schemeClr val="lt1"/>
     </dgm:fillClrLst>
     <dgm:linClrLst meth="repeat">
-      <a:schemeClr val="accent4"/>
+      <a:schemeClr val="accent1"/>
     </dgm:linClrLst>
     <dgm:effectClrLst/>
     <dgm:txLinClrLst/>
@@ -1587,7 +1591,7 @@
       <a:schemeClr val="lt1"/>
     </dgm:fillClrLst>
     <dgm:linClrLst meth="repeat">
-      <a:schemeClr val="accent4"/>
+      <a:schemeClr val="accent1"/>
     </dgm:linClrLst>
     <dgm:effectClrLst/>
     <dgm:txLinClrLst/>
@@ -1604,7 +1608,7 @@
       </a:schemeClr>
     </dgm:fillClrLst>
     <dgm:linClrLst meth="repeat">
-      <a:schemeClr val="accent4">
+      <a:schemeClr val="accent1">
         <a:alpha val="90000"/>
       </a:schemeClr>
     </dgm:linClrLst>
@@ -1623,7 +1627,7 @@
       </a:schemeClr>
     </dgm:fillClrLst>
     <dgm:linClrLst meth="repeat">
-      <a:schemeClr val="accent4">
+      <a:schemeClr val="accent1">
         <a:alpha val="90000"/>
       </a:schemeClr>
     </dgm:linClrLst>
@@ -1642,7 +1646,7 @@
       </a:schemeClr>
     </dgm:fillClrLst>
     <dgm:linClrLst meth="repeat">
-      <a:schemeClr val="accent4">
+      <a:schemeClr val="accent1">
         <a:alpha val="90000"/>
       </a:schemeClr>
     </dgm:linClrLst>
@@ -1655,13 +1659,13 @@
   </dgm:styleLbl>
   <dgm:styleLbl name="fgAcc0">
     <dgm:fillClrLst meth="repeat">
-      <a:schemeClr val="accent4">
+      <a:schemeClr val="accent1">
         <a:alpha val="90000"/>
         <a:tint val="40000"/>
       </a:schemeClr>
     </dgm:fillClrLst>
     <dgm:linClrLst meth="repeat">
-      <a:schemeClr val="accent4"/>
+      <a:schemeClr val="accent1"/>
     </dgm:linClrLst>
     <dgm:effectClrLst/>
     <dgm:txLinClrLst/>
@@ -1672,13 +1676,13 @@
   </dgm:styleLbl>
   <dgm:styleLbl name="fgAcc2">
     <dgm:fillClrLst meth="repeat">
-      <a:schemeClr val="accent4">
+      <a:schemeClr val="accent1">
         <a:alpha val="90000"/>
         <a:tint val="40000"/>
       </a:schemeClr>
     </dgm:fillClrLst>
     <dgm:linClrLst meth="repeat">
-      <a:schemeClr val="accent4"/>
+      <a:schemeClr val="accent1"/>
     </dgm:linClrLst>
     <dgm:effectClrLst/>
     <dgm:txLinClrLst/>
@@ -1689,13 +1693,13 @@
   </dgm:styleLbl>
   <dgm:styleLbl name="fgAcc3">
     <dgm:fillClrLst meth="repeat">
-      <a:schemeClr val="accent4">
+      <a:schemeClr val="accent1">
         <a:alpha val="90000"/>
         <a:tint val="40000"/>
       </a:schemeClr>
     </dgm:fillClrLst>
     <dgm:linClrLst meth="repeat">
-      <a:schemeClr val="accent4"/>
+      <a:schemeClr val="accent1"/>
     </dgm:linClrLst>
     <dgm:effectClrLst/>
     <dgm:txLinClrLst/>
@@ -1706,13 +1710,13 @@
   </dgm:styleLbl>
   <dgm:styleLbl name="fgAcc4">
     <dgm:fillClrLst meth="repeat">
-      <a:schemeClr val="accent4">
+      <a:schemeClr val="accent1">
         <a:alpha val="90000"/>
         <a:tint val="40000"/>
       </a:schemeClr>
     </dgm:fillClrLst>
     <dgm:linClrLst meth="repeat">
-      <a:schemeClr val="accent4"/>
+      <a:schemeClr val="accent1"/>
     </dgm:linClrLst>
     <dgm:effectClrLst/>
     <dgm:txLinClrLst/>
@@ -1723,12 +1727,12 @@
   </dgm:styleLbl>
   <dgm:styleLbl name="bgShp">
     <dgm:fillClrLst meth="repeat">
-      <a:schemeClr val="accent4">
+      <a:schemeClr val="accent1">
         <a:tint val="40000"/>
       </a:schemeClr>
     </dgm:fillClrLst>
     <dgm:linClrLst meth="repeat">
-      <a:schemeClr val="accent4"/>
+      <a:schemeClr val="accent1"/>
     </dgm:linClrLst>
     <dgm:effectClrLst/>
     <dgm:txLinClrLst/>
@@ -1739,12 +1743,12 @@
   </dgm:styleLbl>
   <dgm:styleLbl name="dkBgShp">
     <dgm:fillClrLst meth="repeat">
-      <a:schemeClr val="accent4">
+      <a:schemeClr val="accent1">
         <a:shade val="80000"/>
       </a:schemeClr>
     </dgm:fillClrLst>
     <dgm:linClrLst meth="repeat">
-      <a:schemeClr val="accent4"/>
+      <a:schemeClr val="accent1"/>
     </dgm:linClrLst>
     <dgm:effectClrLst/>
     <dgm:txLinClrLst/>
@@ -1755,13 +1759,13 @@
   </dgm:styleLbl>
   <dgm:styleLbl name="trBgShp">
     <dgm:fillClrLst meth="repeat">
-      <a:schemeClr val="accent4">
+      <a:schemeClr val="accent1">
         <a:tint val="50000"/>
         <a:alpha val="40000"/>
       </a:schemeClr>
     </dgm:fillClrLst>
     <dgm:linClrLst meth="repeat">
-      <a:schemeClr val="accent4"/>
+      <a:schemeClr val="accent1"/>
     </dgm:linClrLst>
     <dgm:effectClrLst/>
     <dgm:txLinClrLst/>
@@ -1772,7 +1776,7 @@
   </dgm:styleLbl>
   <dgm:styleLbl name="fgShp">
     <dgm:fillClrLst meth="repeat">
-      <a:schemeClr val="accent4">
+      <a:schemeClr val="accent1">
         <a:tint val="60000"/>
       </a:schemeClr>
     </dgm:fillClrLst>
@@ -2069,7 +2073,7 @@
 <dgm:dataModel xmlns:dgm="http://schemas.openxmlformats.org/drawingml/2006/diagram" xmlns:a="http://schemas.openxmlformats.org/drawingml/2006/main">
   <dgm:ptLst>
     <dgm:pt modelId="{9DF7FE95-6B35-4FE0-94A5-69B7BCE18FA8}" type="doc">
-      <dgm:prSet loTypeId="urn:microsoft.com/office/officeart/2005/8/layout/cycle5" loCatId="cycle" qsTypeId="urn:microsoft.com/office/officeart/2005/8/quickstyle/simple1" qsCatId="simple" csTypeId="urn:microsoft.com/office/officeart/2005/8/colors/accent4_1" csCatId="accent4" phldr="1"/>
+      <dgm:prSet loTypeId="urn:microsoft.com/office/officeart/2005/8/layout/cycle8" loCatId="cycle" qsTypeId="urn:microsoft.com/office/officeart/2005/8/quickstyle/simple1" qsCatId="simple" csTypeId="urn:microsoft.com/office/officeart/2005/8/colors/accent1_1" csCatId="accent1" phldr="1"/>
       <dgm:spPr/>
       <dgm:t>
         <a:bodyPr/>
@@ -2087,7 +2091,7 @@
         <a:lstStyle/>
         <a:p>
           <a:r>
-            <a:rPr lang="en-AU" sz="1400" dirty="0"/>
+            <a:rPr lang="en-AU" sz="1000" dirty="0"/>
             <a:t>Created</a:t>
           </a:r>
         </a:p>
@@ -2100,7 +2104,7 @@
         <a:bodyPr/>
         <a:lstStyle/>
         <a:p>
-          <a:endParaRPr lang="en-AU" sz="1400"/>
+          <a:endParaRPr lang="en-AU" sz="1000"/>
         </a:p>
       </dgm:t>
     </dgm:pt>
@@ -2111,7 +2115,7 @@
         <a:bodyPr/>
         <a:lstStyle/>
         <a:p>
-          <a:endParaRPr lang="en-AU" sz="1400"/>
+          <a:endParaRPr lang="en-AU" sz="1000"/>
         </a:p>
       </dgm:t>
     </dgm:pt>
@@ -2123,7 +2127,7 @@
         <a:lstStyle/>
         <a:p>
           <a:r>
-            <a:rPr lang="en-AU" sz="1400" dirty="0"/>
+            <a:rPr lang="en-AU" sz="1000" dirty="0"/>
             <a:t>Fulfilled</a:t>
           </a:r>
         </a:p>
@@ -2136,7 +2140,7 @@
         <a:bodyPr/>
         <a:lstStyle/>
         <a:p>
-          <a:endParaRPr lang="en-AU" sz="1400"/>
+          <a:endParaRPr lang="en-AU" sz="1000"/>
         </a:p>
       </dgm:t>
     </dgm:pt>
@@ -2147,7 +2151,7 @@
         <a:bodyPr/>
         <a:lstStyle/>
         <a:p>
-          <a:endParaRPr lang="en-AU" sz="1400"/>
+          <a:endParaRPr lang="en-AU" sz="1000"/>
         </a:p>
       </dgm:t>
     </dgm:pt>
@@ -2159,13 +2163,13 @@
         <a:lstStyle/>
         <a:p>
           <a:r>
-            <a:rPr lang="en-AU" sz="1400" dirty="0"/>
+            <a:rPr lang="en-AU" sz="1000" dirty="0"/>
             <a:t>Partial</a:t>
           </a:r>
         </a:p>
         <a:p>
           <a:r>
-            <a:rPr lang="en-AU" sz="1400" dirty="0"/>
+            <a:rPr lang="en-AU" sz="1000" dirty="0"/>
             <a:t>Refund</a:t>
           </a:r>
         </a:p>
@@ -2178,7 +2182,7 @@
         <a:bodyPr/>
         <a:lstStyle/>
         <a:p>
-          <a:endParaRPr lang="en-AU" sz="1400"/>
+          <a:endParaRPr lang="en-AU" sz="1000"/>
         </a:p>
       </dgm:t>
     </dgm:pt>
@@ -2189,7 +2193,7 @@
         <a:bodyPr/>
         <a:lstStyle/>
         <a:p>
-          <a:endParaRPr lang="en-AU" sz="1400"/>
+          <a:endParaRPr lang="en-AU" sz="1000"/>
         </a:p>
       </dgm:t>
     </dgm:pt>
@@ -2201,7 +2205,7 @@
         <a:lstStyle/>
         <a:p>
           <a:r>
-            <a:rPr lang="en-AU" sz="1400" dirty="0"/>
+            <a:rPr lang="en-AU" sz="1000" dirty="0"/>
             <a:t>Refunded</a:t>
           </a:r>
         </a:p>
@@ -2214,7 +2218,7 @@
         <a:bodyPr/>
         <a:lstStyle/>
         <a:p>
-          <a:endParaRPr lang="en-AU" sz="1400"/>
+          <a:endParaRPr lang="en-AU" sz="1000"/>
         </a:p>
       </dgm:t>
     </dgm:pt>
@@ -2225,110 +2229,159 @@
         <a:bodyPr/>
         <a:lstStyle/>
         <a:p>
-          <a:endParaRPr lang="en-AU" sz="1400"/>
+          <a:endParaRPr lang="en-AU" sz="1000"/>
         </a:p>
       </dgm:t>
     </dgm:pt>
-    <dgm:pt modelId="{C098DF2D-0AE8-41F3-AFC0-C43F72C40CB3}" type="pres">
-      <dgm:prSet presAssocID="{9DF7FE95-6B35-4FE0-94A5-69B7BCE18FA8}" presName="cycle" presStyleCnt="0">
+    <dgm:pt modelId="{99983874-E0F4-4D67-A43B-AB30B99C896F}" type="pres">
+      <dgm:prSet presAssocID="{9DF7FE95-6B35-4FE0-94A5-69B7BCE18FA8}" presName="compositeShape" presStyleCnt="0">
         <dgm:presLayoutVars>
+          <dgm:chMax val="7"/>
           <dgm:dir/>
           <dgm:resizeHandles val="exact"/>
         </dgm:presLayoutVars>
       </dgm:prSet>
       <dgm:spPr/>
     </dgm:pt>
-    <dgm:pt modelId="{8D2A8847-4DD9-43A8-ADAE-7F590ED5FC06}" type="pres">
-      <dgm:prSet presAssocID="{61627797-FD87-46AA-98F9-CB2C59243E2E}" presName="node" presStyleLbl="node1" presStyleIdx="0" presStyleCnt="4">
+    <dgm:pt modelId="{44439EF6-F68B-43BB-8892-1A1953160B88}" type="pres">
+      <dgm:prSet presAssocID="{9DF7FE95-6B35-4FE0-94A5-69B7BCE18FA8}" presName="wedge1" presStyleLbl="node1" presStyleIdx="0" presStyleCnt="4"/>
+      <dgm:spPr/>
+    </dgm:pt>
+    <dgm:pt modelId="{6C139A1B-D390-40C3-906A-568B7E8E5A07}" type="pres">
+      <dgm:prSet presAssocID="{9DF7FE95-6B35-4FE0-94A5-69B7BCE18FA8}" presName="dummy1a" presStyleCnt="0"/>
+      <dgm:spPr/>
+    </dgm:pt>
+    <dgm:pt modelId="{F7252612-0482-4457-A3FF-05A81B4DA858}" type="pres">
+      <dgm:prSet presAssocID="{9DF7FE95-6B35-4FE0-94A5-69B7BCE18FA8}" presName="dummy1b" presStyleCnt="0"/>
+      <dgm:spPr/>
+    </dgm:pt>
+    <dgm:pt modelId="{1BA591C2-F52A-430B-94B0-065156DA9411}" type="pres">
+      <dgm:prSet presAssocID="{9DF7FE95-6B35-4FE0-94A5-69B7BCE18FA8}" presName="wedge1Tx" presStyleLbl="node1" presStyleIdx="0" presStyleCnt="4">
         <dgm:presLayoutVars>
+          <dgm:chMax val="0"/>
+          <dgm:chPref val="0"/>
           <dgm:bulletEnabled val="1"/>
         </dgm:presLayoutVars>
       </dgm:prSet>
       <dgm:spPr/>
     </dgm:pt>
-    <dgm:pt modelId="{A060C4F8-C2F3-43DC-96CD-B14F2E023644}" type="pres">
-      <dgm:prSet presAssocID="{61627797-FD87-46AA-98F9-CB2C59243E2E}" presName="spNode" presStyleCnt="0"/>
+    <dgm:pt modelId="{75B757B3-30FF-4E6B-869C-424684FA437A}" type="pres">
+      <dgm:prSet presAssocID="{9DF7FE95-6B35-4FE0-94A5-69B7BCE18FA8}" presName="wedge2" presStyleLbl="node1" presStyleIdx="1" presStyleCnt="4"/>
       <dgm:spPr/>
     </dgm:pt>
-    <dgm:pt modelId="{86FE89EC-47EA-4C6A-8234-3A6150BF9715}" type="pres">
-      <dgm:prSet presAssocID="{9ADAC2EE-6D0F-4D16-9BBC-ACF9FF5ABDA7}" presName="sibTrans" presStyleLbl="sibTrans1D1" presStyleIdx="0" presStyleCnt="4"/>
+    <dgm:pt modelId="{7EA5DB0B-0872-49CA-AC42-DCB7EC0671A2}" type="pres">
+      <dgm:prSet presAssocID="{9DF7FE95-6B35-4FE0-94A5-69B7BCE18FA8}" presName="dummy2a" presStyleCnt="0"/>
       <dgm:spPr/>
     </dgm:pt>
-    <dgm:pt modelId="{E5129280-D7F6-408E-8CE7-FE488029A2D0}" type="pres">
-      <dgm:prSet presAssocID="{AD1F435A-E689-47BE-802D-C22DDA20EB31}" presName="node" presStyleLbl="node1" presStyleIdx="1" presStyleCnt="4">
+    <dgm:pt modelId="{4FC96B9A-2A3A-40FD-B2F6-9C991709DFB6}" type="pres">
+      <dgm:prSet presAssocID="{9DF7FE95-6B35-4FE0-94A5-69B7BCE18FA8}" presName="dummy2b" presStyleCnt="0"/>
+      <dgm:spPr/>
+    </dgm:pt>
+    <dgm:pt modelId="{C7CAC48B-DD7E-4A41-98F9-50D1B8ADBE07}" type="pres">
+      <dgm:prSet presAssocID="{9DF7FE95-6B35-4FE0-94A5-69B7BCE18FA8}" presName="wedge2Tx" presStyleLbl="node1" presStyleIdx="1" presStyleCnt="4">
         <dgm:presLayoutVars>
+          <dgm:chMax val="0"/>
+          <dgm:chPref val="0"/>
           <dgm:bulletEnabled val="1"/>
         </dgm:presLayoutVars>
       </dgm:prSet>
       <dgm:spPr/>
     </dgm:pt>
-    <dgm:pt modelId="{A2268DDF-F5A5-4585-9C08-33E51238A12F}" type="pres">
-      <dgm:prSet presAssocID="{AD1F435A-E689-47BE-802D-C22DDA20EB31}" presName="spNode" presStyleCnt="0"/>
+    <dgm:pt modelId="{DD562D83-1DBE-4C52-9154-6370E40183EA}" type="pres">
+      <dgm:prSet presAssocID="{9DF7FE95-6B35-4FE0-94A5-69B7BCE18FA8}" presName="wedge3" presStyleLbl="node1" presStyleIdx="2" presStyleCnt="4"/>
       <dgm:spPr/>
     </dgm:pt>
-    <dgm:pt modelId="{E1B72896-3F78-470B-A9D9-A62BA65C81D8}" type="pres">
-      <dgm:prSet presAssocID="{5F4ED390-ABB2-4596-9F49-1F91F740FFEB}" presName="sibTrans" presStyleLbl="sibTrans1D1" presStyleIdx="1" presStyleCnt="4"/>
+    <dgm:pt modelId="{C77DB5CA-D246-4810-AB8C-BD8531BE8C1A}" type="pres">
+      <dgm:prSet presAssocID="{9DF7FE95-6B35-4FE0-94A5-69B7BCE18FA8}" presName="dummy3a" presStyleCnt="0"/>
       <dgm:spPr/>
     </dgm:pt>
-    <dgm:pt modelId="{7408F2B1-52C8-40DD-A2E5-FC41482C1E1B}" type="pres">
-      <dgm:prSet presAssocID="{D6B16226-BB67-44A8-9A32-949D7BC49368}" presName="node" presStyleLbl="node1" presStyleIdx="2" presStyleCnt="4">
+    <dgm:pt modelId="{4C74CE08-FF1F-44D8-B615-CA6AE755BF44}" type="pres">
+      <dgm:prSet presAssocID="{9DF7FE95-6B35-4FE0-94A5-69B7BCE18FA8}" presName="dummy3b" presStyleCnt="0"/>
+      <dgm:spPr/>
+    </dgm:pt>
+    <dgm:pt modelId="{1FFD70BD-EA5F-4228-88D6-9CC64F8D24AA}" type="pres">
+      <dgm:prSet presAssocID="{9DF7FE95-6B35-4FE0-94A5-69B7BCE18FA8}" presName="wedge3Tx" presStyleLbl="node1" presStyleIdx="2" presStyleCnt="4">
         <dgm:presLayoutVars>
+          <dgm:chMax val="0"/>
+          <dgm:chPref val="0"/>
           <dgm:bulletEnabled val="1"/>
         </dgm:presLayoutVars>
       </dgm:prSet>
       <dgm:spPr/>
     </dgm:pt>
-    <dgm:pt modelId="{F2C4065B-0A9D-48FC-A5D0-9892DAA71BDB}" type="pres">
-      <dgm:prSet presAssocID="{D6B16226-BB67-44A8-9A32-949D7BC49368}" presName="spNode" presStyleCnt="0"/>
+    <dgm:pt modelId="{0F822F1D-BCB6-487F-8C7B-59516040CB32}" type="pres">
+      <dgm:prSet presAssocID="{9DF7FE95-6B35-4FE0-94A5-69B7BCE18FA8}" presName="wedge4" presStyleLbl="node1" presStyleIdx="3" presStyleCnt="4"/>
       <dgm:spPr/>
     </dgm:pt>
-    <dgm:pt modelId="{F8EEFE25-0600-46BF-9D4E-64B828926DAC}" type="pres">
-      <dgm:prSet presAssocID="{ADD20104-BCA4-4E8C-9A32-2C5279DFF38E}" presName="sibTrans" presStyleLbl="sibTrans1D1" presStyleIdx="2" presStyleCnt="4"/>
+    <dgm:pt modelId="{8DF7350D-3A7B-4425-88E3-B336EA93EFBF}" type="pres">
+      <dgm:prSet presAssocID="{9DF7FE95-6B35-4FE0-94A5-69B7BCE18FA8}" presName="dummy4a" presStyleCnt="0"/>
       <dgm:spPr/>
     </dgm:pt>
-    <dgm:pt modelId="{09FF6060-8DC7-4756-A198-32CF5B8EF8FF}" type="pres">
-      <dgm:prSet presAssocID="{578C39D7-99D7-41D4-8B07-E24F242726F3}" presName="node" presStyleLbl="node1" presStyleIdx="3" presStyleCnt="4" custScaleX="143804">
+    <dgm:pt modelId="{60C42C2A-89F0-4731-8308-F1FA1A0D7663}" type="pres">
+      <dgm:prSet presAssocID="{9DF7FE95-6B35-4FE0-94A5-69B7BCE18FA8}" presName="dummy4b" presStyleCnt="0"/>
+      <dgm:spPr/>
+    </dgm:pt>
+    <dgm:pt modelId="{355BC9E3-3175-4E4F-93BD-10148DE00BF9}" type="pres">
+      <dgm:prSet presAssocID="{9DF7FE95-6B35-4FE0-94A5-69B7BCE18FA8}" presName="wedge4Tx" presStyleLbl="node1" presStyleIdx="3" presStyleCnt="4">
         <dgm:presLayoutVars>
+          <dgm:chMax val="0"/>
+          <dgm:chPref val="0"/>
           <dgm:bulletEnabled val="1"/>
         </dgm:presLayoutVars>
       </dgm:prSet>
       <dgm:spPr/>
     </dgm:pt>
-    <dgm:pt modelId="{B5A40AA0-70DF-470B-8F42-B49A24EF1CFB}" type="pres">
-      <dgm:prSet presAssocID="{578C39D7-99D7-41D4-8B07-E24F242726F3}" presName="spNode" presStyleCnt="0"/>
+    <dgm:pt modelId="{50AC3CEE-4ED6-4E08-9379-A06F4F842D19}" type="pres">
+      <dgm:prSet presAssocID="{9ADAC2EE-6D0F-4D16-9BBC-ACF9FF5ABDA7}" presName="arrowWedge1" presStyleLbl="fgSibTrans2D1" presStyleIdx="0" presStyleCnt="4"/>
       <dgm:spPr/>
     </dgm:pt>
-    <dgm:pt modelId="{C2454825-54E6-44F0-B9F4-69843EF7F8F0}" type="pres">
-      <dgm:prSet presAssocID="{6A16D280-E122-4249-968D-49D283517F8C}" presName="sibTrans" presStyleLbl="sibTrans1D1" presStyleIdx="3" presStyleCnt="4"/>
+    <dgm:pt modelId="{9595DA40-7243-4C23-AE38-7B5B980556E0}" type="pres">
+      <dgm:prSet presAssocID="{5F4ED390-ABB2-4596-9F49-1F91F740FFEB}" presName="arrowWedge2" presStyleLbl="fgSibTrans2D1" presStyleIdx="1" presStyleCnt="4"/>
+      <dgm:spPr/>
+    </dgm:pt>
+    <dgm:pt modelId="{D5E917AE-6A1D-4F8E-99C3-CFB6DBA30B74}" type="pres">
+      <dgm:prSet presAssocID="{ADD20104-BCA4-4E8C-9A32-2C5279DFF38E}" presName="arrowWedge3" presStyleLbl="fgSibTrans2D1" presStyleIdx="2" presStyleCnt="4"/>
+      <dgm:spPr/>
+    </dgm:pt>
+    <dgm:pt modelId="{184E4199-D875-46AC-BCAC-715EAB3B37BB}" type="pres">
+      <dgm:prSet presAssocID="{6A16D280-E122-4249-968D-49D283517F8C}" presName="arrowWedge4" presStyleLbl="fgSibTrans2D1" presStyleIdx="3" presStyleCnt="4"/>
       <dgm:spPr/>
     </dgm:pt>
   </dgm:ptLst>
   <dgm:cxnLst>
-    <dgm:cxn modelId="{CEBA7A60-9987-4620-B22E-4A89DB6746BB}" type="presOf" srcId="{D6B16226-BB67-44A8-9A32-949D7BC49368}" destId="{7408F2B1-52C8-40DD-A2E5-FC41482C1E1B}" srcOrd="0" destOrd="0" presId="urn:microsoft.com/office/officeart/2005/8/layout/cycle5"/>
-    <dgm:cxn modelId="{96631366-B319-4D19-84D7-5F71100F3FBB}" type="presOf" srcId="{61627797-FD87-46AA-98F9-CB2C59243E2E}" destId="{8D2A8847-4DD9-43A8-ADAE-7F590ED5FC06}" srcOrd="0" destOrd="0" presId="urn:microsoft.com/office/officeart/2005/8/layout/cycle5"/>
-    <dgm:cxn modelId="{C10F7E68-BD8E-4052-9698-250B6334B938}" type="presOf" srcId="{578C39D7-99D7-41D4-8B07-E24F242726F3}" destId="{09FF6060-8DC7-4756-A198-32CF5B8EF8FF}" srcOrd="0" destOrd="0" presId="urn:microsoft.com/office/officeart/2005/8/layout/cycle5"/>
-    <dgm:cxn modelId="{F426766B-48DB-428F-B18E-B4A06599E407}" type="presOf" srcId="{9ADAC2EE-6D0F-4D16-9BBC-ACF9FF5ABDA7}" destId="{86FE89EC-47EA-4C6A-8234-3A6150BF9715}" srcOrd="0" destOrd="0" presId="urn:microsoft.com/office/officeart/2005/8/layout/cycle5"/>
+    <dgm:cxn modelId="{FB1FD217-F738-4448-92C8-8C376C4FB6FB}" type="presOf" srcId="{578C39D7-99D7-41D4-8B07-E24F242726F3}" destId="{355BC9E3-3175-4E4F-93BD-10148DE00BF9}" srcOrd="1" destOrd="0" presId="urn:microsoft.com/office/officeart/2005/8/layout/cycle8"/>
+    <dgm:cxn modelId="{98754F19-EA4D-4EE4-AD92-1CDC2EEFB282}" type="presOf" srcId="{D6B16226-BB67-44A8-9A32-949D7BC49368}" destId="{1FFD70BD-EA5F-4228-88D6-9CC64F8D24AA}" srcOrd="1" destOrd="0" presId="urn:microsoft.com/office/officeart/2005/8/layout/cycle8"/>
+    <dgm:cxn modelId="{38E2E43E-08C0-4F2E-BF3D-8876FA438B19}" type="presOf" srcId="{61627797-FD87-46AA-98F9-CB2C59243E2E}" destId="{44439EF6-F68B-43BB-8892-1A1953160B88}" srcOrd="0" destOrd="0" presId="urn:microsoft.com/office/officeart/2005/8/layout/cycle8"/>
+    <dgm:cxn modelId="{9C3A2946-DC5A-4374-B5F7-2D4CC36BF375}" type="presOf" srcId="{578C39D7-99D7-41D4-8B07-E24F242726F3}" destId="{0F822F1D-BCB6-487F-8C7B-59516040CB32}" srcOrd="0" destOrd="0" presId="urn:microsoft.com/office/officeart/2005/8/layout/cycle8"/>
+    <dgm:cxn modelId="{D4524C46-DBD4-4585-900A-BE430DD699C0}" type="presOf" srcId="{61627797-FD87-46AA-98F9-CB2C59243E2E}" destId="{1BA591C2-F52A-430B-94B0-065156DA9411}" srcOrd="1" destOrd="0" presId="urn:microsoft.com/office/officeart/2005/8/layout/cycle8"/>
+    <dgm:cxn modelId="{57FAD56B-1AAF-4AB3-B402-3BC4EB63DFC2}" type="presOf" srcId="{9DF7FE95-6B35-4FE0-94A5-69B7BCE18FA8}" destId="{99983874-E0F4-4D67-A43B-AB30B99C896F}" srcOrd="0" destOrd="0" presId="urn:microsoft.com/office/officeart/2005/8/layout/cycle8"/>
+    <dgm:cxn modelId="{BD09C06D-35C1-4A70-A695-CD98A5D63BF8}" type="presOf" srcId="{D6B16226-BB67-44A8-9A32-949D7BC49368}" destId="{DD562D83-1DBE-4C52-9154-6370E40183EA}" srcOrd="0" destOrd="0" presId="urn:microsoft.com/office/officeart/2005/8/layout/cycle8"/>
+    <dgm:cxn modelId="{01FD9555-5E8C-4E25-B94D-C866BE187239}" type="presOf" srcId="{AD1F435A-E689-47BE-802D-C22DDA20EB31}" destId="{75B757B3-30FF-4E6B-869C-424684FA437A}" srcOrd="0" destOrd="0" presId="urn:microsoft.com/office/officeart/2005/8/layout/cycle8"/>
     <dgm:cxn modelId="{5B4A0457-29F3-4D3B-AD52-42A4B0244FAE}" srcId="{9DF7FE95-6B35-4FE0-94A5-69B7BCE18FA8}" destId="{D6B16226-BB67-44A8-9A32-949D7BC49368}" srcOrd="2" destOrd="0" parTransId="{58AE6059-B3CF-41D8-A4EF-CABC3048E073}" sibTransId="{ADD20104-BCA4-4E8C-9A32-2C5279DFF38E}"/>
-    <dgm:cxn modelId="{0FB49E7B-B9A4-4596-88C6-9C2BC3D389CA}" type="presOf" srcId="{ADD20104-BCA4-4E8C-9A32-2C5279DFF38E}" destId="{F8EEFE25-0600-46BF-9D4E-64B828926DAC}" srcOrd="0" destOrd="0" presId="urn:microsoft.com/office/officeart/2005/8/layout/cycle5"/>
-    <dgm:cxn modelId="{48FF9880-8014-4901-BB52-FFF446F3E383}" type="presOf" srcId="{5F4ED390-ABB2-4596-9F49-1F91F740FFEB}" destId="{E1B72896-3F78-470B-A9D9-A62BA65C81D8}" srcOrd="0" destOrd="0" presId="urn:microsoft.com/office/officeart/2005/8/layout/cycle5"/>
     <dgm:cxn modelId="{2BD03984-A08B-4E41-9853-6FE973F3EF29}" srcId="{9DF7FE95-6B35-4FE0-94A5-69B7BCE18FA8}" destId="{AD1F435A-E689-47BE-802D-C22DDA20EB31}" srcOrd="1" destOrd="0" parTransId="{E55D0FB9-3AC7-4684-8A00-274A07248171}" sibTransId="{5F4ED390-ABB2-4596-9F49-1F91F740FFEB}"/>
     <dgm:cxn modelId="{66A0CB94-34F4-4A47-B9AE-7CBE5DDB3C08}" srcId="{9DF7FE95-6B35-4FE0-94A5-69B7BCE18FA8}" destId="{61627797-FD87-46AA-98F9-CB2C59243E2E}" srcOrd="0" destOrd="0" parTransId="{233991E2-1112-437D-B8A7-2EC704E9D51D}" sibTransId="{9ADAC2EE-6D0F-4D16-9BBC-ACF9FF5ABDA7}"/>
-    <dgm:cxn modelId="{ADEED9C9-FE65-4E1B-A3BA-8494B3BA770F}" type="presOf" srcId="{9DF7FE95-6B35-4FE0-94A5-69B7BCE18FA8}" destId="{C098DF2D-0AE8-41F3-AFC0-C43F72C40CB3}" srcOrd="0" destOrd="0" presId="urn:microsoft.com/office/officeart/2005/8/layout/cycle5"/>
     <dgm:cxn modelId="{EED9B9D0-AA7D-4F5B-A988-2E82B9BB0FC5}" srcId="{9DF7FE95-6B35-4FE0-94A5-69B7BCE18FA8}" destId="{578C39D7-99D7-41D4-8B07-E24F242726F3}" srcOrd="3" destOrd="0" parTransId="{C1C89102-8EB2-42A7-921C-48CC7271135C}" sibTransId="{6A16D280-E122-4249-968D-49D283517F8C}"/>
-    <dgm:cxn modelId="{6DCE9CD5-14B2-4875-B525-4C87B78E40DD}" type="presOf" srcId="{AD1F435A-E689-47BE-802D-C22DDA20EB31}" destId="{E5129280-D7F6-408E-8CE7-FE488029A2D0}" srcOrd="0" destOrd="0" presId="urn:microsoft.com/office/officeart/2005/8/layout/cycle5"/>
-    <dgm:cxn modelId="{B1239BF3-19DC-40B2-A5E4-02E014DE962E}" type="presOf" srcId="{6A16D280-E122-4249-968D-49D283517F8C}" destId="{C2454825-54E6-44F0-B9F4-69843EF7F8F0}" srcOrd="0" destOrd="0" presId="urn:microsoft.com/office/officeart/2005/8/layout/cycle5"/>
-    <dgm:cxn modelId="{AD1C3EC9-03CD-45F9-8492-691D7DBBBD1E}" type="presParOf" srcId="{C098DF2D-0AE8-41F3-AFC0-C43F72C40CB3}" destId="{8D2A8847-4DD9-43A8-ADAE-7F590ED5FC06}" srcOrd="0" destOrd="0" presId="urn:microsoft.com/office/officeart/2005/8/layout/cycle5"/>
-    <dgm:cxn modelId="{E6365D54-3F64-472F-9FB6-895FA2BF0F80}" type="presParOf" srcId="{C098DF2D-0AE8-41F3-AFC0-C43F72C40CB3}" destId="{A060C4F8-C2F3-43DC-96CD-B14F2E023644}" srcOrd="1" destOrd="0" presId="urn:microsoft.com/office/officeart/2005/8/layout/cycle5"/>
-    <dgm:cxn modelId="{DBAB1A55-4FBA-4238-A2EF-230DD8A9550E}" type="presParOf" srcId="{C098DF2D-0AE8-41F3-AFC0-C43F72C40CB3}" destId="{86FE89EC-47EA-4C6A-8234-3A6150BF9715}" srcOrd="2" destOrd="0" presId="urn:microsoft.com/office/officeart/2005/8/layout/cycle5"/>
-    <dgm:cxn modelId="{E7017435-5D67-41E7-9580-3A3F0E6FEEB7}" type="presParOf" srcId="{C098DF2D-0AE8-41F3-AFC0-C43F72C40CB3}" destId="{E5129280-D7F6-408E-8CE7-FE488029A2D0}" srcOrd="3" destOrd="0" presId="urn:microsoft.com/office/officeart/2005/8/layout/cycle5"/>
-    <dgm:cxn modelId="{5306DDD0-AEE0-43B4-86CB-3D17158288E5}" type="presParOf" srcId="{C098DF2D-0AE8-41F3-AFC0-C43F72C40CB3}" destId="{A2268DDF-F5A5-4585-9C08-33E51238A12F}" srcOrd="4" destOrd="0" presId="urn:microsoft.com/office/officeart/2005/8/layout/cycle5"/>
-    <dgm:cxn modelId="{D69F9589-5131-4E82-90BA-A2E1B9C097DE}" type="presParOf" srcId="{C098DF2D-0AE8-41F3-AFC0-C43F72C40CB3}" destId="{E1B72896-3F78-470B-A9D9-A62BA65C81D8}" srcOrd="5" destOrd="0" presId="urn:microsoft.com/office/officeart/2005/8/layout/cycle5"/>
-    <dgm:cxn modelId="{5662F60C-BCA1-498F-8E6F-C621196F6445}" type="presParOf" srcId="{C098DF2D-0AE8-41F3-AFC0-C43F72C40CB3}" destId="{7408F2B1-52C8-40DD-A2E5-FC41482C1E1B}" srcOrd="6" destOrd="0" presId="urn:microsoft.com/office/officeart/2005/8/layout/cycle5"/>
-    <dgm:cxn modelId="{750F97DD-1096-4647-B9CA-3C9D6EE718E1}" type="presParOf" srcId="{C098DF2D-0AE8-41F3-AFC0-C43F72C40CB3}" destId="{F2C4065B-0A9D-48FC-A5D0-9892DAA71BDB}" srcOrd="7" destOrd="0" presId="urn:microsoft.com/office/officeart/2005/8/layout/cycle5"/>
-    <dgm:cxn modelId="{FD222CC2-3893-4C07-9534-CA18998A2FEE}" type="presParOf" srcId="{C098DF2D-0AE8-41F3-AFC0-C43F72C40CB3}" destId="{F8EEFE25-0600-46BF-9D4E-64B828926DAC}" srcOrd="8" destOrd="0" presId="urn:microsoft.com/office/officeart/2005/8/layout/cycle5"/>
-    <dgm:cxn modelId="{AC38F426-B293-4561-9477-8A48F4F5FC7B}" type="presParOf" srcId="{C098DF2D-0AE8-41F3-AFC0-C43F72C40CB3}" destId="{09FF6060-8DC7-4756-A198-32CF5B8EF8FF}" srcOrd="9" destOrd="0" presId="urn:microsoft.com/office/officeart/2005/8/layout/cycle5"/>
-    <dgm:cxn modelId="{4EB879A3-1168-4A10-A571-84FFAD561A0D}" type="presParOf" srcId="{C098DF2D-0AE8-41F3-AFC0-C43F72C40CB3}" destId="{B5A40AA0-70DF-470B-8F42-B49A24EF1CFB}" srcOrd="10" destOrd="0" presId="urn:microsoft.com/office/officeart/2005/8/layout/cycle5"/>
-    <dgm:cxn modelId="{CD001B8D-4CAB-4FEB-848D-D409382AFBE9}" type="presParOf" srcId="{C098DF2D-0AE8-41F3-AFC0-C43F72C40CB3}" destId="{C2454825-54E6-44F0-B9F4-69843EF7F8F0}" srcOrd="11" destOrd="0" presId="urn:microsoft.com/office/officeart/2005/8/layout/cycle5"/>
+    <dgm:cxn modelId="{3B7BE7F5-CA87-4824-812B-DD3A41AA683F}" type="presOf" srcId="{AD1F435A-E689-47BE-802D-C22DDA20EB31}" destId="{C7CAC48B-DD7E-4A41-98F9-50D1B8ADBE07}" srcOrd="1" destOrd="0" presId="urn:microsoft.com/office/officeart/2005/8/layout/cycle8"/>
+    <dgm:cxn modelId="{165E99DB-088D-440B-A99E-E05824A50424}" type="presParOf" srcId="{99983874-E0F4-4D67-A43B-AB30B99C896F}" destId="{44439EF6-F68B-43BB-8892-1A1953160B88}" srcOrd="0" destOrd="0" presId="urn:microsoft.com/office/officeart/2005/8/layout/cycle8"/>
+    <dgm:cxn modelId="{8F70CAB6-DEF2-423F-9F3C-06985D0C22C6}" type="presParOf" srcId="{99983874-E0F4-4D67-A43B-AB30B99C896F}" destId="{6C139A1B-D390-40C3-906A-568B7E8E5A07}" srcOrd="1" destOrd="0" presId="urn:microsoft.com/office/officeart/2005/8/layout/cycle8"/>
+    <dgm:cxn modelId="{F22B5E3D-8D2E-44FC-B04A-818CF5E59A42}" type="presParOf" srcId="{99983874-E0F4-4D67-A43B-AB30B99C896F}" destId="{F7252612-0482-4457-A3FF-05A81B4DA858}" srcOrd="2" destOrd="0" presId="urn:microsoft.com/office/officeart/2005/8/layout/cycle8"/>
+    <dgm:cxn modelId="{D3E08468-B829-490B-8887-26191A95F0D1}" type="presParOf" srcId="{99983874-E0F4-4D67-A43B-AB30B99C896F}" destId="{1BA591C2-F52A-430B-94B0-065156DA9411}" srcOrd="3" destOrd="0" presId="urn:microsoft.com/office/officeart/2005/8/layout/cycle8"/>
+    <dgm:cxn modelId="{92696FD8-A642-48BC-A47C-F54C17843CD3}" type="presParOf" srcId="{99983874-E0F4-4D67-A43B-AB30B99C896F}" destId="{75B757B3-30FF-4E6B-869C-424684FA437A}" srcOrd="4" destOrd="0" presId="urn:microsoft.com/office/officeart/2005/8/layout/cycle8"/>
+    <dgm:cxn modelId="{0B9E5D0B-193A-4F65-9B5E-20C544D0A2D3}" type="presParOf" srcId="{99983874-E0F4-4D67-A43B-AB30B99C896F}" destId="{7EA5DB0B-0872-49CA-AC42-DCB7EC0671A2}" srcOrd="5" destOrd="0" presId="urn:microsoft.com/office/officeart/2005/8/layout/cycle8"/>
+    <dgm:cxn modelId="{C3BC097C-6574-44E7-8560-A4C82CAF5C31}" type="presParOf" srcId="{99983874-E0F4-4D67-A43B-AB30B99C896F}" destId="{4FC96B9A-2A3A-40FD-B2F6-9C991709DFB6}" srcOrd="6" destOrd="0" presId="urn:microsoft.com/office/officeart/2005/8/layout/cycle8"/>
+    <dgm:cxn modelId="{4F047D6E-6E5B-4A66-8080-93B0F0735811}" type="presParOf" srcId="{99983874-E0F4-4D67-A43B-AB30B99C896F}" destId="{C7CAC48B-DD7E-4A41-98F9-50D1B8ADBE07}" srcOrd="7" destOrd="0" presId="urn:microsoft.com/office/officeart/2005/8/layout/cycle8"/>
+    <dgm:cxn modelId="{C8FE1C3A-0528-4D51-BEC0-2CBC3F50C33A}" type="presParOf" srcId="{99983874-E0F4-4D67-A43B-AB30B99C896F}" destId="{DD562D83-1DBE-4C52-9154-6370E40183EA}" srcOrd="8" destOrd="0" presId="urn:microsoft.com/office/officeart/2005/8/layout/cycle8"/>
+    <dgm:cxn modelId="{4373C5F0-99AF-4BDE-A88E-09D92304476A}" type="presParOf" srcId="{99983874-E0F4-4D67-A43B-AB30B99C896F}" destId="{C77DB5CA-D246-4810-AB8C-BD8531BE8C1A}" srcOrd="9" destOrd="0" presId="urn:microsoft.com/office/officeart/2005/8/layout/cycle8"/>
+    <dgm:cxn modelId="{9B3ED3C7-9451-43AE-A5A9-47B914F3A51A}" type="presParOf" srcId="{99983874-E0F4-4D67-A43B-AB30B99C896F}" destId="{4C74CE08-FF1F-44D8-B615-CA6AE755BF44}" srcOrd="10" destOrd="0" presId="urn:microsoft.com/office/officeart/2005/8/layout/cycle8"/>
+    <dgm:cxn modelId="{9D641C6D-8970-49AB-AA61-2DD0AF46B4CD}" type="presParOf" srcId="{99983874-E0F4-4D67-A43B-AB30B99C896F}" destId="{1FFD70BD-EA5F-4228-88D6-9CC64F8D24AA}" srcOrd="11" destOrd="0" presId="urn:microsoft.com/office/officeart/2005/8/layout/cycle8"/>
+    <dgm:cxn modelId="{B2C472E5-BA97-41D3-A8E8-0CB32125FEFF}" type="presParOf" srcId="{99983874-E0F4-4D67-A43B-AB30B99C896F}" destId="{0F822F1D-BCB6-487F-8C7B-59516040CB32}" srcOrd="12" destOrd="0" presId="urn:microsoft.com/office/officeart/2005/8/layout/cycle8"/>
+    <dgm:cxn modelId="{981F042A-7C8F-4D61-9E40-068BD28C42F0}" type="presParOf" srcId="{99983874-E0F4-4D67-A43B-AB30B99C896F}" destId="{8DF7350D-3A7B-4425-88E3-B336EA93EFBF}" srcOrd="13" destOrd="0" presId="urn:microsoft.com/office/officeart/2005/8/layout/cycle8"/>
+    <dgm:cxn modelId="{2E8A39AE-9727-4739-A8E5-B3CCB18779E4}" type="presParOf" srcId="{99983874-E0F4-4D67-A43B-AB30B99C896F}" destId="{60C42C2A-89F0-4731-8308-F1FA1A0D7663}" srcOrd="14" destOrd="0" presId="urn:microsoft.com/office/officeart/2005/8/layout/cycle8"/>
+    <dgm:cxn modelId="{5B1029A2-7552-4928-850B-8DDC73DB946B}" type="presParOf" srcId="{99983874-E0F4-4D67-A43B-AB30B99C896F}" destId="{355BC9E3-3175-4E4F-93BD-10148DE00BF9}" srcOrd="15" destOrd="0" presId="urn:microsoft.com/office/officeart/2005/8/layout/cycle8"/>
+    <dgm:cxn modelId="{5B8F865D-DD3E-4E61-B113-5997518653B5}" type="presParOf" srcId="{99983874-E0F4-4D67-A43B-AB30B99C896F}" destId="{50AC3CEE-4ED6-4E08-9379-A06F4F842D19}" srcOrd="16" destOrd="0" presId="urn:microsoft.com/office/officeart/2005/8/layout/cycle8"/>
+    <dgm:cxn modelId="{15DFE3C0-A7DA-473C-A86C-27B3FF9CC9BB}" type="presParOf" srcId="{99983874-E0F4-4D67-A43B-AB30B99C896F}" destId="{9595DA40-7243-4C23-AE38-7B5B980556E0}" srcOrd="17" destOrd="0" presId="urn:microsoft.com/office/officeart/2005/8/layout/cycle8"/>
+    <dgm:cxn modelId="{FC31DB0B-0AC6-4FD3-AC39-5F7421256DE7}" type="presParOf" srcId="{99983874-E0F4-4D67-A43B-AB30B99C896F}" destId="{D5E917AE-6A1D-4F8E-99C3-CFB6DBA30B74}" srcOrd="18" destOrd="0" presId="urn:microsoft.com/office/officeart/2005/8/layout/cycle8"/>
+    <dgm:cxn modelId="{7977A874-F8DB-42A1-8492-2EA955D077D6}" type="presParOf" srcId="{99983874-E0F4-4D67-A43B-AB30B99C896F}" destId="{184E4199-D875-46AC-BCAC-715EAB3B37BB}" srcOrd="19" destOrd="0" presId="urn:microsoft.com/office/officeart/2005/8/layout/cycle8"/>
   </dgm:cxnLst>
   <dgm:bg/>
   <dgm:whole/>
@@ -2849,18 +2902,21 @@
       <dsp:cNvGrpSpPr/>
     </dsp:nvGrpSpPr>
     <dsp:grpSpPr/>
-    <dsp:sp modelId="{8D2A8847-4DD9-43A8-ADAE-7F590ED5FC06}">
+    <dsp:sp modelId="{44439EF6-F68B-43BB-8892-1A1953160B88}">
       <dsp:nvSpPr>
         <dsp:cNvPr id="0" name=""/>
         <dsp:cNvSpPr/>
       </dsp:nvSpPr>
       <dsp:spPr>
         <a:xfrm>
-          <a:off x="897405" y="555"/>
-          <a:ext cx="755823" cy="491285"/>
+          <a:off x="217280" y="95752"/>
+          <a:ext cx="1449951" cy="1449951"/>
         </a:xfrm>
-        <a:prstGeom prst="roundRect">
-          <a:avLst/>
+        <a:prstGeom prst="pie">
+          <a:avLst>
+            <a:gd name="adj1" fmla="val 16200000"/>
+            <a:gd name="adj2" fmla="val 0"/>
+          </a:avLst>
         </a:prstGeom>
         <a:solidFill>
           <a:schemeClr val="lt1">
@@ -2872,7 +2928,7 @@
         </a:solidFill>
         <a:ln w="12700" cap="flat" cmpd="sng" algn="ctr">
           <a:solidFill>
-            <a:schemeClr val="accent4">
+            <a:schemeClr val="accent1">
               <a:shade val="80000"/>
               <a:hueOff val="0"/>
               <a:satOff val="0"/>
@@ -2900,12 +2956,12 @@
         </a:fontRef>
       </dsp:style>
       <dsp:txBody>
-        <a:bodyPr spcFirstLastPara="0" vert="horz" wrap="square" lIns="53340" tIns="53340" rIns="53340" bIns="53340" numCol="1" spcCol="1270" anchor="ctr" anchorCtr="0">
+        <a:bodyPr spcFirstLastPara="0" vert="horz" wrap="square" lIns="12700" tIns="12700" rIns="12700" bIns="12700" numCol="1" spcCol="1270" anchor="ctr" anchorCtr="0">
           <a:noAutofit/>
         </a:bodyPr>
         <a:lstStyle/>
         <a:p>
-          <a:pPr marL="0" lvl="0" indent="0" algn="ctr" defTabSz="622300">
+          <a:pPr marL="0" lvl="0" indent="0" algn="ctr" defTabSz="444500">
             <a:lnSpc>
               <a:spcPct val="90000"/>
             </a:lnSpc>
@@ -2918,82 +2974,31 @@
             <a:buNone/>
           </a:pPr>
           <a:r>
-            <a:rPr lang="en-AU" sz="1400" kern="1200" dirty="0"/>
+            <a:rPr lang="en-AU" sz="1000" kern="1200" dirty="0"/>
             <a:t>Created</a:t>
           </a:r>
         </a:p>
       </dsp:txBody>
       <dsp:txXfrm>
-        <a:off x="921388" y="24538"/>
-        <a:ext cx="707857" cy="443319"/>
+        <a:off x="986962" y="396271"/>
+        <a:ext cx="535101" cy="397010"/>
       </dsp:txXfrm>
     </dsp:sp>
-    <dsp:sp modelId="{86FE89EC-47EA-4C6A-8234-3A6150BF9715}">
+    <dsp:sp modelId="{75B757B3-30FF-4E6B-869C-424684FA437A}">
       <dsp:nvSpPr>
         <dsp:cNvPr id="0" name=""/>
         <dsp:cNvSpPr/>
       </dsp:nvSpPr>
       <dsp:spPr>
         <a:xfrm>
-          <a:off x="464152" y="246198"/>
-          <a:ext cx="1622331" cy="1622331"/>
+          <a:off x="217280" y="144429"/>
+          <a:ext cx="1449951" cy="1449951"/>
         </a:xfrm>
-        <a:custGeom>
-          <a:avLst/>
-          <a:gdLst/>
-          <a:ahLst/>
-          <a:cxnLst/>
-          <a:rect l="0" t="0" r="0" b="0"/>
-          <a:pathLst>
-            <a:path>
-              <a:moveTo>
-                <a:pt x="1293267" y="158810"/>
-              </a:moveTo>
-              <a:arcTo wR="811165" hR="811165" stAng="18387904" swAng="1632605"/>
-            </a:path>
-          </a:pathLst>
-        </a:custGeom>
-        <a:noFill/>
-        <a:ln w="6350" cap="flat" cmpd="sng" algn="ctr">
-          <a:solidFill>
-            <a:schemeClr val="accent4">
-              <a:hueOff val="0"/>
-              <a:satOff val="0"/>
-              <a:lumOff val="0"/>
-              <a:alphaOff val="0"/>
-            </a:schemeClr>
-          </a:solidFill>
-          <a:prstDash val="solid"/>
-          <a:miter lim="800000"/>
-          <a:tailEnd type="arrow"/>
-        </a:ln>
-        <a:effectLst/>
-      </dsp:spPr>
-      <dsp:style>
-        <a:lnRef idx="1">
-          <a:scrgbClr r="0" g="0" b="0"/>
-        </a:lnRef>
-        <a:fillRef idx="0">
-          <a:scrgbClr r="0" g="0" b="0"/>
-        </a:fillRef>
-        <a:effectRef idx="0">
-          <a:scrgbClr r="0" g="0" b="0"/>
-        </a:effectRef>
-        <a:fontRef idx="minor"/>
-      </dsp:style>
-    </dsp:sp>
-    <dsp:sp modelId="{E5129280-D7F6-408E-8CE7-FE488029A2D0}">
-      <dsp:nvSpPr>
-        <dsp:cNvPr id="0" name=""/>
-        <dsp:cNvSpPr/>
-      </dsp:nvSpPr>
-      <dsp:spPr>
-        <a:xfrm>
-          <a:off x="1708571" y="811721"/>
-          <a:ext cx="755823" cy="491285"/>
-        </a:xfrm>
-        <a:prstGeom prst="roundRect">
-          <a:avLst/>
+        <a:prstGeom prst="pie">
+          <a:avLst>
+            <a:gd name="adj1" fmla="val 0"/>
+            <a:gd name="adj2" fmla="val 5400000"/>
+          </a:avLst>
         </a:prstGeom>
         <a:solidFill>
           <a:schemeClr val="lt1">
@@ -3005,7 +3010,7 @@
         </a:solidFill>
         <a:ln w="12700" cap="flat" cmpd="sng" algn="ctr">
           <a:solidFill>
-            <a:schemeClr val="accent4">
+            <a:schemeClr val="accent1">
               <a:shade val="80000"/>
               <a:hueOff val="0"/>
               <a:satOff val="0"/>
@@ -3033,12 +3038,12 @@
         </a:fontRef>
       </dsp:style>
       <dsp:txBody>
-        <a:bodyPr spcFirstLastPara="0" vert="horz" wrap="square" lIns="53340" tIns="53340" rIns="53340" bIns="53340" numCol="1" spcCol="1270" anchor="ctr" anchorCtr="0">
+        <a:bodyPr spcFirstLastPara="0" vert="horz" wrap="square" lIns="12700" tIns="12700" rIns="12700" bIns="12700" numCol="1" spcCol="1270" anchor="ctr" anchorCtr="0">
           <a:noAutofit/>
         </a:bodyPr>
         <a:lstStyle/>
         <a:p>
-          <a:pPr marL="0" lvl="0" indent="0" algn="ctr" defTabSz="622300">
+          <a:pPr marL="0" lvl="0" indent="0" algn="ctr" defTabSz="444500">
             <a:lnSpc>
               <a:spcPct val="90000"/>
             </a:lnSpc>
@@ -3051,82 +3056,31 @@
             <a:buNone/>
           </a:pPr>
           <a:r>
-            <a:rPr lang="en-AU" sz="1400" kern="1200" dirty="0"/>
+            <a:rPr lang="en-AU" sz="1000" kern="1200" dirty="0"/>
             <a:t>Fulfilled</a:t>
           </a:r>
         </a:p>
       </dsp:txBody>
       <dsp:txXfrm>
-        <a:off x="1732554" y="835704"/>
-        <a:ext cx="707857" cy="443319"/>
+        <a:off x="986962" y="896850"/>
+        <a:ext cx="535101" cy="397010"/>
       </dsp:txXfrm>
     </dsp:sp>
-    <dsp:sp modelId="{E1B72896-3F78-470B-A9D9-A62BA65C81D8}">
+    <dsp:sp modelId="{DD562D83-1DBE-4C52-9154-6370E40183EA}">
       <dsp:nvSpPr>
         <dsp:cNvPr id="0" name=""/>
         <dsp:cNvSpPr/>
       </dsp:nvSpPr>
       <dsp:spPr>
         <a:xfrm>
-          <a:off x="464152" y="246198"/>
-          <a:ext cx="1622331" cy="1622331"/>
+          <a:off x="168603" y="144429"/>
+          <a:ext cx="1449951" cy="1449951"/>
         </a:xfrm>
-        <a:custGeom>
-          <a:avLst/>
-          <a:gdLst/>
-          <a:ahLst/>
-          <a:cxnLst/>
-          <a:rect l="0" t="0" r="0" b="0"/>
-          <a:pathLst>
-            <a:path>
-              <a:moveTo>
-                <a:pt x="1538208" y="1170885"/>
-              </a:moveTo>
-              <a:arcTo wR="811165" hR="811165" stAng="1579492" swAng="1632605"/>
-            </a:path>
-          </a:pathLst>
-        </a:custGeom>
-        <a:noFill/>
-        <a:ln w="6350" cap="flat" cmpd="sng" algn="ctr">
-          <a:solidFill>
-            <a:schemeClr val="accent4">
-              <a:hueOff val="0"/>
-              <a:satOff val="0"/>
-              <a:lumOff val="0"/>
-              <a:alphaOff val="0"/>
-            </a:schemeClr>
-          </a:solidFill>
-          <a:prstDash val="solid"/>
-          <a:miter lim="800000"/>
-          <a:tailEnd type="arrow"/>
-        </a:ln>
-        <a:effectLst/>
-      </dsp:spPr>
-      <dsp:style>
-        <a:lnRef idx="1">
-          <a:scrgbClr r="0" g="0" b="0"/>
-        </a:lnRef>
-        <a:fillRef idx="0">
-          <a:scrgbClr r="0" g="0" b="0"/>
-        </a:fillRef>
-        <a:effectRef idx="0">
-          <a:scrgbClr r="0" g="0" b="0"/>
-        </a:effectRef>
-        <a:fontRef idx="minor"/>
-      </dsp:style>
-    </dsp:sp>
-    <dsp:sp modelId="{7408F2B1-52C8-40DD-A2E5-FC41482C1E1B}">
-      <dsp:nvSpPr>
-        <dsp:cNvPr id="0" name=""/>
-        <dsp:cNvSpPr/>
-      </dsp:nvSpPr>
-      <dsp:spPr>
-        <a:xfrm>
-          <a:off x="897405" y="1622886"/>
-          <a:ext cx="755823" cy="491285"/>
-        </a:xfrm>
-        <a:prstGeom prst="roundRect">
-          <a:avLst/>
+        <a:prstGeom prst="pie">
+          <a:avLst>
+            <a:gd name="adj1" fmla="val 5400000"/>
+            <a:gd name="adj2" fmla="val 10800000"/>
+          </a:avLst>
         </a:prstGeom>
         <a:solidFill>
           <a:schemeClr val="lt1">
@@ -3138,7 +3092,7 @@
         </a:solidFill>
         <a:ln w="12700" cap="flat" cmpd="sng" algn="ctr">
           <a:solidFill>
-            <a:schemeClr val="accent4">
+            <a:schemeClr val="accent1">
               <a:shade val="80000"/>
               <a:hueOff val="0"/>
               <a:satOff val="0"/>
@@ -3166,12 +3120,12 @@
         </a:fontRef>
       </dsp:style>
       <dsp:txBody>
-        <a:bodyPr spcFirstLastPara="0" vert="horz" wrap="square" lIns="53340" tIns="53340" rIns="53340" bIns="53340" numCol="1" spcCol="1270" anchor="ctr" anchorCtr="0">
+        <a:bodyPr spcFirstLastPara="0" vert="horz" wrap="square" lIns="12700" tIns="12700" rIns="12700" bIns="12700" numCol="1" spcCol="1270" anchor="ctr" anchorCtr="0">
           <a:noAutofit/>
         </a:bodyPr>
         <a:lstStyle/>
         <a:p>
-          <a:pPr marL="0" lvl="0" indent="0" algn="ctr" defTabSz="622300">
+          <a:pPr marL="0" lvl="0" indent="0" algn="ctr" defTabSz="444500">
             <a:lnSpc>
               <a:spcPct val="90000"/>
             </a:lnSpc>
@@ -3184,12 +3138,12 @@
             <a:buNone/>
           </a:pPr>
           <a:r>
-            <a:rPr lang="en-AU" sz="1400" kern="1200" dirty="0"/>
+            <a:rPr lang="en-AU" sz="1000" kern="1200" dirty="0"/>
             <a:t>Partial</a:t>
           </a:r>
         </a:p>
         <a:p>
-          <a:pPr marL="0" lvl="0" indent="0" algn="ctr" defTabSz="622300">
+          <a:pPr marL="0" lvl="0" indent="0" algn="ctr" defTabSz="444500">
             <a:lnSpc>
               <a:spcPct val="90000"/>
             </a:lnSpc>
@@ -3202,82 +3156,31 @@
             <a:buNone/>
           </a:pPr>
           <a:r>
-            <a:rPr lang="en-AU" sz="1400" kern="1200" dirty="0"/>
+            <a:rPr lang="en-AU" sz="1000" kern="1200" dirty="0"/>
             <a:t>Refund</a:t>
           </a:r>
         </a:p>
       </dsp:txBody>
       <dsp:txXfrm>
-        <a:off x="921388" y="1646869"/>
-        <a:ext cx="707857" cy="443319"/>
+        <a:off x="313770" y="896850"/>
+        <a:ext cx="535101" cy="397010"/>
       </dsp:txXfrm>
     </dsp:sp>
-    <dsp:sp modelId="{F8EEFE25-0600-46BF-9D4E-64B828926DAC}">
+    <dsp:sp modelId="{0F822F1D-BCB6-487F-8C7B-59516040CB32}">
       <dsp:nvSpPr>
         <dsp:cNvPr id="0" name=""/>
         <dsp:cNvSpPr/>
       </dsp:nvSpPr>
       <dsp:spPr>
         <a:xfrm>
-          <a:off x="464152" y="246198"/>
-          <a:ext cx="1622331" cy="1622331"/>
+          <a:off x="168603" y="95752"/>
+          <a:ext cx="1449951" cy="1449951"/>
         </a:xfrm>
-        <a:custGeom>
-          <a:avLst/>
-          <a:gdLst/>
-          <a:ahLst/>
-          <a:cxnLst/>
-          <a:rect l="0" t="0" r="0" b="0"/>
-          <a:pathLst>
-            <a:path>
-              <a:moveTo>
-                <a:pt x="329063" y="1463520"/>
-              </a:moveTo>
-              <a:arcTo wR="811165" hR="811165" stAng="7587904" swAng="1632605"/>
-            </a:path>
-          </a:pathLst>
-        </a:custGeom>
-        <a:noFill/>
-        <a:ln w="6350" cap="flat" cmpd="sng" algn="ctr">
-          <a:solidFill>
-            <a:schemeClr val="accent4">
-              <a:hueOff val="0"/>
-              <a:satOff val="0"/>
-              <a:lumOff val="0"/>
-              <a:alphaOff val="0"/>
-            </a:schemeClr>
-          </a:solidFill>
-          <a:prstDash val="solid"/>
-          <a:miter lim="800000"/>
-          <a:tailEnd type="arrow"/>
-        </a:ln>
-        <a:effectLst/>
-      </dsp:spPr>
-      <dsp:style>
-        <a:lnRef idx="1">
-          <a:scrgbClr r="0" g="0" b="0"/>
-        </a:lnRef>
-        <a:fillRef idx="0">
-          <a:scrgbClr r="0" g="0" b="0"/>
-        </a:fillRef>
-        <a:effectRef idx="0">
-          <a:scrgbClr r="0" g="0" b="0"/>
-        </a:effectRef>
-        <a:fontRef idx="minor"/>
-      </dsp:style>
-    </dsp:sp>
-    <dsp:sp modelId="{09FF6060-8DC7-4756-A198-32CF5B8EF8FF}">
-      <dsp:nvSpPr>
-        <dsp:cNvPr id="0" name=""/>
-        <dsp:cNvSpPr/>
-      </dsp:nvSpPr>
-      <dsp:spPr>
-        <a:xfrm>
-          <a:off x="-79300" y="811721"/>
-          <a:ext cx="1086904" cy="491285"/>
-        </a:xfrm>
-        <a:prstGeom prst="roundRect">
-          <a:avLst/>
+        <a:prstGeom prst="pie">
+          <a:avLst>
+            <a:gd name="adj1" fmla="val 10800000"/>
+            <a:gd name="adj2" fmla="val 16200000"/>
+          </a:avLst>
         </a:prstGeom>
         <a:solidFill>
           <a:schemeClr val="lt1">
@@ -3289,7 +3192,7 @@
         </a:solidFill>
         <a:ln w="12700" cap="flat" cmpd="sng" algn="ctr">
           <a:solidFill>
-            <a:schemeClr val="accent4">
+            <a:schemeClr val="accent1">
               <a:shade val="80000"/>
               <a:hueOff val="0"/>
               <a:satOff val="0"/>
@@ -3317,12 +3220,12 @@
         </a:fontRef>
       </dsp:style>
       <dsp:txBody>
-        <a:bodyPr spcFirstLastPara="0" vert="horz" wrap="square" lIns="53340" tIns="53340" rIns="53340" bIns="53340" numCol="1" spcCol="1270" anchor="ctr" anchorCtr="0">
+        <a:bodyPr spcFirstLastPara="0" vert="horz" wrap="square" lIns="12700" tIns="12700" rIns="12700" bIns="12700" numCol="1" spcCol="1270" anchor="ctr" anchorCtr="0">
           <a:noAutofit/>
         </a:bodyPr>
         <a:lstStyle/>
         <a:p>
-          <a:pPr marL="0" lvl="0" indent="0" algn="ctr" defTabSz="622300">
+          <a:pPr marL="0" lvl="0" indent="0" algn="ctr" defTabSz="444500">
             <a:lnSpc>
               <a:spcPct val="90000"/>
             </a:lnSpc>
@@ -3335,68 +3238,206 @@
             <a:buNone/>
           </a:pPr>
           <a:r>
-            <a:rPr lang="en-AU" sz="1400" kern="1200" dirty="0"/>
+            <a:rPr lang="en-AU" sz="1000" kern="1200" dirty="0"/>
             <a:t>Refunded</a:t>
           </a:r>
         </a:p>
       </dsp:txBody>
       <dsp:txXfrm>
-        <a:off x="-55317" y="835704"/>
-        <a:ext cx="1038938" cy="443319"/>
+        <a:off x="313770" y="396271"/>
+        <a:ext cx="535101" cy="397010"/>
       </dsp:txXfrm>
     </dsp:sp>
-    <dsp:sp modelId="{C2454825-54E6-44F0-B9F4-69843EF7F8F0}">
+    <dsp:sp modelId="{50AC3CEE-4ED6-4E08-9379-A06F4F842D19}">
       <dsp:nvSpPr>
         <dsp:cNvPr id="0" name=""/>
         <dsp:cNvSpPr/>
       </dsp:nvSpPr>
       <dsp:spPr>
         <a:xfrm>
-          <a:off x="464152" y="246198"/>
-          <a:ext cx="1622331" cy="1622331"/>
+          <a:off x="127521" y="5993"/>
+          <a:ext cx="1629469" cy="1629469"/>
         </a:xfrm>
-        <a:custGeom>
-          <a:avLst/>
-          <a:gdLst/>
-          <a:ahLst/>
-          <a:cxnLst/>
-          <a:rect l="0" t="0" r="0" b="0"/>
-          <a:pathLst>
-            <a:path>
-              <a:moveTo>
-                <a:pt x="84122" y="451445"/>
-              </a:moveTo>
-              <a:arcTo wR="811165" hR="811165" stAng="12379492" swAng="1632605"/>
-            </a:path>
-          </a:pathLst>
-        </a:custGeom>
-        <a:noFill/>
-        <a:ln w="6350" cap="flat" cmpd="sng" algn="ctr">
-          <a:solidFill>
-            <a:schemeClr val="accent4">
-              <a:hueOff val="0"/>
-              <a:satOff val="0"/>
-              <a:lumOff val="0"/>
-              <a:alphaOff val="0"/>
-            </a:schemeClr>
-          </a:solidFill>
-          <a:prstDash val="solid"/>
-          <a:miter lim="800000"/>
-          <a:tailEnd type="arrow"/>
+        <a:prstGeom prst="circularArrow">
+          <a:avLst>
+            <a:gd name="adj1" fmla="val 5085"/>
+            <a:gd name="adj2" fmla="val 327528"/>
+            <a:gd name="adj3" fmla="val 21272472"/>
+            <a:gd name="adj4" fmla="val 16200000"/>
+            <a:gd name="adj5" fmla="val 5932"/>
+          </a:avLst>
+        </a:prstGeom>
+        <a:solidFill>
+          <a:schemeClr val="accent1">
+            <a:tint val="60000"/>
+            <a:hueOff val="0"/>
+            <a:satOff val="0"/>
+            <a:lumOff val="0"/>
+            <a:alphaOff val="0"/>
+          </a:schemeClr>
+        </a:solidFill>
+        <a:ln>
+          <a:noFill/>
         </a:ln>
         <a:effectLst/>
       </dsp:spPr>
       <dsp:style>
-        <a:lnRef idx="1">
+        <a:lnRef idx="0">
           <a:scrgbClr r="0" g="0" b="0"/>
         </a:lnRef>
-        <a:fillRef idx="0">
+        <a:fillRef idx="1">
           <a:scrgbClr r="0" g="0" b="0"/>
         </a:fillRef>
         <a:effectRef idx="0">
           <a:scrgbClr r="0" g="0" b="0"/>
         </a:effectRef>
-        <a:fontRef idx="minor"/>
+        <a:fontRef idx="minor">
+          <a:schemeClr val="lt1"/>
+        </a:fontRef>
+      </dsp:style>
+    </dsp:sp>
+    <dsp:sp modelId="{9595DA40-7243-4C23-AE38-7B5B980556E0}">
+      <dsp:nvSpPr>
+        <dsp:cNvPr id="0" name=""/>
+        <dsp:cNvSpPr/>
+      </dsp:nvSpPr>
+      <dsp:spPr>
+        <a:xfrm>
+          <a:off x="127521" y="54670"/>
+          <a:ext cx="1629469" cy="1629469"/>
+        </a:xfrm>
+        <a:prstGeom prst="circularArrow">
+          <a:avLst>
+            <a:gd name="adj1" fmla="val 5085"/>
+            <a:gd name="adj2" fmla="val 327528"/>
+            <a:gd name="adj3" fmla="val 5072472"/>
+            <a:gd name="adj4" fmla="val 0"/>
+            <a:gd name="adj5" fmla="val 5932"/>
+          </a:avLst>
+        </a:prstGeom>
+        <a:solidFill>
+          <a:schemeClr val="accent1">
+            <a:tint val="60000"/>
+            <a:hueOff val="0"/>
+            <a:satOff val="0"/>
+            <a:lumOff val="0"/>
+            <a:alphaOff val="0"/>
+          </a:schemeClr>
+        </a:solidFill>
+        <a:ln>
+          <a:noFill/>
+        </a:ln>
+        <a:effectLst/>
+      </dsp:spPr>
+      <dsp:style>
+        <a:lnRef idx="0">
+          <a:scrgbClr r="0" g="0" b="0"/>
+        </a:lnRef>
+        <a:fillRef idx="1">
+          <a:scrgbClr r="0" g="0" b="0"/>
+        </a:fillRef>
+        <a:effectRef idx="0">
+          <a:scrgbClr r="0" g="0" b="0"/>
+        </a:effectRef>
+        <a:fontRef idx="minor">
+          <a:schemeClr val="lt1"/>
+        </a:fontRef>
+      </dsp:style>
+    </dsp:sp>
+    <dsp:sp modelId="{D5E917AE-6A1D-4F8E-99C3-CFB6DBA30B74}">
+      <dsp:nvSpPr>
+        <dsp:cNvPr id="0" name=""/>
+        <dsp:cNvSpPr/>
+      </dsp:nvSpPr>
+      <dsp:spPr>
+        <a:xfrm>
+          <a:off x="78844" y="54670"/>
+          <a:ext cx="1629469" cy="1629469"/>
+        </a:xfrm>
+        <a:prstGeom prst="circularArrow">
+          <a:avLst>
+            <a:gd name="adj1" fmla="val 5085"/>
+            <a:gd name="adj2" fmla="val 327528"/>
+            <a:gd name="adj3" fmla="val 10472472"/>
+            <a:gd name="adj4" fmla="val 5400000"/>
+            <a:gd name="adj5" fmla="val 5932"/>
+          </a:avLst>
+        </a:prstGeom>
+        <a:solidFill>
+          <a:schemeClr val="accent1">
+            <a:tint val="60000"/>
+            <a:hueOff val="0"/>
+            <a:satOff val="0"/>
+            <a:lumOff val="0"/>
+            <a:alphaOff val="0"/>
+          </a:schemeClr>
+        </a:solidFill>
+        <a:ln>
+          <a:noFill/>
+        </a:ln>
+        <a:effectLst/>
+      </dsp:spPr>
+      <dsp:style>
+        <a:lnRef idx="0">
+          <a:scrgbClr r="0" g="0" b="0"/>
+        </a:lnRef>
+        <a:fillRef idx="1">
+          <a:scrgbClr r="0" g="0" b="0"/>
+        </a:fillRef>
+        <a:effectRef idx="0">
+          <a:scrgbClr r="0" g="0" b="0"/>
+        </a:effectRef>
+        <a:fontRef idx="minor">
+          <a:schemeClr val="lt1"/>
+        </a:fontRef>
+      </dsp:style>
+    </dsp:sp>
+    <dsp:sp modelId="{184E4199-D875-46AC-BCAC-715EAB3B37BB}">
+      <dsp:nvSpPr>
+        <dsp:cNvPr id="0" name=""/>
+        <dsp:cNvSpPr/>
+      </dsp:nvSpPr>
+      <dsp:spPr>
+        <a:xfrm>
+          <a:off x="78844" y="5993"/>
+          <a:ext cx="1629469" cy="1629469"/>
+        </a:xfrm>
+        <a:prstGeom prst="circularArrow">
+          <a:avLst>
+            <a:gd name="adj1" fmla="val 5085"/>
+            <a:gd name="adj2" fmla="val 327528"/>
+            <a:gd name="adj3" fmla="val 15872472"/>
+            <a:gd name="adj4" fmla="val 10800000"/>
+            <a:gd name="adj5" fmla="val 5932"/>
+          </a:avLst>
+        </a:prstGeom>
+        <a:solidFill>
+          <a:schemeClr val="accent1">
+            <a:tint val="60000"/>
+            <a:hueOff val="0"/>
+            <a:satOff val="0"/>
+            <a:lumOff val="0"/>
+            <a:alphaOff val="0"/>
+          </a:schemeClr>
+        </a:solidFill>
+        <a:ln>
+          <a:noFill/>
+        </a:ln>
+        <a:effectLst/>
+      </dsp:spPr>
+      <dsp:style>
+        <a:lnRef idx="0">
+          <a:scrgbClr r="0" g="0" b="0"/>
+        </a:lnRef>
+        <a:fillRef idx="1">
+          <a:scrgbClr r="0" g="0" b="0"/>
+        </a:fillRef>
+        <a:effectRef idx="0">
+          <a:scrgbClr r="0" g="0" b="0"/>
+        </a:effectRef>
+        <a:fontRef idx="minor">
+          <a:schemeClr val="lt1"/>
+        </a:fontRef>
       </dsp:style>
     </dsp:sp>
   </dsp:spTree>
@@ -5049,56 +5090,22 @@
 </file>
 
 <file path=ppt/diagrams/layout2.xml><?xml version="1.0" encoding="utf-8"?>
-<dgm:layoutDef xmlns:dgm="http://schemas.openxmlformats.org/drawingml/2006/diagram" xmlns:a="http://schemas.openxmlformats.org/drawingml/2006/main" uniqueId="urn:microsoft.com/office/officeart/2005/8/layout/cycle5">
+<dgm:layoutDef xmlns:dgm="http://schemas.openxmlformats.org/drawingml/2006/diagram" xmlns:a="http://schemas.openxmlformats.org/drawingml/2006/main" uniqueId="urn:microsoft.com/office/officeart/2005/8/layout/cycle8">
   <dgm:title val=""/>
   <dgm:desc val=""/>
   <dgm:catLst>
-    <dgm:cat type="cycle" pri="3000"/>
+    <dgm:cat type="cycle" pri="7000"/>
   </dgm:catLst>
-  <dgm:sampData>
+  <dgm:sampData useDef="1">
     <dgm:dataModel>
-      <dgm:ptLst>
-        <dgm:pt modelId="0" type="doc"/>
-        <dgm:pt modelId="1">
-          <dgm:prSet phldr="1"/>
-        </dgm:pt>
-        <dgm:pt modelId="2">
-          <dgm:prSet phldr="1"/>
-        </dgm:pt>
-        <dgm:pt modelId="3">
-          <dgm:prSet phldr="1"/>
-        </dgm:pt>
-        <dgm:pt modelId="4">
-          <dgm:prSet phldr="1"/>
-        </dgm:pt>
-        <dgm:pt modelId="5">
-          <dgm:prSet phldr="1"/>
-        </dgm:pt>
-      </dgm:ptLst>
-      <dgm:cxnLst>
-        <dgm:cxn modelId="6" srcId="0" destId="1" srcOrd="0" destOrd="0"/>
-        <dgm:cxn modelId="7" srcId="0" destId="2" srcOrd="1" destOrd="0"/>
-        <dgm:cxn modelId="8" srcId="0" destId="3" srcOrd="2" destOrd="0"/>
-        <dgm:cxn modelId="9" srcId="0" destId="4" srcOrd="3" destOrd="0"/>
-        <dgm:cxn modelId="10" srcId="0" destId="5" srcOrd="4" destOrd="0"/>
-      </dgm:cxnLst>
+      <dgm:ptLst/>
       <dgm:bg/>
       <dgm:whole/>
     </dgm:dataModel>
   </dgm:sampData>
-  <dgm:styleData>
+  <dgm:styleData useDef="1">
     <dgm:dataModel>
-      <dgm:ptLst>
-        <dgm:pt modelId="0" type="doc"/>
-        <dgm:pt modelId="1"/>
-        <dgm:pt modelId="2"/>
-        <dgm:pt modelId="3"/>
-      </dgm:ptLst>
-      <dgm:cxnLst>
-        <dgm:cxn modelId="4" srcId="0" destId="1" srcOrd="0" destOrd="0"/>
-        <dgm:cxn modelId="5" srcId="0" destId="2" srcOrd="1" destOrd="0"/>
-        <dgm:cxn modelId="6" srcId="0" destId="3" srcOrd="2" destOrd="0"/>
-      </dgm:cxnLst>
+      <dgm:ptLst/>
       <dgm:bg/>
       <dgm:whole/>
     </dgm:dataModel>
@@ -5112,7 +5119,6 @@
         <dgm:pt modelId="3"/>
         <dgm:pt modelId="4"/>
         <dgm:pt modelId="5"/>
-        <dgm:pt modelId="6"/>
       </dgm:ptLst>
       <dgm:cxnLst>
         <dgm:cxn modelId="7" srcId="0" destId="1" srcOrd="0" destOrd="0"/>
@@ -5120,137 +5126,1724 @@
         <dgm:cxn modelId="9" srcId="0" destId="3" srcOrd="2" destOrd="0"/>
         <dgm:cxn modelId="10" srcId="0" destId="4" srcOrd="3" destOrd="0"/>
         <dgm:cxn modelId="11" srcId="0" destId="5" srcOrd="4" destOrd="0"/>
-        <dgm:cxn modelId="12" srcId="0" destId="6" srcOrd="5" destOrd="0"/>
       </dgm:cxnLst>
       <dgm:bg/>
       <dgm:whole/>
     </dgm:dataModel>
   </dgm:clrData>
-  <dgm:layoutNode name="cycle">
+  <dgm:layoutNode name="compositeShape">
     <dgm:varLst>
+      <dgm:chMax val="7"/>
       <dgm:dir/>
       <dgm:resizeHandles val="exact"/>
     </dgm:varLst>
-    <dgm:choose name="Name0">
-      <dgm:if name="Name1" func="var" arg="dir" op="equ" val="norm">
-        <dgm:choose name="Name2">
-          <dgm:if name="Name3" axis="ch" ptType="node" func="cnt" op="gt" val="2">
-            <dgm:alg type="cycle">
-              <dgm:param type="stAng" val="0"/>
-              <dgm:param type="spanAng" val="360"/>
-            </dgm:alg>
-          </dgm:if>
-          <dgm:else name="Name4">
-            <dgm:alg type="cycle">
-              <dgm:param type="stAng" val="-90"/>
-              <dgm:param type="spanAng" val="360"/>
-            </dgm:alg>
-          </dgm:else>
-        </dgm:choose>
-      </dgm:if>
-      <dgm:else name="Name5">
-        <dgm:choose name="Name6">
-          <dgm:if name="Name7" axis="ch" ptType="node" func="cnt" op="gt" val="2">
-            <dgm:alg type="cycle">
-              <dgm:param type="stAng" val="0"/>
-              <dgm:param type="spanAng" val="-360"/>
-            </dgm:alg>
-          </dgm:if>
-          <dgm:else name="Name8">
-            <dgm:alg type="cycle">
-              <dgm:param type="stAng" val="90"/>
-              <dgm:param type="spanAng" val="-360"/>
-            </dgm:alg>
-          </dgm:else>
-        </dgm:choose>
-      </dgm:else>
-    </dgm:choose>
+    <dgm:alg type="composite">
+      <dgm:param type="horzAlign" val="ctr"/>
+      <dgm:param type="vertAlign" val="mid"/>
+      <dgm:param type="ar" val="1"/>
+    </dgm:alg>
     <dgm:shape xmlns:r="http://schemas.openxmlformats.org/officeDocument/2006/relationships" r:blip="">
       <dgm:adjLst/>
     </dgm:shape>
     <dgm:presOf/>
-    <dgm:choose name="Name9">
-      <dgm:if name="Name10" func="var" arg="dir" op="equ" val="norm">
+    <dgm:choose name="Name0">
+      <dgm:if name="Name1" axis="ch" ptType="node" func="cnt" op="equ" val="1">
         <dgm:constrLst>
-          <dgm:constr type="w" for="ch" forName="node" refType="w"/>
-          <dgm:constr type="w" for="ch" ptType="sibTrans" refType="w" refFor="ch" refForName="node" op="equ" fact="0.3"/>
-          <dgm:constr type="diam" for="ch" ptType="sibTrans" refType="diam" op="equ"/>
-          <dgm:constr type="sibSp" refType="w" refFor="ch" refForName="node" op="equ" fact="0.15"/>
-          <dgm:constr type="w" for="ch" forName="spNode" refType="sibSp" fact="1.6"/>
-          <dgm:constr type="primFontSz" for="ch" forName="node" op="equ" val="65"/>
+          <dgm:constr type="l" for="ch" forName="wedge1" refType="w" fact="0.08"/>
+          <dgm:constr type="t" for="ch" forName="wedge1" refType="w" fact="0.08"/>
+          <dgm:constr type="w" for="ch" forName="wedge1" refType="w" fact="0.84"/>
+          <dgm:constr type="h" for="ch" forName="wedge1" refType="h" fact="0.84"/>
+          <dgm:constr type="l" for="ch" forName="dummy1a" refType="w" fact="0.5"/>
+          <dgm:constr type="t" for="ch" forName="dummy1a" refType="h" fact="0.08"/>
+          <dgm:constr type="l" for="ch" forName="dummy1b" refType="w" fact="0.5"/>
+          <dgm:constr type="t" for="ch" forName="dummy1b" refType="h" fact="0.08"/>
+          <dgm:constr type="l" for="ch" forName="wedge1Tx" refType="w" fact="0.22"/>
+          <dgm:constr type="t" for="ch" forName="wedge1Tx" refType="h" fact="0.22"/>
+          <dgm:constr type="w" for="ch" forName="wedge1Tx" refType="w" fact="0.56"/>
+          <dgm:constr type="h" for="ch" forName="wedge1Tx" refType="h" fact="0.56"/>
+          <dgm:constr type="h" for="ch" forName="arrowWedge1single" refType="w" fact="0.08"/>
+          <dgm:constr type="diam" for="ch" forName="arrowWedge1single" refType="w" fact="0.84"/>
+          <dgm:constr type="l" for="ch" forName="arrowWedge1single" refType="w" fact="0.5"/>
+          <dgm:constr type="t" for="ch" forName="arrowWedge1single" refType="w" fact="0.5"/>
+          <dgm:constr type="primFontSz" for="ch" ptType="node" op="equ"/>
         </dgm:constrLst>
       </dgm:if>
-      <dgm:else name="Name11">
+      <dgm:if name="Name2" axis="ch" ptType="node" func="cnt" op="equ" val="2">
         <dgm:constrLst>
-          <dgm:constr type="w" for="ch" forName="node" refType="w"/>
-          <dgm:constr type="w" for="ch" ptType="sibTrans" refType="w" refFor="ch" refForName="node" op="equ" fact="0.3"/>
-          <dgm:constr type="diam" for="ch" ptType="sibTrans" refType="diam" fact="-1"/>
-          <dgm:constr type="diam" for="ch" refType="diam" op="equ" fact="-1"/>
-          <dgm:constr type="sibSp" refType="w" refFor="ch" refForName="node" op="equ" fact="0.15"/>
-          <dgm:constr type="w" for="ch" forName="spNode" refType="sibSp" fact="1.6"/>
-          <dgm:constr type="primFontSz" for="ch" forName="node" op="equ" val="65"/>
+          <dgm:constr type="l" for="ch" forName="wedge1" refType="w" fact="0.1"/>
+          <dgm:constr type="t" for="ch" forName="wedge1" refType="w" fact="0.08"/>
+          <dgm:constr type="w" for="ch" forName="wedge1" refType="w" fact="0.84"/>
+          <dgm:constr type="h" for="ch" forName="wedge1" refType="h" fact="0.84"/>
+          <dgm:constr type="l" for="ch" forName="dummy1a" refType="w" fact="0.52"/>
+          <dgm:constr type="t" for="ch" forName="dummy1a" refType="h" fact="0.08"/>
+          <dgm:constr type="l" for="ch" forName="dummy1b" refType="w" fact="0.52"/>
+          <dgm:constr type="t" for="ch" forName="dummy1b" refType="h" fact="0.92"/>
+          <dgm:constr type="l" for="ch" forName="wedge1Tx" refType="w" fact="0.559"/>
+          <dgm:constr type="t" for="ch" forName="wedge1Tx" refType="h" fact="0.3"/>
+          <dgm:constr type="w" for="ch" forName="wedge1Tx" refType="w" fact="0.3"/>
+          <dgm:constr type="h" for="ch" forName="wedge1Tx" refType="h" fact="0.4"/>
+          <dgm:constr type="l" for="ch" forName="wedge2" refType="w" fact="0.06"/>
+          <dgm:constr type="t" for="ch" forName="wedge2" refType="w" fact="0.08"/>
+          <dgm:constr type="w" for="ch" forName="wedge2" refType="w" fact="0.84"/>
+          <dgm:constr type="h" for="ch" forName="wedge2" refType="h" fact="0.84"/>
+          <dgm:constr type="l" for="ch" forName="dummy2a" refType="w" fact="0.48"/>
+          <dgm:constr type="t" for="ch" forName="dummy2a" refType="h" fact="0.92"/>
+          <dgm:constr type="l" for="ch" forName="dummy2b" refType="w" fact="0.48"/>
+          <dgm:constr type="t" for="ch" forName="dummy2b" refType="h" fact="0.08"/>
+          <dgm:constr type="r" for="ch" forName="wedge2Tx" refType="w" fact="0.441"/>
+          <dgm:constr type="t" for="ch" forName="wedge2Tx" refType="h" fact="0.3"/>
+          <dgm:constr type="w" for="ch" forName="wedge2Tx" refType="w" fact="0.3"/>
+          <dgm:constr type="h" for="ch" forName="wedge2Tx" refType="h" fact="0.4"/>
+          <dgm:constr type="h" for="ch" forName="arrowWedge1" refType="w" fact="0.08"/>
+          <dgm:constr type="diam" for="ch" forName="arrowWedge1" refType="w" fact="0.84"/>
+          <dgm:constr type="l" for="ch" forName="arrowWedge1" refType="w" fact="0.5"/>
+          <dgm:constr type="t" for="ch" forName="arrowWedge1" refType="w" fact="0.5"/>
+          <dgm:constr type="h" for="ch" forName="arrowWedge2" refType="w" fact="0.08"/>
+          <dgm:constr type="diam" for="ch" forName="arrowWedge2" refType="w" fact="0.84"/>
+          <dgm:constr type="l" for="ch" forName="arrowWedge2" refType="w" fact="0.5"/>
+          <dgm:constr type="t" for="ch" forName="arrowWedge2" refType="w" fact="0.5"/>
+          <dgm:constr type="primFontSz" for="ch" ptType="node" op="equ"/>
+        </dgm:constrLst>
+      </dgm:if>
+      <dgm:if name="Name3" axis="ch" ptType="node" func="cnt" op="equ" val="3">
+        <dgm:constrLst>
+          <dgm:constr type="l" for="ch" forName="wedge1" refType="w" fact="0.0973"/>
+          <dgm:constr type="t" for="ch" forName="wedge1" refType="w" fact="0.07"/>
+          <dgm:constr type="w" for="ch" forName="wedge1" refType="w" fact="0.84"/>
+          <dgm:constr type="h" for="ch" forName="wedge1" refType="h" fact="0.84"/>
+          <dgm:constr type="l" for="ch" forName="dummy1a" refType="w" fact="0.5173"/>
+          <dgm:constr type="t" for="ch" forName="dummy1a" refType="h" fact="0.07"/>
+          <dgm:constr type="l" for="ch" forName="dummy1b" refType="w" fact="0.8811"/>
+          <dgm:constr type="t" for="ch" forName="dummy1b" refType="h" fact="0.7"/>
+          <dgm:constr type="l" for="ch" forName="wedge1Tx" refType="w" fact="0.54"/>
+          <dgm:constr type="t" for="ch" forName="wedge1Tx" refType="h" fact="0.248"/>
+          <dgm:constr type="w" for="ch" forName="wedge1Tx" refType="w" fact="0.3"/>
+          <dgm:constr type="h" for="ch" forName="wedge1Tx" refType="h" fact="0.25"/>
+          <dgm:constr type="l" for="ch" forName="wedge2" refType="w" fact="0.08"/>
+          <dgm:constr type="t" for="ch" forName="wedge2" refType="w" fact="0.1"/>
+          <dgm:constr type="w" for="ch" forName="wedge2" refType="w" fact="0.84"/>
+          <dgm:constr type="h" for="ch" forName="wedge2" refType="h" fact="0.84"/>
+          <dgm:constr type="l" for="ch" forName="dummy2a" refType="w" fact="0.8637"/>
+          <dgm:constr type="t" for="ch" forName="dummy2a" refType="h" fact="0.73"/>
+          <dgm:constr type="l" for="ch" forName="dummy2b" refType="w" fact="0.1363"/>
+          <dgm:constr type="t" for="ch" forName="dummy2b" refType="h" fact="0.73"/>
+          <dgm:constr type="l" for="ch" forName="wedge2Tx" refType="w" fact="0.28"/>
+          <dgm:constr type="t" for="ch" forName="wedge2Tx" refType="h" fact="0.645"/>
+          <dgm:constr type="w" for="ch" forName="wedge2Tx" refType="w" fact="0.45"/>
+          <dgm:constr type="h" for="ch" forName="wedge2Tx" refType="h" fact="0.22"/>
+          <dgm:constr type="l" for="ch" forName="wedge3" refType="w" fact="0.0627"/>
+          <dgm:constr type="t" for="ch" forName="wedge3" refType="w" fact="0.07"/>
+          <dgm:constr type="w" for="ch" forName="wedge3" refType="w" fact="0.84"/>
+          <dgm:constr type="h" for="ch" forName="wedge3" refType="h" fact="0.84"/>
+          <dgm:constr type="l" for="ch" forName="dummy3a" refType="w" fact="0.1189"/>
+          <dgm:constr type="t" for="ch" forName="dummy3a" refType="h" fact="0.7"/>
+          <dgm:constr type="l" for="ch" forName="dummy3b" refType="w" fact="0.4827"/>
+          <dgm:constr type="t" for="ch" forName="dummy3b" refType="h" fact="0.07"/>
+          <dgm:constr type="r" for="ch" forName="wedge3Tx" refType="w" fact="0.46"/>
+          <dgm:constr type="t" for="ch" forName="wedge3Tx" refType="h" fact="0.248"/>
+          <dgm:constr type="w" for="ch" forName="wedge3Tx" refType="w" fact="0.3"/>
+          <dgm:constr type="h" for="ch" forName="wedge3Tx" refType="h" fact="0.25"/>
+          <dgm:constr type="h" for="ch" forName="arrowWedge1" refType="w" fact="0.08"/>
+          <dgm:constr type="diam" for="ch" forName="arrowWedge1" refType="w" fact="0.84"/>
+          <dgm:constr type="l" for="ch" forName="arrowWedge1" refType="w" fact="0.5"/>
+          <dgm:constr type="t" for="ch" forName="arrowWedge1" refType="w" fact="0.5"/>
+          <dgm:constr type="h" for="ch" forName="arrowWedge2" refType="w" fact="0.08"/>
+          <dgm:constr type="diam" for="ch" forName="arrowWedge2" refType="w" fact="0.84"/>
+          <dgm:constr type="l" for="ch" forName="arrowWedge2" refType="w" fact="0.5"/>
+          <dgm:constr type="t" for="ch" forName="arrowWedge2" refType="w" fact="0.5"/>
+          <dgm:constr type="h" for="ch" forName="arrowWedge3" refType="w" fact="0.08"/>
+          <dgm:constr type="diam" for="ch" forName="arrowWedge3" refType="w" fact="0.84"/>
+          <dgm:constr type="l" for="ch" forName="arrowWedge3" refType="w" fact="0.5"/>
+          <dgm:constr type="t" for="ch" forName="arrowWedge3" refType="w" fact="0.5"/>
+          <dgm:constr type="primFontSz" for="ch" ptType="node" op="equ"/>
+        </dgm:constrLst>
+      </dgm:if>
+      <dgm:if name="Name4" axis="ch" ptType="node" func="cnt" op="equ" val="4">
+        <dgm:constrLst>
+          <dgm:constr type="l" for="ch" forName="wedge1" refType="w" fact="0.0941"/>
+          <dgm:constr type="t" for="ch" forName="wedge1" refType="w" fact="0.0659"/>
+          <dgm:constr type="w" for="ch" forName="wedge1" refType="w" fact="0.84"/>
+          <dgm:constr type="h" for="ch" forName="wedge1" refType="h" fact="0.84"/>
+          <dgm:constr type="l" for="ch" forName="dummy1a" refType="w" fact="0.5141"/>
+          <dgm:constr type="t" for="ch" forName="dummy1a" refType="h" fact="0.0659"/>
+          <dgm:constr type="l" for="ch" forName="dummy1b" refType="w" fact="0.9341"/>
+          <dgm:constr type="t" for="ch" forName="dummy1b" refType="h" fact="0.4859"/>
+          <dgm:constr type="l" for="ch" forName="wedge1Tx" refType="w" fact="0.54"/>
+          <dgm:constr type="t" for="ch" forName="wedge1Tx" refType="h" fact="0.24"/>
+          <dgm:constr type="w" for="ch" forName="wedge1Tx" refType="w" fact="0.31"/>
+          <dgm:constr type="h" for="ch" forName="wedge1Tx" refType="h" fact="0.23"/>
+          <dgm:constr type="l" for="ch" forName="wedge2" refType="w" fact="0.0941"/>
+          <dgm:constr type="t" for="ch" forName="wedge2" refType="w" fact="0.0941"/>
+          <dgm:constr type="w" for="ch" forName="wedge2" refType="w" fact="0.84"/>
+          <dgm:constr type="h" for="ch" forName="wedge2" refType="h" fact="0.84"/>
+          <dgm:constr type="l" for="ch" forName="dummy2a" refType="w" fact="0.9341"/>
+          <dgm:constr type="t" for="ch" forName="dummy2a" refType="h" fact="0.5141"/>
+          <dgm:constr type="l" for="ch" forName="dummy2b" refType="w" fact="0.5141"/>
+          <dgm:constr type="t" for="ch" forName="dummy2b" refType="h" fact="0.9341"/>
+          <dgm:constr type="l" for="ch" forName="wedge2Tx" refType="w" fact="0.54"/>
+          <dgm:constr type="t" for="ch" forName="wedge2Tx" refType="h" fact="0.53"/>
+          <dgm:constr type="w" for="ch" forName="wedge2Tx" refType="w" fact="0.31"/>
+          <dgm:constr type="h" for="ch" forName="wedge2Tx" refType="h" fact="0.23"/>
+          <dgm:constr type="l" for="ch" forName="wedge3" refType="w" fact="0.0659"/>
+          <dgm:constr type="t" for="ch" forName="wedge3" refType="w" fact="0.0941"/>
+          <dgm:constr type="w" for="ch" forName="wedge3" refType="w" fact="0.84"/>
+          <dgm:constr type="h" for="ch" forName="wedge3" refType="h" fact="0.84"/>
+          <dgm:constr type="l" for="ch" forName="dummy3a" refType="w" fact="0.4859"/>
+          <dgm:constr type="t" for="ch" forName="dummy3a" refType="h" fact="0.9341"/>
+          <dgm:constr type="l" for="ch" forName="dummy3b" refType="w" fact="0.0659"/>
+          <dgm:constr type="t" for="ch" forName="dummy3b" refType="h" fact="0.5141"/>
+          <dgm:constr type="r" for="ch" forName="wedge3Tx" refType="w" fact="0.46"/>
+          <dgm:constr type="t" for="ch" forName="wedge3Tx" refType="h" fact="0.53"/>
+          <dgm:constr type="w" for="ch" forName="wedge3Tx" refType="w" fact="0.31"/>
+          <dgm:constr type="h" for="ch" forName="wedge3Tx" refType="h" fact="0.23"/>
+          <dgm:constr type="l" for="ch" forName="wedge4" refType="w" fact="0.0659"/>
+          <dgm:constr type="t" for="ch" forName="wedge4" refType="h" fact="0.0659"/>
+          <dgm:constr type="w" for="ch" forName="wedge4" refType="w" fact="0.84"/>
+          <dgm:constr type="h" for="ch" forName="wedge4" refType="h" fact="0.84"/>
+          <dgm:constr type="l" for="ch" forName="dummy4a" refType="w" fact="0.0659"/>
+          <dgm:constr type="t" for="ch" forName="dummy4a" refType="h" fact="0.4859"/>
+          <dgm:constr type="l" for="ch" forName="dummy4b" refType="w" fact="0.4859"/>
+          <dgm:constr type="t" for="ch" forName="dummy4b" refType="h" fact="0.0659"/>
+          <dgm:constr type="r" for="ch" forName="wedge4Tx" refType="w" fact="0.46"/>
+          <dgm:constr type="t" for="ch" forName="wedge4Tx" refType="h" fact="0.24"/>
+          <dgm:constr type="w" for="ch" forName="wedge4Tx" refType="w" fact="0.31"/>
+          <dgm:constr type="h" for="ch" forName="wedge4Tx" refType="h" fact="0.23"/>
+          <dgm:constr type="h" for="ch" forName="arrowWedge1" refType="w" fact="0.08"/>
+          <dgm:constr type="diam" for="ch" forName="arrowWedge1" refType="w" fact="0.84"/>
+          <dgm:constr type="l" for="ch" forName="arrowWedge1" refType="w" fact="0.5"/>
+          <dgm:constr type="t" for="ch" forName="arrowWedge1" refType="w" fact="0.5"/>
+          <dgm:constr type="h" for="ch" forName="arrowWedge2" refType="w" fact="0.08"/>
+          <dgm:constr type="diam" for="ch" forName="arrowWedge2" refType="w" fact="0.84"/>
+          <dgm:constr type="l" for="ch" forName="arrowWedge2" refType="w" fact="0.5"/>
+          <dgm:constr type="t" for="ch" forName="arrowWedge2" refType="w" fact="0.5"/>
+          <dgm:constr type="h" for="ch" forName="arrowWedge3" refType="w" fact="0.08"/>
+          <dgm:constr type="diam" for="ch" forName="arrowWedge3" refType="w" fact="0.84"/>
+          <dgm:constr type="l" for="ch" forName="arrowWedge3" refType="w" fact="0.5"/>
+          <dgm:constr type="t" for="ch" forName="arrowWedge3" refType="w" fact="0.5"/>
+          <dgm:constr type="h" for="ch" forName="arrowWedge4" refType="w" fact="0.08"/>
+          <dgm:constr type="diam" for="ch" forName="arrowWedge4" refType="w" fact="0.84"/>
+          <dgm:constr type="l" for="ch" forName="arrowWedge4" refType="w" fact="0.5"/>
+          <dgm:constr type="t" for="ch" forName="arrowWedge4" refType="w" fact="0.5"/>
+          <dgm:constr type="primFontSz" for="ch" ptType="node" op="equ"/>
+        </dgm:constrLst>
+      </dgm:if>
+      <dgm:if name="Name5" axis="ch" ptType="node" func="cnt" op="equ" val="5">
+        <dgm:constrLst>
+          <dgm:constr type="l" for="ch" forName="wedge1" refType="w" fact="0.0918"/>
+          <dgm:constr type="t" for="ch" forName="wedge1" refType="w" fact="0.0638"/>
+          <dgm:constr type="w" for="ch" forName="wedge1" refType="w" fact="0.84"/>
+          <dgm:constr type="h" for="ch" forName="wedge1" refType="h" fact="0.84"/>
+          <dgm:constr type="l" for="ch" forName="dummy1a" refType="w" fact="0.5118"/>
+          <dgm:constr type="t" for="ch" forName="dummy1a" refType="h" fact="0.0638"/>
+          <dgm:constr type="l" for="ch" forName="dummy1b" refType="w" fact="0.9112"/>
+          <dgm:constr type="t" for="ch" forName="dummy1b" refType="h" fact="0.354"/>
+          <dgm:constr type="l" for="ch" forName="wedge1Tx" refType="w" fact="0.53"/>
+          <dgm:constr type="t" for="ch" forName="wedge1Tx" refType="h" fact="0.205"/>
+          <dgm:constr type="w" for="ch" forName="wedge1Tx" refType="w" fact="0.27"/>
+          <dgm:constr type="h" for="ch" forName="wedge1Tx" refType="h" fact="0.18"/>
+          <dgm:constr type="l" for="ch" forName="wedge2" refType="w" fact="0.099"/>
+          <dgm:constr type="t" for="ch" forName="wedge2" refType="w" fact="0.0862"/>
+          <dgm:constr type="w" for="ch" forName="wedge2" refType="w" fact="0.84"/>
+          <dgm:constr type="h" for="ch" forName="wedge2" refType="h" fact="0.84"/>
+          <dgm:constr type="l" for="ch" forName="dummy2a" refType="w" fact="0.9185"/>
+          <dgm:constr type="t" for="ch" forName="dummy2a" refType="h" fact="0.3764"/>
+          <dgm:constr type="l" for="ch" forName="dummy2b" refType="w" fact="0.7659"/>
+          <dgm:constr type="t" for="ch" forName="dummy2b" refType="h" fact="0.846"/>
+          <dgm:constr type="l" for="ch" forName="wedge2Tx" refType="w" fact="0.64"/>
+          <dgm:constr type="t" for="ch" forName="wedge2Tx" refType="h" fact="0.47"/>
+          <dgm:constr type="w" for="ch" forName="wedge2Tx" refType="w" fact="0.25"/>
+          <dgm:constr type="h" for="ch" forName="wedge2Tx" refType="h" fact="0.2"/>
+          <dgm:constr type="l" for="ch" forName="wedge3" refType="w" fact="0.08"/>
+          <dgm:constr type="t" for="ch" forName="wedge3" refType="w" fact="0.1"/>
+          <dgm:constr type="w" for="ch" forName="wedge3" refType="w" fact="0.84"/>
+          <dgm:constr type="h" for="ch" forName="wedge3" refType="h" fact="0.84"/>
+          <dgm:constr type="l" for="ch" forName="dummy3a" refType="w" fact="0.7469"/>
+          <dgm:constr type="t" for="ch" forName="dummy3a" refType="h" fact="0.8598"/>
+          <dgm:constr type="l" for="ch" forName="dummy3b" refType="w" fact="0.2531"/>
+          <dgm:constr type="t" for="ch" forName="dummy3b" refType="h" fact="0.8598"/>
+          <dgm:constr type="l" for="ch" forName="wedge3Tx" refType="w" fact="0.38"/>
+          <dgm:constr type="t" for="ch" forName="wedge3Tx" refType="h" fact="0.69"/>
+          <dgm:constr type="w" for="ch" forName="wedge3Tx" refType="w" fact="0.24"/>
+          <dgm:constr type="h" for="ch" forName="wedge3Tx" refType="h" fact="0.22"/>
+          <dgm:constr type="l" for="ch" forName="wedge4" refType="w" fact="0.061"/>
+          <dgm:constr type="t" for="ch" forName="wedge4" refType="h" fact="0.0862"/>
+          <dgm:constr type="w" for="ch" forName="wedge4" refType="w" fact="0.84"/>
+          <dgm:constr type="h" for="ch" forName="wedge4" refType="h" fact="0.84"/>
+          <dgm:constr type="l" for="ch" forName="dummy4a" refType="w" fact="0.2341"/>
+          <dgm:constr type="t" for="ch" forName="dummy4a" refType="h" fact="0.846"/>
+          <dgm:constr type="l" for="ch" forName="dummy4b" refType="w" fact="0.0815"/>
+          <dgm:constr type="t" for="ch" forName="dummy4b" refType="h" fact="0.3764"/>
+          <dgm:constr type="r" for="ch" forName="wedge4Tx" refType="w" fact="0.36"/>
+          <dgm:constr type="t" for="ch" forName="wedge4Tx" refType="h" fact="0.47"/>
+          <dgm:constr type="w" for="ch" forName="wedge4Tx" refType="w" fact="0.25"/>
+          <dgm:constr type="h" for="ch" forName="wedge4Tx" refType="h" fact="0.2"/>
+          <dgm:constr type="l" for="ch" forName="wedge5" refType="w" fact="0.0682"/>
+          <dgm:constr type="t" for="ch" forName="wedge5" refType="h" fact="0.0638"/>
+          <dgm:constr type="w" for="ch" forName="wedge5" refType="w" fact="0.84"/>
+          <dgm:constr type="h" for="ch" forName="wedge5" refType="h" fact="0.84"/>
+          <dgm:constr type="l" for="ch" forName="dummy5a" refType="w" fact="0.0888"/>
+          <dgm:constr type="t" for="ch" forName="dummy5a" refType="h" fact="0.354"/>
+          <dgm:constr type="l" for="ch" forName="dummy5b" refType="w" fact="0.4882"/>
+          <dgm:constr type="t" for="ch" forName="dummy5b" refType="h" fact="0.0638"/>
+          <dgm:constr type="r" for="ch" forName="wedge5Tx" refType="w" fact="0.47"/>
+          <dgm:constr type="t" for="ch" forName="wedge5Tx" refType="h" fact="0.205"/>
+          <dgm:constr type="w" for="ch" forName="wedge5Tx" refType="w" fact="0.27"/>
+          <dgm:constr type="h" for="ch" forName="wedge5Tx" refType="h" fact="0.18"/>
+          <dgm:constr type="h" for="ch" forName="arrowWedge1" refType="w" fact="0.08"/>
+          <dgm:constr type="diam" for="ch" forName="arrowWedge1" refType="w" fact="0.84"/>
+          <dgm:constr type="l" for="ch" forName="arrowWedge1" refType="w" fact="0.5"/>
+          <dgm:constr type="t" for="ch" forName="arrowWedge1" refType="w" fact="0.5"/>
+          <dgm:constr type="h" for="ch" forName="arrowWedge2" refType="w" fact="0.08"/>
+          <dgm:constr type="diam" for="ch" forName="arrowWedge2" refType="w" fact="0.84"/>
+          <dgm:constr type="l" for="ch" forName="arrowWedge2" refType="w" fact="0.5"/>
+          <dgm:constr type="t" for="ch" forName="arrowWedge2" refType="w" fact="0.5"/>
+          <dgm:constr type="h" for="ch" forName="arrowWedge3" refType="w" fact="0.08"/>
+          <dgm:constr type="diam" for="ch" forName="arrowWedge3" refType="w" fact="0.84"/>
+          <dgm:constr type="l" for="ch" forName="arrowWedge3" refType="w" fact="0.5"/>
+          <dgm:constr type="t" for="ch" forName="arrowWedge3" refType="w" fact="0.5"/>
+          <dgm:constr type="h" for="ch" forName="arrowWedge4" refType="w" fact="0.08"/>
+          <dgm:constr type="diam" for="ch" forName="arrowWedge4" refType="w" fact="0.84"/>
+          <dgm:constr type="l" for="ch" forName="arrowWedge4" refType="w" fact="0.5"/>
+          <dgm:constr type="t" for="ch" forName="arrowWedge4" refType="w" fact="0.5"/>
+          <dgm:constr type="h" for="ch" forName="arrowWedge5" refType="w" fact="0.08"/>
+          <dgm:constr type="diam" for="ch" forName="arrowWedge5" refType="w" fact="0.84"/>
+          <dgm:constr type="l" for="ch" forName="arrowWedge5" refType="w" fact="0.5"/>
+          <dgm:constr type="t" for="ch" forName="arrowWedge5" refType="w" fact="0.5"/>
+          <dgm:constr type="primFontSz" for="ch" ptType="node" op="equ"/>
+        </dgm:constrLst>
+      </dgm:if>
+      <dgm:if name="Name6" axis="ch" ptType="node" func="cnt" op="equ" val="6">
+        <dgm:constrLst>
+          <dgm:constr type="l" for="ch" forName="wedge1" refType="w" fact="0.09"/>
+          <dgm:constr type="t" for="ch" forName="wedge1" refType="w" fact="0.0627"/>
+          <dgm:constr type="w" for="ch" forName="wedge1" refType="w" fact="0.84"/>
+          <dgm:constr type="h" for="ch" forName="wedge1" refType="h" fact="0.84"/>
+          <dgm:constr type="l" for="ch" forName="dummy1a" refType="w" fact="0.51"/>
+          <dgm:constr type="t" for="ch" forName="dummy1a" refType="h" fact="0.0627"/>
+          <dgm:constr type="l" for="ch" forName="dummy1b" refType="w" fact="0.8737"/>
+          <dgm:constr type="t" for="ch" forName="dummy1b" refType="h" fact="0.2727"/>
+          <dgm:constr type="l" for="ch" forName="wedge1Tx" refType="w" fact="0.53"/>
+          <dgm:constr type="t" for="ch" forName="wedge1Tx" refType="h" fact="0.17"/>
+          <dgm:constr type="w" for="ch" forName="wedge1Tx" refType="w" fact="0.22"/>
+          <dgm:constr type="h" for="ch" forName="wedge1Tx" refType="h" fact="0.17"/>
+          <dgm:constr type="l" for="ch" forName="wedge2" refType="w" fact="0.1"/>
+          <dgm:constr type="t" for="ch" forName="wedge2" refType="w" fact="0.08"/>
+          <dgm:constr type="w" for="ch" forName="wedge2" refType="w" fact="0.84"/>
+          <dgm:constr type="h" for="ch" forName="wedge2" refType="h" fact="0.84"/>
+          <dgm:constr type="l" for="ch" forName="dummy2a" refType="w" fact="0.8837"/>
+          <dgm:constr type="t" for="ch" forName="dummy2a" refType="h" fact="0.29"/>
+          <dgm:constr type="l" for="ch" forName="dummy2b" refType="w" fact="0.8837"/>
+          <dgm:constr type="t" for="ch" forName="dummy2b" refType="h" fact="0.71"/>
+          <dgm:constr type="l" for="ch" forName="wedge2Tx" refType="w" fact="0.67"/>
+          <dgm:constr type="t" for="ch" forName="wedge2Tx" refType="h" fact="0.42"/>
+          <dgm:constr type="w" for="ch" forName="wedge2Tx" refType="w" fact="0.23"/>
+          <dgm:constr type="h" for="ch" forName="wedge2Tx" refType="h" fact="0.165"/>
+          <dgm:constr type="l" for="ch" forName="wedge3" refType="w" fact="0.09"/>
+          <dgm:constr type="t" for="ch" forName="wedge3" refType="w" fact="0.0973"/>
+          <dgm:constr type="w" for="ch" forName="wedge3" refType="w" fact="0.84"/>
+          <dgm:constr type="h" for="ch" forName="wedge3" refType="h" fact="0.84"/>
+          <dgm:constr type="l" for="ch" forName="dummy3a" refType="w" fact="0.8737"/>
+          <dgm:constr type="t" for="ch" forName="dummy3a" refType="h" fact="0.7273"/>
+          <dgm:constr type="l" for="ch" forName="dummy3b" refType="w" fact="0.51"/>
+          <dgm:constr type="t" for="ch" forName="dummy3b" refType="h" fact="0.9373"/>
+          <dgm:constr type="l" for="ch" forName="wedge3Tx" refType="w" fact="0.53"/>
+          <dgm:constr type="t" for="ch" forName="wedge3Tx" refType="h" fact="0.665"/>
+          <dgm:constr type="w" for="ch" forName="wedge3Tx" refType="w" fact="0.22"/>
+          <dgm:constr type="h" for="ch" forName="wedge3Tx" refType="h" fact="0.17"/>
+          <dgm:constr type="l" for="ch" forName="wedge4" refType="w" fact="0.07"/>
+          <dgm:constr type="t" for="ch" forName="wedge4" refType="h" fact="0.0973"/>
+          <dgm:constr type="w" for="ch" forName="wedge4" refType="w" fact="0.84"/>
+          <dgm:constr type="h" for="ch" forName="wedge4" refType="h" fact="0.84"/>
+          <dgm:constr type="l" for="ch" forName="dummy4a" refType="w" fact="0.49"/>
+          <dgm:constr type="t" for="ch" forName="dummy4a" refType="h" fact="0.9373"/>
+          <dgm:constr type="l" for="ch" forName="dummy4b" refType="w" fact="0.1263"/>
+          <dgm:constr type="t" for="ch" forName="dummy4b" refType="h" fact="0.7273"/>
+          <dgm:constr type="r" for="ch" forName="wedge4Tx" refType="w" fact="0.47"/>
+          <dgm:constr type="t" for="ch" forName="wedge4Tx" refType="h" fact="0.665"/>
+          <dgm:constr type="w" for="ch" forName="wedge4Tx" refType="w" fact="0.22"/>
+          <dgm:constr type="h" for="ch" forName="wedge4Tx" refType="h" fact="0.17"/>
+          <dgm:constr type="l" for="ch" forName="wedge5" refType="w" fact="0.06"/>
+          <dgm:constr type="t" for="ch" forName="wedge5" refType="h" fact="0.08"/>
+          <dgm:constr type="w" for="ch" forName="wedge5" refType="w" fact="0.84"/>
+          <dgm:constr type="h" for="ch" forName="wedge5" refType="h" fact="0.84"/>
+          <dgm:constr type="l" for="ch" forName="dummy5a" refType="w" fact="0.1163"/>
+          <dgm:constr type="t" for="ch" forName="dummy5a" refType="h" fact="0.71"/>
+          <dgm:constr type="l" for="ch" forName="dummy5b" refType="w" fact="0.1163"/>
+          <dgm:constr type="t" for="ch" forName="dummy5b" refType="h" fact="0.29"/>
+          <dgm:constr type="r" for="ch" forName="wedge5Tx" refType="w" fact="0.33"/>
+          <dgm:constr type="t" for="ch" forName="wedge5Tx" refType="h" fact="0.42"/>
+          <dgm:constr type="w" for="ch" forName="wedge5Tx" refType="w" fact="0.23"/>
+          <dgm:constr type="h" for="ch" forName="wedge5Tx" refType="h" fact="0.165"/>
+          <dgm:constr type="l" for="ch" forName="wedge6" refType="w" fact="0.07"/>
+          <dgm:constr type="t" for="ch" forName="wedge6" refType="h" fact="0.0627"/>
+          <dgm:constr type="w" for="ch" forName="wedge6" refType="w" fact="0.84"/>
+          <dgm:constr type="h" for="ch" forName="wedge6" refType="h" fact="0.84"/>
+          <dgm:constr type="l" for="ch" forName="dummy6a" refType="w" fact="0.1263"/>
+          <dgm:constr type="t" for="ch" forName="dummy6a" refType="h" fact="0.2727"/>
+          <dgm:constr type="l" for="ch" forName="dummy6b" refType="w" fact="0.49"/>
+          <dgm:constr type="t" for="ch" forName="dummy6b" refType="h" fact="0.0627"/>
+          <dgm:constr type="r" for="ch" forName="wedge6Tx" refType="w" fact="0.47"/>
+          <dgm:constr type="t" for="ch" forName="wedge6Tx" refType="h" fact="0.17"/>
+          <dgm:constr type="w" for="ch" forName="wedge6Tx" refType="w" fact="0.22"/>
+          <dgm:constr type="h" for="ch" forName="wedge6Tx" refType="h" fact="0.17"/>
+          <dgm:constr type="h" for="ch" forName="arrowWedge1" refType="w" fact="0.08"/>
+          <dgm:constr type="diam" for="ch" forName="arrowWedge1" refType="w" fact="0.84"/>
+          <dgm:constr type="l" for="ch" forName="arrowWedge1" refType="w" fact="0.5"/>
+          <dgm:constr type="t" for="ch" forName="arrowWedge1" refType="w" fact="0.5"/>
+          <dgm:constr type="h" for="ch" forName="arrowWedge2" refType="w" fact="0.08"/>
+          <dgm:constr type="diam" for="ch" forName="arrowWedge2" refType="w" fact="0.84"/>
+          <dgm:constr type="l" for="ch" forName="arrowWedge2" refType="w" fact="0.5"/>
+          <dgm:constr type="t" for="ch" forName="arrowWedge2" refType="w" fact="0.5"/>
+          <dgm:constr type="h" for="ch" forName="arrowWedge3" refType="w" fact="0.08"/>
+          <dgm:constr type="diam" for="ch" forName="arrowWedge3" refType="w" fact="0.84"/>
+          <dgm:constr type="l" for="ch" forName="arrowWedge3" refType="w" fact="0.5"/>
+          <dgm:constr type="t" for="ch" forName="arrowWedge3" refType="w" fact="0.5"/>
+          <dgm:constr type="h" for="ch" forName="arrowWedge4" refType="w" fact="0.08"/>
+          <dgm:constr type="diam" for="ch" forName="arrowWedge4" refType="w" fact="0.84"/>
+          <dgm:constr type="l" for="ch" forName="arrowWedge4" refType="w" fact="0.5"/>
+          <dgm:constr type="t" for="ch" forName="arrowWedge4" refType="w" fact="0.5"/>
+          <dgm:constr type="h" for="ch" forName="arrowWedge5" refType="w" fact="0.08"/>
+          <dgm:constr type="diam" for="ch" forName="arrowWedge5" refType="w" fact="0.84"/>
+          <dgm:constr type="l" for="ch" forName="arrowWedge5" refType="w" fact="0.5"/>
+          <dgm:constr type="t" for="ch" forName="arrowWedge5" refType="w" fact="0.5"/>
+          <dgm:constr type="h" for="ch" forName="arrowWedge6" refType="w" fact="0.08"/>
+          <dgm:constr type="diam" for="ch" forName="arrowWedge6" refType="w" fact="0.84"/>
+          <dgm:constr type="l" for="ch" forName="arrowWedge6" refType="w" fact="0.5"/>
+          <dgm:constr type="t" for="ch" forName="arrowWedge6" refType="w" fact="0.5"/>
+          <dgm:constr type="primFontSz" for="ch" ptType="node" op="equ"/>
+        </dgm:constrLst>
+      </dgm:if>
+      <dgm:else name="Name7">
+        <dgm:constrLst>
+          <dgm:constr type="l" for="ch" forName="wedge1" refType="w" fact="0.0887"/>
+          <dgm:constr type="t" for="ch" forName="wedge1" refType="w" fact="0.062"/>
+          <dgm:constr type="w" for="ch" forName="wedge1" refType="w" fact="0.84"/>
+          <dgm:constr type="h" for="ch" forName="wedge1" refType="h" fact="0.84"/>
+          <dgm:constr type="l" for="ch" forName="dummy1a" refType="w" fact="0.5087"/>
+          <dgm:constr type="t" for="ch" forName="dummy1a" refType="h" fact="0.062"/>
+          <dgm:constr type="l" for="ch" forName="dummy1b" refType="w" fact="0.837"/>
+          <dgm:constr type="t" for="ch" forName="dummy1b" refType="h" fact="0.2201"/>
+          <dgm:constr type="l" for="ch" forName="wedge1Tx" refType="w" fact="0.53"/>
+          <dgm:constr type="t" for="ch" forName="wedge1Tx" refType="h" fact="0.14"/>
+          <dgm:constr type="w" for="ch" forName="wedge1Tx" refType="w" fact="0.2"/>
+          <dgm:constr type="h" for="ch" forName="wedge1Tx" refType="h" fact="0.16"/>
+          <dgm:constr type="l" for="ch" forName="wedge2" refType="w" fact="0.0995"/>
+          <dgm:constr type="t" for="ch" forName="wedge2" refType="w" fact="0.0755"/>
+          <dgm:constr type="w" for="ch" forName="wedge2" refType="w" fact="0.84"/>
+          <dgm:constr type="h" for="ch" forName="wedge2" refType="h" fact="0.84"/>
+          <dgm:constr type="l" for="ch" forName="dummy2a" refType="w" fact="0.8479"/>
+          <dgm:constr type="t" for="ch" forName="dummy2a" refType="h" fact="0.2337"/>
+          <dgm:constr type="l" for="ch" forName="dummy2b" refType="w" fact="0.929"/>
+          <dgm:constr type="t" for="ch" forName="dummy2b" refType="h" fact="0.589"/>
+          <dgm:constr type="l" for="ch" forName="wedge2Tx" refType="w" fact="0.67"/>
+          <dgm:constr type="t" for="ch" forName="wedge2Tx" refType="h" fact="0.38"/>
+          <dgm:constr type="w" for="ch" forName="wedge2Tx" refType="w" fact="0.23"/>
+          <dgm:constr type="h" for="ch" forName="wedge2Tx" refType="h" fact="0.14"/>
+          <dgm:constr type="l" for="ch" forName="wedge3" refType="w" fact="0.0956"/>
+          <dgm:constr type="t" for="ch" forName="wedge3" refType="w" fact="0.0925"/>
+          <dgm:constr type="w" for="ch" forName="wedge3" refType="w" fact="0.84"/>
+          <dgm:constr type="h" for="ch" forName="wedge3" refType="h" fact="0.84"/>
+          <dgm:constr type="l" for="ch" forName="dummy3a" refType="w" fact="0.9251"/>
+          <dgm:constr type="t" for="ch" forName="dummy3a" refType="h" fact="0.6059"/>
+          <dgm:constr type="l" for="ch" forName="dummy3b" refType="w" fact="0.6979"/>
+          <dgm:constr type="t" for="ch" forName="dummy3b" refType="h" fact="0.8909"/>
+          <dgm:constr type="l" for="ch" forName="wedge3Tx" refType="w" fact="0.635"/>
+          <dgm:constr type="t" for="ch" forName="wedge3Tx" refType="h" fact="0.59"/>
+          <dgm:constr type="w" for="ch" forName="wedge3Tx" refType="w" fact="0.2"/>
+          <dgm:constr type="h" for="ch" forName="wedge3Tx" refType="h" fact="0.155"/>
+          <dgm:constr type="l" for="ch" forName="wedge4" refType="w" fact="0.08"/>
+          <dgm:constr type="t" for="ch" forName="wedge4" refType="h" fact="0.1"/>
+          <dgm:constr type="w" for="ch" forName="wedge4" refType="w" fact="0.84"/>
+          <dgm:constr type="h" for="ch" forName="wedge4" refType="h" fact="0.84"/>
+          <dgm:constr type="l" for="ch" forName="dummy4a" refType="w" fact="0.6822"/>
+          <dgm:constr type="t" for="ch" forName="dummy4a" refType="h" fact="0.8984"/>
+          <dgm:constr type="l" for="ch" forName="dummy4b" refType="w" fact="0.3178"/>
+          <dgm:constr type="t" for="ch" forName="dummy4b" refType="h" fact="0.8984"/>
+          <dgm:constr type="l" for="ch" forName="wedge4Tx" refType="w" fact="0.4025"/>
+          <dgm:constr type="t" for="ch" forName="wedge4Tx" refType="h" fact="0.76"/>
+          <dgm:constr type="w" for="ch" forName="wedge4Tx" refType="w" fact="0.195"/>
+          <dgm:constr type="h" for="ch" forName="wedge4Tx" refType="h" fact="0.14"/>
+          <dgm:constr type="l" for="ch" forName="wedge5" refType="w" fact="0.0644"/>
+          <dgm:constr type="t" for="ch" forName="wedge5" refType="h" fact="0.0925"/>
+          <dgm:constr type="w" for="ch" forName="wedge5" refType="w" fact="0.84"/>
+          <dgm:constr type="h" for="ch" forName="wedge5" refType="h" fact="0.84"/>
+          <dgm:constr type="l" for="ch" forName="dummy5a" refType="w" fact="0.3021"/>
+          <dgm:constr type="t" for="ch" forName="dummy5a" refType="h" fact="0.8909"/>
+          <dgm:constr type="l" for="ch" forName="dummy5b" refType="w" fact="0.0749"/>
+          <dgm:constr type="t" for="ch" forName="dummy5b" refType="h" fact="0.6059"/>
+          <dgm:constr type="r" for="ch" forName="wedge5Tx" refType="w" fact="0.365"/>
+          <dgm:constr type="t" for="ch" forName="wedge5Tx" refType="h" fact="0.59"/>
+          <dgm:constr type="w" for="ch" forName="wedge5Tx" refType="w" fact="0.2"/>
+          <dgm:constr type="h" for="ch" forName="wedge5Tx" refType="h" fact="0.155"/>
+          <dgm:constr type="l" for="ch" forName="wedge6" refType="w" fact="0.0605"/>
+          <dgm:constr type="t" for="ch" forName="wedge6" refType="h" fact="0.0755"/>
+          <dgm:constr type="w" for="ch" forName="wedge6" refType="w" fact="0.84"/>
+          <dgm:constr type="h" for="ch" forName="wedge6" refType="h" fact="0.84"/>
+          <dgm:constr type="l" for="ch" forName="dummy6a" refType="w" fact="0.071"/>
+          <dgm:constr type="t" for="ch" forName="dummy6a" refType="h" fact="0.589"/>
+          <dgm:constr type="l" for="ch" forName="dummy6b" refType="w" fact="0.1521"/>
+          <dgm:constr type="t" for="ch" forName="dummy6b" refType="h" fact="0.2337"/>
+          <dgm:constr type="r" for="ch" forName="wedge6Tx" refType="w" fact="0.33"/>
+          <dgm:constr type="t" for="ch" forName="wedge6Tx" refType="h" fact="0.38"/>
+          <dgm:constr type="w" for="ch" forName="wedge6Tx" refType="w" fact="0.23"/>
+          <dgm:constr type="h" for="ch" forName="wedge6Tx" refType="h" fact="0.14"/>
+          <dgm:constr type="l" for="ch" forName="wedge7" refType="w" fact="0.0713"/>
+          <dgm:constr type="t" for="ch" forName="wedge7" refType="h" fact="0.062"/>
+          <dgm:constr type="w" for="ch" forName="wedge7" refType="w" fact="0.84"/>
+          <dgm:constr type="h" for="ch" forName="wedge7" refType="h" fact="0.84"/>
+          <dgm:constr type="l" for="ch" forName="dummy7a" refType="w" fact="0.163"/>
+          <dgm:constr type="t" for="ch" forName="dummy7a" refType="h" fact="0.2201"/>
+          <dgm:constr type="l" for="ch" forName="dummy7b" refType="w" fact="0.4913"/>
+          <dgm:constr type="t" for="ch" forName="dummy7b" refType="h" fact="0.062"/>
+          <dgm:constr type="r" for="ch" forName="wedge7Tx" refType="w" fact="0.47"/>
+          <dgm:constr type="t" for="ch" forName="wedge7Tx" refType="h" fact="0.14"/>
+          <dgm:constr type="w" for="ch" forName="wedge7Tx" refType="w" fact="0.2"/>
+          <dgm:constr type="h" for="ch" forName="wedge7Tx" refType="h" fact="0.16"/>
+          <dgm:constr type="h" for="ch" forName="arrowWedge1" refType="w" fact="0.08"/>
+          <dgm:constr type="diam" for="ch" forName="arrowWedge1" refType="w" fact="0.84"/>
+          <dgm:constr type="l" for="ch" forName="arrowWedge1" refType="w" fact="0.5"/>
+          <dgm:constr type="t" for="ch" forName="arrowWedge1" refType="w" fact="0.5"/>
+          <dgm:constr type="h" for="ch" forName="arrowWedge2" refType="w" fact="0.08"/>
+          <dgm:constr type="diam" for="ch" forName="arrowWedge2" refType="w" fact="0.84"/>
+          <dgm:constr type="l" for="ch" forName="arrowWedge2" refType="w" fact="0.5"/>
+          <dgm:constr type="t" for="ch" forName="arrowWedge2" refType="w" fact="0.5"/>
+          <dgm:constr type="h" for="ch" forName="arrowWedge3" refType="w" fact="0.08"/>
+          <dgm:constr type="diam" for="ch" forName="arrowWedge3" refType="w" fact="0.84"/>
+          <dgm:constr type="l" for="ch" forName="arrowWedge3" refType="w" fact="0.5"/>
+          <dgm:constr type="t" for="ch" forName="arrowWedge3" refType="w" fact="0.5"/>
+          <dgm:constr type="h" for="ch" forName="arrowWedge4" refType="w" fact="0.08"/>
+          <dgm:constr type="diam" for="ch" forName="arrowWedge4" refType="w" fact="0.84"/>
+          <dgm:constr type="l" for="ch" forName="arrowWedge4" refType="w" fact="0.5"/>
+          <dgm:constr type="t" for="ch" forName="arrowWedge4" refType="w" fact="0.5"/>
+          <dgm:constr type="h" for="ch" forName="arrowWedge5" refType="w" fact="0.08"/>
+          <dgm:constr type="diam" for="ch" forName="arrowWedge5" refType="w" fact="0.84"/>
+          <dgm:constr type="l" for="ch" forName="arrowWedge5" refType="w" fact="0.5"/>
+          <dgm:constr type="t" for="ch" forName="arrowWedge5" refType="w" fact="0.5"/>
+          <dgm:constr type="h" for="ch" forName="arrowWedge6" refType="w" fact="0.08"/>
+          <dgm:constr type="diam" for="ch" forName="arrowWedge6" refType="w" fact="0.84"/>
+          <dgm:constr type="l" for="ch" forName="arrowWedge6" refType="w" fact="0.5"/>
+          <dgm:constr type="t" for="ch" forName="arrowWedge6" refType="w" fact="0.5"/>
+          <dgm:constr type="h" for="ch" forName="arrowWedge7" refType="w" fact="0.08"/>
+          <dgm:constr type="diam" for="ch" forName="arrowWedge7" refType="w" fact="0.84"/>
+          <dgm:constr type="l" for="ch" forName="arrowWedge7" refType="w" fact="0.5"/>
+          <dgm:constr type="t" for="ch" forName="arrowWedge7" refType="w" fact="0.5"/>
+          <dgm:constr type="primFontSz" for="ch" ptType="node" op="equ"/>
         </dgm:constrLst>
       </dgm:else>
     </dgm:choose>
     <dgm:ruleLst/>
-    <dgm:forEach name="Name12" axis="ch" ptType="node">
-      <dgm:layoutNode name="node">
-        <dgm:varLst>
-          <dgm:bulletEnabled val="1"/>
-        </dgm:varLst>
-        <dgm:alg type="tx"/>
-        <dgm:shape xmlns:r="http://schemas.openxmlformats.org/officeDocument/2006/relationships" type="roundRect" r:blip="">
-          <dgm:adjLst/>
-        </dgm:shape>
-        <dgm:presOf axis="desOrSelf" ptType="node"/>
-        <dgm:constrLst>
-          <dgm:constr type="h" refType="w" fact="0.65"/>
-          <dgm:constr type="tMarg" refType="primFontSz" fact="0.3"/>
-          <dgm:constr type="bMarg" refType="primFontSz" fact="0.3"/>
-          <dgm:constr type="lMarg" refType="primFontSz" fact="0.3"/>
-          <dgm:constr type="rMarg" refType="primFontSz" fact="0.3"/>
-        </dgm:constrLst>
-        <dgm:ruleLst>
-          <dgm:rule type="primFontSz" val="5" fact="NaN" max="NaN"/>
-        </dgm:ruleLst>
-      </dgm:layoutNode>
-      <dgm:choose name="Name13">
-        <dgm:if name="Name14" axis="par ch" ptType="doc node" func="cnt" op="gt" val="1">
-          <dgm:layoutNode name="spNode">
-            <dgm:alg type="sp"/>
-            <dgm:shape xmlns:r="http://schemas.openxmlformats.org/officeDocument/2006/relationships" r:blip="">
+    <dgm:choose name="Name8">
+      <dgm:if name="Name9" axis="ch" ptType="node" func="cnt" op="gte" val="1">
+        <dgm:layoutNode name="wedge1">
+          <dgm:alg type="sp"/>
+          <dgm:choose name="Name10">
+            <dgm:if name="Name11" axis="ch" ptType="node" func="cnt" op="equ" val="1">
+              <dgm:shape xmlns:r="http://schemas.openxmlformats.org/officeDocument/2006/relationships" type="ellipse" r:blip="">
+                <dgm:adjLst/>
+              </dgm:shape>
+            </dgm:if>
+            <dgm:if name="Name12" axis="ch" ptType="node" func="cnt" op="equ" val="2">
+              <dgm:shape xmlns:r="http://schemas.openxmlformats.org/officeDocument/2006/relationships" type="pie" r:blip="">
+                <dgm:adjLst>
+                  <dgm:adj idx="1" val="270"/>
+                  <dgm:adj idx="2" val="90"/>
+                </dgm:adjLst>
+              </dgm:shape>
+            </dgm:if>
+            <dgm:if name="Name13" axis="ch" ptType="node" func="cnt" op="equ" val="3">
+              <dgm:shape xmlns:r="http://schemas.openxmlformats.org/officeDocument/2006/relationships" type="pie" r:blip="">
+                <dgm:adjLst>
+                  <dgm:adj idx="1" val="270"/>
+                  <dgm:adj idx="2" val="30"/>
+                </dgm:adjLst>
+              </dgm:shape>
+            </dgm:if>
+            <dgm:if name="Name14" axis="ch" ptType="node" func="cnt" op="equ" val="4">
+              <dgm:shape xmlns:r="http://schemas.openxmlformats.org/officeDocument/2006/relationships" type="pie" r:blip="">
+                <dgm:adjLst>
+                  <dgm:adj idx="1" val="270"/>
+                  <dgm:adj idx="2" val="0"/>
+                </dgm:adjLst>
+              </dgm:shape>
+            </dgm:if>
+            <dgm:if name="Name15" axis="ch" ptType="node" func="cnt" op="equ" val="5">
+              <dgm:shape xmlns:r="http://schemas.openxmlformats.org/officeDocument/2006/relationships" type="pie" r:blip="">
+                <dgm:adjLst>
+                  <dgm:adj idx="1" val="270"/>
+                  <dgm:adj idx="2" val="342"/>
+                </dgm:adjLst>
+              </dgm:shape>
+            </dgm:if>
+            <dgm:if name="Name16" axis="ch" ptType="node" func="cnt" op="equ" val="6">
+              <dgm:shape xmlns:r="http://schemas.openxmlformats.org/officeDocument/2006/relationships" type="pie" r:blip="">
+                <dgm:adjLst>
+                  <dgm:adj idx="1" val="270"/>
+                  <dgm:adj idx="2" val="330"/>
+                </dgm:adjLst>
+              </dgm:shape>
+            </dgm:if>
+            <dgm:else name="Name17">
+              <dgm:shape xmlns:r="http://schemas.openxmlformats.org/officeDocument/2006/relationships" type="pie" r:blip="">
+                <dgm:adjLst>
+                  <dgm:adj idx="1" val="270"/>
+                  <dgm:adj idx="2" val="321.4286"/>
+                </dgm:adjLst>
+              </dgm:shape>
+            </dgm:else>
+          </dgm:choose>
+          <dgm:choose name="Name18">
+            <dgm:if name="Name19" func="var" arg="dir" op="equ" val="norm">
+              <dgm:presOf axis="ch desOrSelf" ptType="node node" st="1 1" cnt="1 0"/>
+            </dgm:if>
+            <dgm:else name="Name20">
+              <dgm:choose name="Name21">
+                <dgm:if name="Name22" axis="ch" ptType="node" func="cnt" op="equ" val="1">
+                  <dgm:presOf axis="ch desOrSelf" ptType="node node" st="1 1" cnt="1 0"/>
+                </dgm:if>
+                <dgm:if name="Name23" axis="ch" ptType="node" func="cnt" op="equ" val="2">
+                  <dgm:presOf axis="ch desOrSelf" ptType="node node" st="2 1" cnt="1 0"/>
+                </dgm:if>
+                <dgm:if name="Name24" axis="ch" ptType="node" func="cnt" op="equ" val="3">
+                  <dgm:presOf axis="ch desOrSelf" ptType="node node" st="3 1" cnt="1 0"/>
+                </dgm:if>
+                <dgm:if name="Name25" axis="ch" ptType="node" func="cnt" op="equ" val="4">
+                  <dgm:presOf axis="ch desOrSelf" ptType="node node" st="4 1" cnt="1 0"/>
+                </dgm:if>
+                <dgm:if name="Name26" axis="ch" ptType="node" func="cnt" op="equ" val="5">
+                  <dgm:presOf axis="ch desOrSelf" ptType="node node" st="5 1" cnt="1 0"/>
+                </dgm:if>
+                <dgm:if name="Name27" axis="ch" ptType="node" func="cnt" op="equ" val="6">
+                  <dgm:presOf axis="ch desOrSelf" ptType="node node" st="6 1" cnt="1 0"/>
+                </dgm:if>
+                <dgm:else name="Name28">
+                  <dgm:presOf axis="ch desOrSelf" ptType="node node" st="7 1" cnt="1 0"/>
+                </dgm:else>
+              </dgm:choose>
+            </dgm:else>
+          </dgm:choose>
+          <dgm:constrLst/>
+          <dgm:ruleLst/>
+        </dgm:layoutNode>
+        <dgm:layoutNode name="dummy1a" moveWith="wedge1">
+          <dgm:alg type="sp"/>
+          <dgm:shape xmlns:r="http://schemas.openxmlformats.org/officeDocument/2006/relationships" r:blip="">
+            <dgm:adjLst/>
+          </dgm:shape>
+          <dgm:presOf/>
+          <dgm:constrLst>
+            <dgm:constr type="w" val="1"/>
+            <dgm:constr type="h" val="1"/>
+          </dgm:constrLst>
+          <dgm:ruleLst/>
+        </dgm:layoutNode>
+        <dgm:layoutNode name="dummy1b" moveWith="wedge1">
+          <dgm:alg type="sp"/>
+          <dgm:shape xmlns:r="http://schemas.openxmlformats.org/officeDocument/2006/relationships" r:blip="">
+            <dgm:adjLst/>
+          </dgm:shape>
+          <dgm:presOf/>
+          <dgm:constrLst>
+            <dgm:constr type="w" val="1"/>
+            <dgm:constr type="h" val="1"/>
+          </dgm:constrLst>
+          <dgm:ruleLst/>
+        </dgm:layoutNode>
+        <dgm:layoutNode name="wedge1Tx" moveWith="wedge1">
+          <dgm:varLst>
+            <dgm:chMax val="0"/>
+            <dgm:chPref val="0"/>
+            <dgm:bulletEnabled val="1"/>
+          </dgm:varLst>
+          <dgm:alg type="tx"/>
+          <dgm:shape xmlns:r="http://schemas.openxmlformats.org/officeDocument/2006/relationships" type="rect" r:blip="" hideGeom="1">
+            <dgm:adjLst/>
+          </dgm:shape>
+          <dgm:choose name="Name29">
+            <dgm:if name="Name30" func="var" arg="dir" op="equ" val="norm">
+              <dgm:presOf axis="ch desOrSelf" ptType="node node" st="1 1" cnt="1 0"/>
+            </dgm:if>
+            <dgm:else name="Name31">
+              <dgm:choose name="Name32">
+                <dgm:if name="Name33" axis="ch" ptType="node" func="cnt" op="equ" val="1">
+                  <dgm:presOf axis="ch desOrSelf" ptType="node node" st="1 1" cnt="1 0"/>
+                </dgm:if>
+                <dgm:if name="Name34" axis="ch" ptType="node" func="cnt" op="equ" val="2">
+                  <dgm:presOf axis="ch desOrSelf" ptType="node node" st="2 1" cnt="1 0"/>
+                </dgm:if>
+                <dgm:if name="Name35" axis="ch" ptType="node" func="cnt" op="equ" val="3">
+                  <dgm:presOf axis="ch desOrSelf" ptType="node node" st="3 1" cnt="1 0"/>
+                </dgm:if>
+                <dgm:if name="Name36" axis="ch" ptType="node" func="cnt" op="equ" val="4">
+                  <dgm:presOf axis="ch desOrSelf" ptType="node node" st="4 1" cnt="1 0"/>
+                </dgm:if>
+                <dgm:if name="Name37" axis="ch" ptType="node" func="cnt" op="equ" val="5">
+                  <dgm:presOf axis="ch desOrSelf" ptType="node node" st="5 1" cnt="1 0"/>
+                </dgm:if>
+                <dgm:if name="Name38" axis="ch" ptType="node" func="cnt" op="equ" val="6">
+                  <dgm:presOf axis="ch desOrSelf" ptType="node node" st="6 1" cnt="1 0"/>
+                </dgm:if>
+                <dgm:else name="Name39">
+                  <dgm:presOf axis="ch desOrSelf" ptType="node node" st="7 1" cnt="1 0"/>
+                </dgm:else>
+              </dgm:choose>
+            </dgm:else>
+          </dgm:choose>
+          <dgm:constrLst>
+            <dgm:constr type="tMarg" refType="primFontSz" fact="0.1"/>
+            <dgm:constr type="bMarg" refType="primFontSz" fact="0.1"/>
+            <dgm:constr type="lMarg" refType="primFontSz" fact="0.1"/>
+            <dgm:constr type="rMarg" refType="primFontSz" fact="0.1"/>
+            <dgm:constr type="primFontSz" val="65"/>
+          </dgm:constrLst>
+          <dgm:ruleLst>
+            <dgm:rule type="primFontSz" val="5" fact="NaN" max="NaN"/>
+          </dgm:ruleLst>
+        </dgm:layoutNode>
+      </dgm:if>
+      <dgm:else name="Name40"/>
+    </dgm:choose>
+    <dgm:choose name="Name41">
+      <dgm:if name="Name42" axis="ch" ptType="node" func="cnt" op="gte" val="2">
+        <dgm:layoutNode name="wedge2">
+          <dgm:alg type="sp"/>
+          <dgm:choose name="Name43">
+            <dgm:if name="Name44" axis="ch" ptType="node" func="cnt" op="equ" val="2">
+              <dgm:shape xmlns:r="http://schemas.openxmlformats.org/officeDocument/2006/relationships" type="pie" r:blip="">
+                <dgm:adjLst>
+                  <dgm:adj idx="1" val="90"/>
+                  <dgm:adj idx="2" val="270"/>
+                </dgm:adjLst>
+              </dgm:shape>
+            </dgm:if>
+            <dgm:if name="Name45" axis="ch" ptType="node" func="cnt" op="equ" val="3">
+              <dgm:shape xmlns:r="http://schemas.openxmlformats.org/officeDocument/2006/relationships" type="pie" r:blip="">
+                <dgm:adjLst>
+                  <dgm:adj idx="1" val="30"/>
+                  <dgm:adj idx="2" val="150"/>
+                </dgm:adjLst>
+              </dgm:shape>
+            </dgm:if>
+            <dgm:if name="Name46" axis="ch" ptType="node" func="cnt" op="equ" val="4">
+              <dgm:shape xmlns:r="http://schemas.openxmlformats.org/officeDocument/2006/relationships" type="pie" r:blip="">
+                <dgm:adjLst>
+                  <dgm:adj idx="1" val="0"/>
+                  <dgm:adj idx="2" val="90"/>
+                </dgm:adjLst>
+              </dgm:shape>
+            </dgm:if>
+            <dgm:if name="Name47" axis="ch" ptType="node" func="cnt" op="equ" val="5">
+              <dgm:shape xmlns:r="http://schemas.openxmlformats.org/officeDocument/2006/relationships" type="pie" r:blip="">
+                <dgm:adjLst>
+                  <dgm:adj idx="1" val="342"/>
+                  <dgm:adj idx="2" val="54"/>
+                </dgm:adjLst>
+              </dgm:shape>
+            </dgm:if>
+            <dgm:if name="Name48" axis="ch" ptType="node" func="cnt" op="equ" val="6">
+              <dgm:shape xmlns:r="http://schemas.openxmlformats.org/officeDocument/2006/relationships" type="pie" r:blip="">
+                <dgm:adjLst>
+                  <dgm:adj idx="1" val="330"/>
+                  <dgm:adj idx="2" val="30"/>
+                </dgm:adjLst>
+              </dgm:shape>
+            </dgm:if>
+            <dgm:else name="Name49">
+              <dgm:shape xmlns:r="http://schemas.openxmlformats.org/officeDocument/2006/relationships" type="pie" r:blip="">
+                <dgm:adjLst>
+                  <dgm:adj idx="1" val="321.4286"/>
+                  <dgm:adj idx="2" val="12.85714"/>
+                </dgm:adjLst>
+              </dgm:shape>
+            </dgm:else>
+          </dgm:choose>
+          <dgm:choose name="Name50">
+            <dgm:if name="Name51" func="var" arg="dir" op="equ" val="norm">
+              <dgm:presOf axis="ch desOrSelf" ptType="node node" st="2 1" cnt="1 0"/>
+            </dgm:if>
+            <dgm:else name="Name52">
+              <dgm:choose name="Name53">
+                <dgm:if name="Name54" axis="ch" ptType="node" func="cnt" op="equ" val="2">
+                  <dgm:presOf axis="ch desOrSelf" ptType="node node" st="1 1" cnt="1 0"/>
+                </dgm:if>
+                <dgm:if name="Name55" axis="ch" ptType="node" func="cnt" op="equ" val="3">
+                  <dgm:presOf axis="ch desOrSelf" ptType="node node" st="2 1" cnt="1 0"/>
+                </dgm:if>
+                <dgm:if name="Name56" axis="ch" ptType="node" func="cnt" op="equ" val="4">
+                  <dgm:presOf axis="ch desOrSelf" ptType="node node" st="3 1" cnt="1 0"/>
+                </dgm:if>
+                <dgm:if name="Name57" axis="ch" ptType="node" func="cnt" op="equ" val="5">
+                  <dgm:presOf axis="ch desOrSelf" ptType="node node" st="4 1" cnt="1 0"/>
+                </dgm:if>
+                <dgm:if name="Name58" axis="ch" ptType="node" func="cnt" op="equ" val="6">
+                  <dgm:presOf axis="ch desOrSelf" ptType="node node" st="5 1" cnt="1 0"/>
+                </dgm:if>
+                <dgm:else name="Name59">
+                  <dgm:presOf axis="ch desOrSelf" ptType="node node" st="6 1" cnt="1 0"/>
+                </dgm:else>
+              </dgm:choose>
+            </dgm:else>
+          </dgm:choose>
+          <dgm:constrLst/>
+          <dgm:ruleLst/>
+        </dgm:layoutNode>
+        <dgm:layoutNode name="dummy2a" moveWith="wedge2">
+          <dgm:alg type="sp"/>
+          <dgm:shape xmlns:r="http://schemas.openxmlformats.org/officeDocument/2006/relationships" r:blip="">
+            <dgm:adjLst/>
+          </dgm:shape>
+          <dgm:presOf/>
+          <dgm:constrLst>
+            <dgm:constr type="w" val="1"/>
+            <dgm:constr type="h" val="1"/>
+          </dgm:constrLst>
+          <dgm:ruleLst/>
+        </dgm:layoutNode>
+        <dgm:layoutNode name="dummy2b" moveWith="wedge2">
+          <dgm:alg type="sp"/>
+          <dgm:shape xmlns:r="http://schemas.openxmlformats.org/officeDocument/2006/relationships" r:blip="">
+            <dgm:adjLst/>
+          </dgm:shape>
+          <dgm:presOf/>
+          <dgm:constrLst>
+            <dgm:constr type="w" val="1"/>
+            <dgm:constr type="h" val="1"/>
+          </dgm:constrLst>
+          <dgm:ruleLst/>
+        </dgm:layoutNode>
+        <dgm:layoutNode name="wedge2Tx" moveWith="wedge2">
+          <dgm:varLst>
+            <dgm:chMax val="0"/>
+            <dgm:chPref val="0"/>
+            <dgm:bulletEnabled val="1"/>
+          </dgm:varLst>
+          <dgm:alg type="tx"/>
+          <dgm:shape xmlns:r="http://schemas.openxmlformats.org/officeDocument/2006/relationships" type="rect" r:blip="" hideGeom="1">
+            <dgm:adjLst/>
+          </dgm:shape>
+          <dgm:choose name="Name60">
+            <dgm:if name="Name61" func="var" arg="dir" op="equ" val="norm">
+              <dgm:presOf axis="ch desOrSelf" ptType="node node" st="2 1" cnt="1 0"/>
+            </dgm:if>
+            <dgm:else name="Name62">
+              <dgm:choose name="Name63">
+                <dgm:if name="Name64" axis="ch" ptType="node" func="cnt" op="equ" val="2">
+                  <dgm:presOf axis="ch desOrSelf" ptType="node node" st="1 1" cnt="1 0"/>
+                </dgm:if>
+                <dgm:if name="Name65" axis="ch" ptType="node" func="cnt" op="equ" val="3">
+                  <dgm:presOf axis="ch desOrSelf" ptType="node node" st="2 1" cnt="1 0"/>
+                </dgm:if>
+                <dgm:if name="Name66" axis="ch" ptType="node" func="cnt" op="equ" val="4">
+                  <dgm:presOf axis="ch desOrSelf" ptType="node node" st="3 1" cnt="1 0"/>
+                </dgm:if>
+                <dgm:if name="Name67" axis="ch" ptType="node" func="cnt" op="equ" val="5">
+                  <dgm:presOf axis="ch desOrSelf" ptType="node node" st="4 1" cnt="1 0"/>
+                </dgm:if>
+                <dgm:if name="Name68" axis="ch" ptType="node" func="cnt" op="equ" val="6">
+                  <dgm:presOf axis="ch desOrSelf" ptType="node node" st="5 1" cnt="1 0"/>
+                </dgm:if>
+                <dgm:else name="Name69">
+                  <dgm:presOf axis="ch desOrSelf" ptType="node node" st="6 1" cnt="1 0"/>
+                </dgm:else>
+              </dgm:choose>
+            </dgm:else>
+          </dgm:choose>
+          <dgm:constrLst>
+            <dgm:constr type="tMarg" refType="primFontSz" fact="0.1"/>
+            <dgm:constr type="bMarg" refType="primFontSz" fact="0.1"/>
+            <dgm:constr type="lMarg" refType="primFontSz" fact="0.1"/>
+            <dgm:constr type="rMarg" refType="primFontSz" fact="0.1"/>
+            <dgm:constr type="primFontSz" val="65"/>
+          </dgm:constrLst>
+          <dgm:ruleLst>
+            <dgm:rule type="primFontSz" val="5" fact="NaN" max="NaN"/>
+          </dgm:ruleLst>
+        </dgm:layoutNode>
+      </dgm:if>
+      <dgm:else name="Name70"/>
+    </dgm:choose>
+    <dgm:choose name="Name71">
+      <dgm:if name="Name72" axis="ch" ptType="node" func="cnt" op="gte" val="3">
+        <dgm:layoutNode name="wedge3">
+          <dgm:alg type="sp"/>
+          <dgm:choose name="Name73">
+            <dgm:if name="Name74" axis="ch" ptType="node" func="cnt" op="equ" val="3">
+              <dgm:shape xmlns:r="http://schemas.openxmlformats.org/officeDocument/2006/relationships" type="pie" r:blip="">
+                <dgm:adjLst>
+                  <dgm:adj idx="1" val="150"/>
+                  <dgm:adj idx="2" val="270"/>
+                </dgm:adjLst>
+              </dgm:shape>
+            </dgm:if>
+            <dgm:if name="Name75" axis="ch" ptType="node" func="cnt" op="equ" val="4">
+              <dgm:shape xmlns:r="http://schemas.openxmlformats.org/officeDocument/2006/relationships" type="pie" r:blip="">
+                <dgm:adjLst>
+                  <dgm:adj idx="1" val="90"/>
+                  <dgm:adj idx="2" val="180"/>
+                </dgm:adjLst>
+              </dgm:shape>
+            </dgm:if>
+            <dgm:if name="Name76" axis="ch" ptType="node" func="cnt" op="equ" val="5">
+              <dgm:shape xmlns:r="http://schemas.openxmlformats.org/officeDocument/2006/relationships" type="pie" r:blip="">
+                <dgm:adjLst>
+                  <dgm:adj idx="1" val="54"/>
+                  <dgm:adj idx="2" val="126"/>
+                </dgm:adjLst>
+              </dgm:shape>
+            </dgm:if>
+            <dgm:if name="Name77" axis="ch" ptType="node" func="cnt" op="equ" val="6">
+              <dgm:shape xmlns:r="http://schemas.openxmlformats.org/officeDocument/2006/relationships" type="pie" r:blip="">
+                <dgm:adjLst>
+                  <dgm:adj idx="1" val="30"/>
+                  <dgm:adj idx="2" val="90"/>
+                </dgm:adjLst>
+              </dgm:shape>
+            </dgm:if>
+            <dgm:else name="Name78">
+              <dgm:shape xmlns:r="http://schemas.openxmlformats.org/officeDocument/2006/relationships" type="pie" r:blip="">
+                <dgm:adjLst>
+                  <dgm:adj idx="1" val="12.85714"/>
+                  <dgm:adj idx="2" val="64.28571"/>
+                </dgm:adjLst>
+              </dgm:shape>
+            </dgm:else>
+          </dgm:choose>
+          <dgm:choose name="Name79">
+            <dgm:if name="Name80" func="var" arg="dir" op="equ" val="norm">
+              <dgm:presOf axis="ch desOrSelf" ptType="node node" st="3 1" cnt="1 0"/>
+            </dgm:if>
+            <dgm:else name="Name81">
+              <dgm:choose name="Name82">
+                <dgm:if name="Name83" axis="ch" ptType="node" func="cnt" op="equ" val="3">
+                  <dgm:presOf axis="ch desOrSelf" ptType="node node" st="1 1" cnt="1 0"/>
+                </dgm:if>
+                <dgm:if name="Name84" axis="ch" ptType="node" func="cnt" op="equ" val="4">
+                  <dgm:presOf axis="ch desOrSelf" ptType="node node" st="2 1" cnt="1 0"/>
+                </dgm:if>
+                <dgm:if name="Name85" axis="ch" ptType="node" func="cnt" op="equ" val="5">
+                  <dgm:presOf axis="ch desOrSelf" ptType="node node" st="3 1" cnt="1 0"/>
+                </dgm:if>
+                <dgm:if name="Name86" axis="ch" ptType="node" func="cnt" op="equ" val="6">
+                  <dgm:presOf axis="ch desOrSelf" ptType="node node" st="4 1" cnt="1 0"/>
+                </dgm:if>
+                <dgm:else name="Name87">
+                  <dgm:presOf axis="ch desOrSelf" ptType="node node" st="5 1" cnt="1 0"/>
+                </dgm:else>
+              </dgm:choose>
+            </dgm:else>
+          </dgm:choose>
+          <dgm:constrLst/>
+          <dgm:ruleLst/>
+        </dgm:layoutNode>
+        <dgm:layoutNode name="dummy3a" moveWith="wedge3">
+          <dgm:alg type="sp"/>
+          <dgm:shape xmlns:r="http://schemas.openxmlformats.org/officeDocument/2006/relationships" r:blip="">
+            <dgm:adjLst/>
+          </dgm:shape>
+          <dgm:presOf/>
+          <dgm:constrLst>
+            <dgm:constr type="w" val="1"/>
+            <dgm:constr type="h" val="1"/>
+          </dgm:constrLst>
+          <dgm:ruleLst/>
+        </dgm:layoutNode>
+        <dgm:layoutNode name="dummy3b" moveWith="wedge3">
+          <dgm:alg type="sp"/>
+          <dgm:shape xmlns:r="http://schemas.openxmlformats.org/officeDocument/2006/relationships" r:blip="">
+            <dgm:adjLst/>
+          </dgm:shape>
+          <dgm:presOf/>
+          <dgm:constrLst>
+            <dgm:constr type="w" val="1"/>
+            <dgm:constr type="h" val="1"/>
+          </dgm:constrLst>
+          <dgm:ruleLst/>
+        </dgm:layoutNode>
+        <dgm:layoutNode name="wedge3Tx" moveWith="wedge3">
+          <dgm:varLst>
+            <dgm:chMax val="0"/>
+            <dgm:chPref val="0"/>
+            <dgm:bulletEnabled val="1"/>
+          </dgm:varLst>
+          <dgm:alg type="tx"/>
+          <dgm:shape xmlns:r="http://schemas.openxmlformats.org/officeDocument/2006/relationships" type="rect" r:blip="" hideGeom="1">
+            <dgm:adjLst/>
+          </dgm:shape>
+          <dgm:choose name="Name88">
+            <dgm:if name="Name89" func="var" arg="dir" op="equ" val="norm">
+              <dgm:presOf axis="ch desOrSelf" ptType="node node" st="3 1" cnt="1 0"/>
+            </dgm:if>
+            <dgm:else name="Name90">
+              <dgm:choose name="Name91">
+                <dgm:if name="Name92" axis="ch" ptType="node" func="cnt" op="equ" val="3">
+                  <dgm:presOf axis="ch desOrSelf" ptType="node node" st="1 1" cnt="1 0"/>
+                </dgm:if>
+                <dgm:if name="Name93" axis="ch" ptType="node" func="cnt" op="equ" val="4">
+                  <dgm:presOf axis="ch desOrSelf" ptType="node node" st="2 1" cnt="1 0"/>
+                </dgm:if>
+                <dgm:if name="Name94" axis="ch" ptType="node" func="cnt" op="equ" val="5">
+                  <dgm:presOf axis="ch desOrSelf" ptType="node node" st="3 1" cnt="1 0"/>
+                </dgm:if>
+                <dgm:if name="Name95" axis="ch" ptType="node" func="cnt" op="equ" val="6">
+                  <dgm:presOf axis="ch desOrSelf" ptType="node node" st="4 1" cnt="1 0"/>
+                </dgm:if>
+                <dgm:else name="Name96">
+                  <dgm:presOf axis="ch desOrSelf" ptType="node node" st="5 1" cnt="1 0"/>
+                </dgm:else>
+              </dgm:choose>
+            </dgm:else>
+          </dgm:choose>
+          <dgm:constrLst>
+            <dgm:constr type="tMarg" refType="primFontSz" fact="0.1"/>
+            <dgm:constr type="bMarg" refType="primFontSz" fact="0.1"/>
+            <dgm:constr type="lMarg" refType="primFontSz" fact="0.1"/>
+            <dgm:constr type="rMarg" refType="primFontSz" fact="0.1"/>
+            <dgm:constr type="primFontSz" val="65"/>
+          </dgm:constrLst>
+          <dgm:ruleLst>
+            <dgm:rule type="primFontSz" val="5" fact="NaN" max="NaN"/>
+          </dgm:ruleLst>
+        </dgm:layoutNode>
+      </dgm:if>
+      <dgm:else name="Name97"/>
+    </dgm:choose>
+    <dgm:choose name="Name98">
+      <dgm:if name="Name99" axis="ch" ptType="node" func="cnt" op="gte" val="4">
+        <dgm:layoutNode name="wedge4">
+          <dgm:alg type="sp"/>
+          <dgm:choose name="Name100">
+            <dgm:if name="Name101" axis="ch" ptType="node" func="cnt" op="equ" val="4">
+              <dgm:shape xmlns:r="http://schemas.openxmlformats.org/officeDocument/2006/relationships" type="pie" r:blip="">
+                <dgm:adjLst>
+                  <dgm:adj idx="1" val="180"/>
+                  <dgm:adj idx="2" val="270"/>
+                </dgm:adjLst>
+              </dgm:shape>
+            </dgm:if>
+            <dgm:if name="Name102" axis="ch" ptType="node" func="cnt" op="equ" val="5">
+              <dgm:shape xmlns:r="http://schemas.openxmlformats.org/officeDocument/2006/relationships" type="pie" r:blip="">
+                <dgm:adjLst>
+                  <dgm:adj idx="1" val="126"/>
+                  <dgm:adj idx="2" val="198"/>
+                </dgm:adjLst>
+              </dgm:shape>
+            </dgm:if>
+            <dgm:if name="Name103" axis="ch" ptType="node" func="cnt" op="equ" val="6">
+              <dgm:shape xmlns:r="http://schemas.openxmlformats.org/officeDocument/2006/relationships" type="pie" r:blip="">
+                <dgm:adjLst>
+                  <dgm:adj idx="1" val="90"/>
+                  <dgm:adj idx="2" val="150"/>
+                </dgm:adjLst>
+              </dgm:shape>
+            </dgm:if>
+            <dgm:else name="Name104">
+              <dgm:shape xmlns:r="http://schemas.openxmlformats.org/officeDocument/2006/relationships" type="pie" r:blip="">
+                <dgm:adjLst>
+                  <dgm:adj idx="1" val="64.2871"/>
+                  <dgm:adj idx="2" val="115.7143"/>
+                </dgm:adjLst>
+              </dgm:shape>
+            </dgm:else>
+          </dgm:choose>
+          <dgm:choose name="Name105">
+            <dgm:if name="Name106" func="var" arg="dir" op="equ" val="norm">
+              <dgm:presOf axis="ch desOrSelf" ptType="node node" st="4 1" cnt="1 0"/>
+            </dgm:if>
+            <dgm:else name="Name107">
+              <dgm:choose name="Name108">
+                <dgm:if name="Name109" axis="ch" ptType="node" func="cnt" op="equ" val="4">
+                  <dgm:presOf axis="ch desOrSelf" ptType="node node" st="1 1" cnt="1 0"/>
+                </dgm:if>
+                <dgm:if name="Name110" axis="ch" ptType="node" func="cnt" op="equ" val="5">
+                  <dgm:presOf axis="ch desOrSelf" ptType="node node" st="2 1" cnt="1 0"/>
+                </dgm:if>
+                <dgm:if name="Name111" axis="ch" ptType="node" func="cnt" op="equ" val="6">
+                  <dgm:presOf axis="ch desOrSelf" ptType="node node" st="3 1" cnt="1 0"/>
+                </dgm:if>
+                <dgm:else name="Name112">
+                  <dgm:presOf axis="ch desOrSelf" ptType="node node" st="4 1" cnt="1 0"/>
+                </dgm:else>
+              </dgm:choose>
+            </dgm:else>
+          </dgm:choose>
+          <dgm:constrLst/>
+          <dgm:ruleLst/>
+        </dgm:layoutNode>
+        <dgm:layoutNode name="dummy4a" moveWith="wedge4">
+          <dgm:alg type="sp"/>
+          <dgm:shape xmlns:r="http://schemas.openxmlformats.org/officeDocument/2006/relationships" r:blip="">
+            <dgm:adjLst/>
+          </dgm:shape>
+          <dgm:presOf/>
+          <dgm:constrLst>
+            <dgm:constr type="w" val="1"/>
+            <dgm:constr type="h" val="1"/>
+          </dgm:constrLst>
+          <dgm:ruleLst/>
+        </dgm:layoutNode>
+        <dgm:layoutNode name="dummy4b" moveWith="wedge4">
+          <dgm:alg type="sp"/>
+          <dgm:shape xmlns:r="http://schemas.openxmlformats.org/officeDocument/2006/relationships" r:blip="">
+            <dgm:adjLst/>
+          </dgm:shape>
+          <dgm:presOf/>
+          <dgm:constrLst>
+            <dgm:constr type="w" val="1"/>
+            <dgm:constr type="h" val="1"/>
+          </dgm:constrLst>
+          <dgm:ruleLst/>
+        </dgm:layoutNode>
+        <dgm:layoutNode name="wedge4Tx" moveWith="wedge4">
+          <dgm:varLst>
+            <dgm:chMax val="0"/>
+            <dgm:chPref val="0"/>
+            <dgm:bulletEnabled val="1"/>
+          </dgm:varLst>
+          <dgm:alg type="tx"/>
+          <dgm:shape xmlns:r="http://schemas.openxmlformats.org/officeDocument/2006/relationships" type="rect" r:blip="" hideGeom="1">
+            <dgm:adjLst/>
+          </dgm:shape>
+          <dgm:choose name="Name113">
+            <dgm:if name="Name114" func="var" arg="dir" op="equ" val="norm">
+              <dgm:presOf axis="ch desOrSelf" ptType="node node" st="4 1" cnt="1 0"/>
+            </dgm:if>
+            <dgm:else name="Name115">
+              <dgm:choose name="Name116">
+                <dgm:if name="Name117" axis="ch" ptType="node" func="cnt" op="equ" val="4">
+                  <dgm:presOf axis="ch desOrSelf" ptType="node node" st="1 1" cnt="1 0"/>
+                </dgm:if>
+                <dgm:if name="Name118" axis="ch" ptType="node" func="cnt" op="equ" val="5">
+                  <dgm:presOf axis="ch desOrSelf" ptType="node node" st="2 1" cnt="1 0"/>
+                </dgm:if>
+                <dgm:if name="Name119" axis="ch" ptType="node" func="cnt" op="equ" val="6">
+                  <dgm:presOf axis="ch desOrSelf" ptType="node node" st="3 1" cnt="1 0"/>
+                </dgm:if>
+                <dgm:else name="Name120">
+                  <dgm:presOf axis="ch desOrSelf" ptType="node node" st="4 1" cnt="1 0"/>
+                </dgm:else>
+              </dgm:choose>
+            </dgm:else>
+          </dgm:choose>
+          <dgm:constrLst>
+            <dgm:constr type="tMarg" refType="primFontSz" fact="0.1"/>
+            <dgm:constr type="bMarg" refType="primFontSz" fact="0.1"/>
+            <dgm:constr type="lMarg" refType="primFontSz" fact="0.1"/>
+            <dgm:constr type="rMarg" refType="primFontSz" fact="0.1"/>
+            <dgm:constr type="primFontSz" val="65"/>
+          </dgm:constrLst>
+          <dgm:ruleLst>
+            <dgm:rule type="primFontSz" val="5" fact="NaN" max="NaN"/>
+          </dgm:ruleLst>
+        </dgm:layoutNode>
+      </dgm:if>
+      <dgm:else name="Name121"/>
+    </dgm:choose>
+    <dgm:choose name="Name122">
+      <dgm:if name="Name123" axis="ch" ptType="node" func="cnt" op="gte" val="5">
+        <dgm:layoutNode name="wedge5">
+          <dgm:alg type="sp"/>
+          <dgm:choose name="Name124">
+            <dgm:if name="Name125" axis="ch" ptType="node" func="cnt" op="equ" val="5">
+              <dgm:shape xmlns:r="http://schemas.openxmlformats.org/officeDocument/2006/relationships" type="pie" r:blip="">
+                <dgm:adjLst>
+                  <dgm:adj idx="1" val="198"/>
+                  <dgm:adj idx="2" val="270"/>
+                </dgm:adjLst>
+              </dgm:shape>
+            </dgm:if>
+            <dgm:if name="Name126" axis="ch" ptType="node" func="cnt" op="equ" val="6">
+              <dgm:shape xmlns:r="http://schemas.openxmlformats.org/officeDocument/2006/relationships" type="pie" r:blip="">
+                <dgm:adjLst>
+                  <dgm:adj idx="1" val="150"/>
+                  <dgm:adj idx="2" val="210"/>
+                </dgm:adjLst>
+              </dgm:shape>
+            </dgm:if>
+            <dgm:else name="Name127">
+              <dgm:shape xmlns:r="http://schemas.openxmlformats.org/officeDocument/2006/relationships" type="pie" r:blip="">
+                <dgm:adjLst>
+                  <dgm:adj idx="1" val="115.7143"/>
+                  <dgm:adj idx="2" val="167.1429"/>
+                </dgm:adjLst>
+              </dgm:shape>
+            </dgm:else>
+          </dgm:choose>
+          <dgm:choose name="Name128">
+            <dgm:if name="Name129" func="var" arg="dir" op="equ" val="norm">
+              <dgm:presOf axis="ch desOrSelf" ptType="node node" st="5 1" cnt="1 0"/>
+            </dgm:if>
+            <dgm:else name="Name130">
+              <dgm:choose name="Name131">
+                <dgm:if name="Name132" axis="ch" ptType="node" func="cnt" op="equ" val="5">
+                  <dgm:presOf axis="ch desOrSelf" ptType="node node" st="1 1" cnt="1 0"/>
+                </dgm:if>
+                <dgm:if name="Name133" axis="ch" ptType="node" func="cnt" op="equ" val="6">
+                  <dgm:presOf axis="ch desOrSelf" ptType="node node" st="2 1" cnt="1 0"/>
+                </dgm:if>
+                <dgm:else name="Name134">
+                  <dgm:presOf axis="ch desOrSelf" ptType="node node" st="3 1" cnt="1 0"/>
+                </dgm:else>
+              </dgm:choose>
+            </dgm:else>
+          </dgm:choose>
+          <dgm:constrLst/>
+          <dgm:ruleLst/>
+        </dgm:layoutNode>
+        <dgm:layoutNode name="dummy5a" moveWith="wedge5">
+          <dgm:alg type="sp"/>
+          <dgm:shape xmlns:r="http://schemas.openxmlformats.org/officeDocument/2006/relationships" r:blip="">
+            <dgm:adjLst/>
+          </dgm:shape>
+          <dgm:presOf/>
+          <dgm:constrLst>
+            <dgm:constr type="w" val="1"/>
+            <dgm:constr type="h" val="1"/>
+          </dgm:constrLst>
+          <dgm:ruleLst/>
+        </dgm:layoutNode>
+        <dgm:layoutNode name="dummy5b" moveWith="wedge5">
+          <dgm:alg type="sp"/>
+          <dgm:shape xmlns:r="http://schemas.openxmlformats.org/officeDocument/2006/relationships" r:blip="">
+            <dgm:adjLst/>
+          </dgm:shape>
+          <dgm:presOf/>
+          <dgm:constrLst>
+            <dgm:constr type="w" val="1"/>
+            <dgm:constr type="h" val="1"/>
+          </dgm:constrLst>
+          <dgm:ruleLst/>
+        </dgm:layoutNode>
+        <dgm:layoutNode name="wedge5Tx" moveWith="wedge5">
+          <dgm:varLst>
+            <dgm:chMax val="0"/>
+            <dgm:chPref val="0"/>
+            <dgm:bulletEnabled val="1"/>
+          </dgm:varLst>
+          <dgm:alg type="tx"/>
+          <dgm:shape xmlns:r="http://schemas.openxmlformats.org/officeDocument/2006/relationships" type="rect" r:blip="" hideGeom="1">
+            <dgm:adjLst/>
+          </dgm:shape>
+          <dgm:choose name="Name135">
+            <dgm:if name="Name136" func="var" arg="dir" op="equ" val="norm">
+              <dgm:presOf axis="ch desOrSelf" ptType="node node" st="5 1" cnt="1 0"/>
+            </dgm:if>
+            <dgm:else name="Name137">
+              <dgm:choose name="Name138">
+                <dgm:if name="Name139" axis="ch" ptType="node" func="cnt" op="equ" val="5">
+                  <dgm:presOf axis="ch desOrSelf" ptType="node node" st="1 1" cnt="1 0"/>
+                </dgm:if>
+                <dgm:if name="Name140" axis="ch" ptType="node" func="cnt" op="equ" val="6">
+                  <dgm:presOf axis="ch desOrSelf" ptType="node node" st="2 1" cnt="1 0"/>
+                </dgm:if>
+                <dgm:else name="Name141">
+                  <dgm:presOf axis="ch desOrSelf" ptType="node node" st="3 1" cnt="1 0"/>
+                </dgm:else>
+              </dgm:choose>
+            </dgm:else>
+          </dgm:choose>
+          <dgm:constrLst>
+            <dgm:constr type="tMarg" refType="primFontSz" fact="0.1"/>
+            <dgm:constr type="bMarg" refType="primFontSz" fact="0.1"/>
+            <dgm:constr type="lMarg" refType="primFontSz" fact="0.1"/>
+            <dgm:constr type="rMarg" refType="primFontSz" fact="0.1"/>
+            <dgm:constr type="primFontSz" val="65"/>
+          </dgm:constrLst>
+          <dgm:ruleLst>
+            <dgm:rule type="primFontSz" val="5" fact="NaN" max="NaN"/>
+          </dgm:ruleLst>
+        </dgm:layoutNode>
+      </dgm:if>
+      <dgm:else name="Name142"/>
+    </dgm:choose>
+    <dgm:choose name="Name143">
+      <dgm:if name="Name144" axis="ch" ptType="node" func="cnt" op="gte" val="6">
+        <dgm:layoutNode name="wedge6">
+          <dgm:alg type="sp"/>
+          <dgm:choose name="Name145">
+            <dgm:if name="Name146" axis="ch" ptType="node" func="cnt" op="equ" val="6">
+              <dgm:shape xmlns:r="http://schemas.openxmlformats.org/officeDocument/2006/relationships" type="pie" r:blip="">
+                <dgm:adjLst>
+                  <dgm:adj idx="1" val="210"/>
+                  <dgm:adj idx="2" val="270"/>
+                </dgm:adjLst>
+              </dgm:shape>
+            </dgm:if>
+            <dgm:else name="Name147">
+              <dgm:shape xmlns:r="http://schemas.openxmlformats.org/officeDocument/2006/relationships" type="pie" r:blip="">
+                <dgm:adjLst>
+                  <dgm:adj idx="1" val="167.1429"/>
+                  <dgm:adj idx="2" val="218.5714"/>
+                </dgm:adjLst>
+              </dgm:shape>
+            </dgm:else>
+          </dgm:choose>
+          <dgm:choose name="Name148">
+            <dgm:if name="Name149" func="var" arg="dir" op="equ" val="norm">
+              <dgm:presOf axis="ch desOrSelf" ptType="node node" st="6 1" cnt="1 0"/>
+            </dgm:if>
+            <dgm:else name="Name150">
+              <dgm:choose name="Name151">
+                <dgm:if name="Name152" axis="ch" ptType="node" func="cnt" op="equ" val="6">
+                  <dgm:presOf axis="ch desOrSelf" ptType="node node" st="1 1" cnt="1 0"/>
+                </dgm:if>
+                <dgm:else name="Name153">
+                  <dgm:presOf axis="ch desOrSelf" ptType="node node" st="2 1" cnt="1 0"/>
+                </dgm:else>
+              </dgm:choose>
+            </dgm:else>
+          </dgm:choose>
+          <dgm:constrLst/>
+          <dgm:ruleLst/>
+        </dgm:layoutNode>
+        <dgm:layoutNode name="dummy6a" moveWith="wedge6">
+          <dgm:alg type="sp"/>
+          <dgm:shape xmlns:r="http://schemas.openxmlformats.org/officeDocument/2006/relationships" r:blip="">
+            <dgm:adjLst/>
+          </dgm:shape>
+          <dgm:presOf/>
+          <dgm:constrLst>
+            <dgm:constr type="w" val="1"/>
+            <dgm:constr type="h" val="1"/>
+          </dgm:constrLst>
+          <dgm:ruleLst/>
+        </dgm:layoutNode>
+        <dgm:layoutNode name="dummy6b" moveWith="wedge6">
+          <dgm:alg type="sp"/>
+          <dgm:shape xmlns:r="http://schemas.openxmlformats.org/officeDocument/2006/relationships" r:blip="">
+            <dgm:adjLst/>
+          </dgm:shape>
+          <dgm:presOf/>
+          <dgm:constrLst>
+            <dgm:constr type="w" val="1"/>
+            <dgm:constr type="h" val="1"/>
+          </dgm:constrLst>
+          <dgm:ruleLst/>
+        </dgm:layoutNode>
+        <dgm:layoutNode name="wedge6Tx" moveWith="wedge6">
+          <dgm:varLst>
+            <dgm:chMax val="0"/>
+            <dgm:chPref val="0"/>
+            <dgm:bulletEnabled val="1"/>
+          </dgm:varLst>
+          <dgm:alg type="tx"/>
+          <dgm:shape xmlns:r="http://schemas.openxmlformats.org/officeDocument/2006/relationships" type="rect" r:blip="" hideGeom="1">
+            <dgm:adjLst/>
+          </dgm:shape>
+          <dgm:choose name="Name154">
+            <dgm:if name="Name155" func="var" arg="dir" op="equ" val="norm">
+              <dgm:presOf axis="ch desOrSelf" ptType="node node" st="6 1" cnt="1 0"/>
+            </dgm:if>
+            <dgm:else name="Name156">
+              <dgm:choose name="Name157">
+                <dgm:if name="Name158" axis="ch" ptType="node" func="cnt" op="equ" val="6">
+                  <dgm:presOf axis="ch desOrSelf" ptType="node node" st="1 1" cnt="1 0"/>
+                </dgm:if>
+                <dgm:else name="Name159">
+                  <dgm:presOf axis="ch desOrSelf" ptType="node node" st="2 1" cnt="1 0"/>
+                </dgm:else>
+              </dgm:choose>
+            </dgm:else>
+          </dgm:choose>
+          <dgm:constrLst>
+            <dgm:constr type="tMarg" refType="primFontSz" fact="0.1"/>
+            <dgm:constr type="bMarg" refType="primFontSz" fact="0.1"/>
+            <dgm:constr type="lMarg" refType="primFontSz" fact="0.1"/>
+            <dgm:constr type="rMarg" refType="primFontSz" fact="0.1"/>
+            <dgm:constr type="primFontSz" val="65"/>
+          </dgm:constrLst>
+          <dgm:ruleLst>
+            <dgm:rule type="primFontSz" val="5" fact="NaN" max="NaN"/>
+          </dgm:ruleLst>
+        </dgm:layoutNode>
+      </dgm:if>
+      <dgm:else name="Name160"/>
+    </dgm:choose>
+    <dgm:choose name="Name161">
+      <dgm:if name="Name162" axis="ch" ptType="node" func="cnt" op="gte" val="7">
+        <dgm:layoutNode name="wedge7">
+          <dgm:alg type="sp"/>
+          <dgm:shape xmlns:r="http://schemas.openxmlformats.org/officeDocument/2006/relationships" type="pie" r:blip="">
+            <dgm:adjLst>
+              <dgm:adj idx="1" val="218.5714"/>
+              <dgm:adj idx="2" val="270"/>
+            </dgm:adjLst>
+          </dgm:shape>
+          <dgm:choose name="Name163">
+            <dgm:if name="Name164" func="var" arg="dir" op="equ" val="norm">
+              <dgm:presOf axis="ch desOrSelf" ptType="node node" st="7 1" cnt="1 0"/>
+            </dgm:if>
+            <dgm:else name="Name165">
+              <dgm:presOf axis="ch desOrSelf" ptType="node node" st="1 1" cnt="1 0"/>
+            </dgm:else>
+          </dgm:choose>
+          <dgm:constrLst/>
+          <dgm:ruleLst/>
+        </dgm:layoutNode>
+        <dgm:layoutNode name="dummy7a" moveWith="wedge7">
+          <dgm:alg type="sp"/>
+          <dgm:shape xmlns:r="http://schemas.openxmlformats.org/officeDocument/2006/relationships" r:blip="">
+            <dgm:adjLst/>
+          </dgm:shape>
+          <dgm:presOf/>
+          <dgm:constrLst>
+            <dgm:constr type="w" val="1"/>
+            <dgm:constr type="h" val="1"/>
+          </dgm:constrLst>
+          <dgm:ruleLst/>
+        </dgm:layoutNode>
+        <dgm:layoutNode name="dummy7b" moveWith="wedge7">
+          <dgm:alg type="sp"/>
+          <dgm:shape xmlns:r="http://schemas.openxmlformats.org/officeDocument/2006/relationships" r:blip="">
+            <dgm:adjLst/>
+          </dgm:shape>
+          <dgm:presOf/>
+          <dgm:constrLst>
+            <dgm:constr type="w" val="1"/>
+            <dgm:constr type="h" val="1"/>
+          </dgm:constrLst>
+          <dgm:ruleLst/>
+        </dgm:layoutNode>
+        <dgm:layoutNode name="wedge7Tx" moveWith="wedge7">
+          <dgm:varLst>
+            <dgm:chMax val="0"/>
+            <dgm:chPref val="0"/>
+            <dgm:bulletEnabled val="1"/>
+          </dgm:varLst>
+          <dgm:alg type="tx"/>
+          <dgm:shape xmlns:r="http://schemas.openxmlformats.org/officeDocument/2006/relationships" type="rect" r:blip="" hideGeom="1">
+            <dgm:adjLst/>
+          </dgm:shape>
+          <dgm:choose name="Name166">
+            <dgm:if name="Name167" func="var" arg="dir" op="equ" val="norm">
+              <dgm:presOf axis="ch desOrSelf" ptType="node node" st="7 1" cnt="1 0"/>
+            </dgm:if>
+            <dgm:else name="Name168">
+              <dgm:presOf axis="ch desOrSelf" ptType="node node" st="1 1" cnt="1 0"/>
+            </dgm:else>
+          </dgm:choose>
+          <dgm:constrLst>
+            <dgm:constr type="tMarg" refType="primFontSz" fact="0.1"/>
+            <dgm:constr type="bMarg" refType="primFontSz" fact="0.1"/>
+            <dgm:constr type="lMarg" refType="primFontSz" fact="0.1"/>
+            <dgm:constr type="rMarg" refType="primFontSz" fact="0.1"/>
+            <dgm:constr type="primFontSz" val="65"/>
+          </dgm:constrLst>
+          <dgm:ruleLst>
+            <dgm:rule type="primFontSz" val="5" fact="NaN" max="NaN"/>
+          </dgm:ruleLst>
+        </dgm:layoutNode>
+      </dgm:if>
+      <dgm:else name="Name169"/>
+    </dgm:choose>
+    <dgm:choose name="Name170">
+      <dgm:if name="Name171" axis="ch" ptType="node" func="cnt" op="equ" val="1">
+        <dgm:forEach name="Name172" axis="ch" ptType="sibTrans" hideLastTrans="0" cnt="1">
+          <dgm:layoutNode name="arrowWedge1single" styleLbl="fgSibTrans2D1">
+            <dgm:choose name="Name173">
+              <dgm:if name="Name174" func="var" arg="dir" op="equ" val="norm">
+                <dgm:alg type="conn">
+                  <dgm:param type="connRout" val="longCurve"/>
+                  <dgm:param type="srcNode" val="dummy1a"/>
+                  <dgm:param type="dstNode" val="dummy1b"/>
+                  <dgm:param type="begPts" val="tL"/>
+                  <dgm:param type="endPts" val="tR"/>
+                  <dgm:param type="begSty" val="arr"/>
+                  <dgm:param type="endSty" val="noArr"/>
+                </dgm:alg>
+              </dgm:if>
+              <dgm:else name="Name175">
+                <dgm:alg type="conn">
+                  <dgm:param type="connRout" val="longCurve"/>
+                  <dgm:param type="srcNode" val="dummy1a"/>
+                  <dgm:param type="dstNode" val="dummy1b"/>
+                  <dgm:param type="begPts" val="tL"/>
+                  <dgm:param type="endPts" val="tR"/>
+                  <dgm:param type="begSty" val="noArr"/>
+                  <dgm:param type="endSty" val="arr"/>
+                </dgm:alg>
+              </dgm:else>
+            </dgm:choose>
+            <dgm:shape xmlns:r="http://schemas.openxmlformats.org/officeDocument/2006/relationships" type="conn" r:blip="">
               <dgm:adjLst/>
             </dgm:shape>
             <dgm:presOf/>
             <dgm:constrLst>
-              <dgm:constr type="h" refType="w"/>
+              <dgm:constr type="w" val="1"/>
+              <dgm:constr type="begPad"/>
+              <dgm:constr type="endPad"/>
             </dgm:constrLst>
             <dgm:ruleLst/>
           </dgm:layoutNode>
-          <dgm:forEach name="Name15" axis="followSib" ptType="sibTrans" hideLastTrans="0" cnt="1">
-            <dgm:layoutNode name="sibTrans">
-              <dgm:alg type="conn">
-                <dgm:param type="dim" val="1D"/>
-                <dgm:param type="connRout" val="curve"/>
-                <dgm:param type="begPts" val="radial"/>
-                <dgm:param type="endPts" val="radial"/>
-              </dgm:alg>
-              <dgm:shape xmlns:r="http://schemas.openxmlformats.org/officeDocument/2006/relationships" type="conn" r:blip="">
-                <dgm:adjLst/>
-              </dgm:shape>
-              <dgm:presOf axis="self"/>
-              <dgm:constrLst>
-                <dgm:constr type="h" refType="w" fact="0.65"/>
-                <dgm:constr type="connDist"/>
-                <dgm:constr type="begPad" refType="connDist" fact="0.2"/>
-                <dgm:constr type="endPad" refType="connDist" fact="0.2"/>
-              </dgm:constrLst>
-              <dgm:ruleLst/>
-            </dgm:layoutNode>
-          </dgm:forEach>
-        </dgm:if>
-        <dgm:else name="Name16"/>
-      </dgm:choose>
+        </dgm:forEach>
+      </dgm:if>
+      <dgm:if name="Name176" axis="ch" ptType="node" func="cnt" op="gte" val="2">
+        <dgm:forEach name="Name177" axis="ch" ptType="sibTrans" hideLastTrans="0" cnt="1">
+          <dgm:layoutNode name="arrowWedge1" styleLbl="fgSibTrans2D1">
+            <dgm:choose name="Name178">
+              <dgm:if name="Name179" func="var" arg="dir" op="equ" val="norm">
+                <dgm:alg type="conn">
+                  <dgm:param type="connRout" val="curve"/>
+                  <dgm:param type="srcNode" val="dummy1a"/>
+                  <dgm:param type="dstNode" val="dummy1b"/>
+                  <dgm:param type="begPts" val="tL"/>
+                  <dgm:param type="endPts" val="tL"/>
+                  <dgm:param type="begSty" val="noArr"/>
+                  <dgm:param type="endSty" val="arr"/>
+                </dgm:alg>
+              </dgm:if>
+              <dgm:else name="Name180">
+                <dgm:alg type="conn">
+                  <dgm:param type="connRout" val="curve"/>
+                  <dgm:param type="srcNode" val="dummy1a"/>
+                  <dgm:param type="dstNode" val="dummy1b"/>
+                  <dgm:param type="begPts" val="tL"/>
+                  <dgm:param type="endPts" val="tL"/>
+                  <dgm:param type="begSty" val="arr"/>
+                  <dgm:param type="endSty" val="noArr"/>
+                </dgm:alg>
+              </dgm:else>
+            </dgm:choose>
+            <dgm:shape xmlns:r="http://schemas.openxmlformats.org/officeDocument/2006/relationships" type="conn" r:blip="">
+              <dgm:adjLst/>
+            </dgm:shape>
+            <dgm:presOf/>
+            <dgm:constrLst>
+              <dgm:constr type="w" val="1"/>
+              <dgm:constr type="begPad"/>
+              <dgm:constr type="endPad"/>
+            </dgm:constrLst>
+            <dgm:ruleLst/>
+          </dgm:layoutNode>
+        </dgm:forEach>
+      </dgm:if>
+      <dgm:else name="Name181"/>
+    </dgm:choose>
+    <dgm:forEach name="Name182" axis="ch" ptType="sibTrans" hideLastTrans="0" st="2" cnt="1">
+      <dgm:layoutNode name="arrowWedge2" styleLbl="fgSibTrans2D1">
+        <dgm:choose name="Name183">
+          <dgm:if name="Name184" func="var" arg="dir" op="equ" val="norm">
+            <dgm:alg type="conn">
+              <dgm:param type="connRout" val="curve"/>
+              <dgm:param type="srcNode" val="dummy2a"/>
+              <dgm:param type="dstNode" val="dummy2b"/>
+              <dgm:param type="begPts" val="tL"/>
+              <dgm:param type="endPts" val="tL"/>
+              <dgm:param type="begSty" val="noArr"/>
+              <dgm:param type="endSty" val="arr"/>
+            </dgm:alg>
+          </dgm:if>
+          <dgm:else name="Name185">
+            <dgm:alg type="conn">
+              <dgm:param type="connRout" val="curve"/>
+              <dgm:param type="srcNode" val="dummy2a"/>
+              <dgm:param type="dstNode" val="dummy2b"/>
+              <dgm:param type="begPts" val="tL"/>
+              <dgm:param type="endPts" val="tL"/>
+              <dgm:param type="begSty" val="arr"/>
+              <dgm:param type="endSty" val="noArr"/>
+            </dgm:alg>
+          </dgm:else>
+        </dgm:choose>
+        <dgm:shape xmlns:r="http://schemas.openxmlformats.org/officeDocument/2006/relationships" type="conn" r:blip="">
+          <dgm:adjLst/>
+        </dgm:shape>
+        <dgm:presOf/>
+        <dgm:constrLst>
+          <dgm:constr type="w" val="1"/>
+          <dgm:constr type="begPad"/>
+          <dgm:constr type="endPad"/>
+        </dgm:constrLst>
+        <dgm:ruleLst/>
+      </dgm:layoutNode>
+    </dgm:forEach>
+    <dgm:forEach name="Name186" axis="ch" ptType="sibTrans" hideLastTrans="0" st="3" cnt="1">
+      <dgm:layoutNode name="arrowWedge3" styleLbl="fgSibTrans2D1">
+        <dgm:choose name="Name187">
+          <dgm:if name="Name188" func="var" arg="dir" op="equ" val="norm">
+            <dgm:alg type="conn">
+              <dgm:param type="connRout" val="curve"/>
+              <dgm:param type="srcNode" val="dummy3a"/>
+              <dgm:param type="dstNode" val="dummy3b"/>
+              <dgm:param type="begPts" val="tL"/>
+              <dgm:param type="endPts" val="tL"/>
+              <dgm:param type="begSty" val="noArr"/>
+              <dgm:param type="endSty" val="arr"/>
+            </dgm:alg>
+          </dgm:if>
+          <dgm:else name="Name189">
+            <dgm:alg type="conn">
+              <dgm:param type="connRout" val="curve"/>
+              <dgm:param type="srcNode" val="dummy3a"/>
+              <dgm:param type="dstNode" val="dummy3b"/>
+              <dgm:param type="begPts" val="tL"/>
+              <dgm:param type="endPts" val="tL"/>
+              <dgm:param type="begSty" val="arr"/>
+              <dgm:param type="endSty" val="noArr"/>
+            </dgm:alg>
+          </dgm:else>
+        </dgm:choose>
+        <dgm:shape xmlns:r="http://schemas.openxmlformats.org/officeDocument/2006/relationships" type="conn" r:blip="">
+          <dgm:adjLst/>
+        </dgm:shape>
+        <dgm:presOf/>
+        <dgm:constrLst>
+          <dgm:constr type="w" val="1"/>
+          <dgm:constr type="begPad"/>
+          <dgm:constr type="endPad"/>
+        </dgm:constrLst>
+        <dgm:ruleLst/>
+      </dgm:layoutNode>
+    </dgm:forEach>
+    <dgm:forEach name="Name190" axis="ch" ptType="sibTrans" hideLastTrans="0" st="4" cnt="1">
+      <dgm:layoutNode name="arrowWedge4" styleLbl="fgSibTrans2D1">
+        <dgm:choose name="Name191">
+          <dgm:if name="Name192" func="var" arg="dir" op="equ" val="norm">
+            <dgm:alg type="conn">
+              <dgm:param type="connRout" val="curve"/>
+              <dgm:param type="srcNode" val="dummy4a"/>
+              <dgm:param type="dstNode" val="dummy4b"/>
+              <dgm:param type="begPts" val="tL"/>
+              <dgm:param type="endPts" val="tL"/>
+              <dgm:param type="begSty" val="noArr"/>
+              <dgm:param type="endSty" val="arr"/>
+            </dgm:alg>
+          </dgm:if>
+          <dgm:else name="Name193">
+            <dgm:alg type="conn">
+              <dgm:param type="connRout" val="curve"/>
+              <dgm:param type="srcNode" val="dummy4a"/>
+              <dgm:param type="dstNode" val="dummy4b"/>
+              <dgm:param type="begPts" val="tL"/>
+              <dgm:param type="endPts" val="tL"/>
+              <dgm:param type="begSty" val="arr"/>
+              <dgm:param type="endSty" val="noArr"/>
+            </dgm:alg>
+          </dgm:else>
+        </dgm:choose>
+        <dgm:shape xmlns:r="http://schemas.openxmlformats.org/officeDocument/2006/relationships" type="conn" r:blip="">
+          <dgm:adjLst/>
+        </dgm:shape>
+        <dgm:presOf/>
+        <dgm:constrLst>
+          <dgm:constr type="w" val="1"/>
+          <dgm:constr type="begPad"/>
+          <dgm:constr type="endPad"/>
+        </dgm:constrLst>
+        <dgm:ruleLst/>
+      </dgm:layoutNode>
+    </dgm:forEach>
+    <dgm:forEach name="Name194" axis="ch" ptType="sibTrans" hideLastTrans="0" st="5" cnt="1">
+      <dgm:layoutNode name="arrowWedge5" styleLbl="fgSibTrans2D1">
+        <dgm:choose name="Name195">
+          <dgm:if name="Name196" func="var" arg="dir" op="equ" val="norm">
+            <dgm:alg type="conn">
+              <dgm:param type="connRout" val="curve"/>
+              <dgm:param type="srcNode" val="dummy5a"/>
+              <dgm:param type="dstNode" val="dummy5b"/>
+              <dgm:param type="begPts" val="tL"/>
+              <dgm:param type="endPts" val="tL"/>
+              <dgm:param type="begSty" val="noArr"/>
+              <dgm:param type="endSty" val="arr"/>
+            </dgm:alg>
+          </dgm:if>
+          <dgm:else name="Name197">
+            <dgm:alg type="conn">
+              <dgm:param type="connRout" val="curve"/>
+              <dgm:param type="srcNode" val="dummy5a"/>
+              <dgm:param type="dstNode" val="dummy5b"/>
+              <dgm:param type="begPts" val="tL"/>
+              <dgm:param type="endPts" val="tL"/>
+              <dgm:param type="begSty" val="arr"/>
+              <dgm:param type="endSty" val="noArr"/>
+            </dgm:alg>
+          </dgm:else>
+        </dgm:choose>
+        <dgm:shape xmlns:r="http://schemas.openxmlformats.org/officeDocument/2006/relationships" type="conn" r:blip="">
+          <dgm:adjLst/>
+        </dgm:shape>
+        <dgm:presOf/>
+        <dgm:constrLst>
+          <dgm:constr type="w" val="1"/>
+          <dgm:constr type="begPad"/>
+          <dgm:constr type="endPad"/>
+        </dgm:constrLst>
+        <dgm:ruleLst/>
+      </dgm:layoutNode>
+    </dgm:forEach>
+    <dgm:forEach name="Name198" axis="ch" ptType="sibTrans" hideLastTrans="0" st="6" cnt="1">
+      <dgm:layoutNode name="arrowWedge6" styleLbl="fgSibTrans2D1">
+        <dgm:choose name="Name199">
+          <dgm:if name="Name200" func="var" arg="dir" op="equ" val="norm">
+            <dgm:alg type="conn">
+              <dgm:param type="connRout" val="curve"/>
+              <dgm:param type="srcNode" val="dummy6a"/>
+              <dgm:param type="dstNode" val="dummy6b"/>
+              <dgm:param type="begPts" val="tL"/>
+              <dgm:param type="endPts" val="tL"/>
+              <dgm:param type="begSty" val="noArr"/>
+              <dgm:param type="endSty" val="arr"/>
+            </dgm:alg>
+          </dgm:if>
+          <dgm:else name="Name201">
+            <dgm:alg type="conn">
+              <dgm:param type="connRout" val="curve"/>
+              <dgm:param type="srcNode" val="dummy6a"/>
+              <dgm:param type="dstNode" val="dummy6b"/>
+              <dgm:param type="begPts" val="tL"/>
+              <dgm:param type="endPts" val="tL"/>
+              <dgm:param type="begSty" val="arr"/>
+              <dgm:param type="endSty" val="noArr"/>
+            </dgm:alg>
+          </dgm:else>
+        </dgm:choose>
+        <dgm:shape xmlns:r="http://schemas.openxmlformats.org/officeDocument/2006/relationships" type="conn" r:blip="">
+          <dgm:adjLst/>
+        </dgm:shape>
+        <dgm:presOf/>
+        <dgm:constrLst>
+          <dgm:constr type="w" val="1"/>
+          <dgm:constr type="begPad"/>
+          <dgm:constr type="endPad"/>
+        </dgm:constrLst>
+        <dgm:ruleLst/>
+      </dgm:layoutNode>
+    </dgm:forEach>
+    <dgm:forEach name="Name202" axis="ch" ptType="sibTrans" hideLastTrans="0" st="7" cnt="1">
+      <dgm:layoutNode name="arrowWedge7" styleLbl="fgSibTrans2D1">
+        <dgm:choose name="Name203">
+          <dgm:if name="Name204" func="var" arg="dir" op="equ" val="norm">
+            <dgm:alg type="conn">
+              <dgm:param type="connRout" val="curve"/>
+              <dgm:param type="srcNode" val="dummy7a"/>
+              <dgm:param type="dstNode" val="dummy7b"/>
+              <dgm:param type="begPts" val="tL"/>
+              <dgm:param type="endPts" val="tL"/>
+              <dgm:param type="begSty" val="noArr"/>
+              <dgm:param type="endSty" val="arr"/>
+            </dgm:alg>
+          </dgm:if>
+          <dgm:else name="Name205">
+            <dgm:alg type="conn">
+              <dgm:param type="connRout" val="curve"/>
+              <dgm:param type="srcNode" val="dummy7a"/>
+              <dgm:param type="dstNode" val="dummy7b"/>
+              <dgm:param type="begPts" val="tL"/>
+              <dgm:param type="endPts" val="tL"/>
+              <dgm:param type="begSty" val="arr"/>
+              <dgm:param type="endSty" val="noArr"/>
+            </dgm:alg>
+          </dgm:else>
+        </dgm:choose>
+        <dgm:shape xmlns:r="http://schemas.openxmlformats.org/officeDocument/2006/relationships" type="conn" r:blip="">
+          <dgm:adjLst/>
+        </dgm:shape>
+        <dgm:presOf/>
+        <dgm:constrLst>
+          <dgm:constr type="w" val="1"/>
+          <dgm:constr type="begPad"/>
+          <dgm:constr type="endPad"/>
+        </dgm:constrLst>
+        <dgm:ruleLst/>
+      </dgm:layoutNode>
     </dgm:forEach>
   </dgm:layoutNode>
 </dgm:layoutDef>
@@ -7406,7 +8999,7 @@
           <a:p>
             <a:fld id="{35ACAB7E-9791-46EF-9C56-9B9A6246B142}" type="datetimeFigureOut">
               <a:rPr lang="en-AU" smtClean="0"/>
-              <a:t>4/04/2018</a:t>
+              <a:t>6/04/2018</a:t>
             </a:fld>
             <a:endParaRPr lang="en-AU"/>
           </a:p>
@@ -8159,7 +9752,7 @@
           <a:p>
             <a:fld id="{D3A58CAA-286E-417A-8488-C377A93EE4A8}" type="datetimeFigureOut">
               <a:rPr lang="en-AU" smtClean="0"/>
-              <a:t>4/04/2018</a:t>
+              <a:t>6/04/2018</a:t>
             </a:fld>
             <a:endParaRPr lang="en-AU"/>
           </a:p>
@@ -8359,7 +9952,7 @@
           <a:p>
             <a:fld id="{D3A58CAA-286E-417A-8488-C377A93EE4A8}" type="datetimeFigureOut">
               <a:rPr lang="en-AU" smtClean="0"/>
-              <a:t>4/04/2018</a:t>
+              <a:t>6/04/2018</a:t>
             </a:fld>
             <a:endParaRPr lang="en-AU"/>
           </a:p>
@@ -8569,7 +10162,7 @@
           <a:p>
             <a:fld id="{D3A58CAA-286E-417A-8488-C377A93EE4A8}" type="datetimeFigureOut">
               <a:rPr lang="en-AU" smtClean="0"/>
-              <a:t>4/04/2018</a:t>
+              <a:t>6/04/2018</a:t>
             </a:fld>
             <a:endParaRPr lang="en-AU"/>
           </a:p>
@@ -8769,7 +10362,7 @@
           <a:p>
             <a:fld id="{D3A58CAA-286E-417A-8488-C377A93EE4A8}" type="datetimeFigureOut">
               <a:rPr lang="en-AU" smtClean="0"/>
-              <a:t>4/04/2018</a:t>
+              <a:t>6/04/2018</a:t>
             </a:fld>
             <a:endParaRPr lang="en-AU"/>
           </a:p>
@@ -9045,7 +10638,7 @@
           <a:p>
             <a:fld id="{D3A58CAA-286E-417A-8488-C377A93EE4A8}" type="datetimeFigureOut">
               <a:rPr lang="en-AU" smtClean="0"/>
-              <a:t>4/04/2018</a:t>
+              <a:t>6/04/2018</a:t>
             </a:fld>
             <a:endParaRPr lang="en-AU"/>
           </a:p>
@@ -9313,7 +10906,7 @@
           <a:p>
             <a:fld id="{D3A58CAA-286E-417A-8488-C377A93EE4A8}" type="datetimeFigureOut">
               <a:rPr lang="en-AU" smtClean="0"/>
-              <a:t>4/04/2018</a:t>
+              <a:t>6/04/2018</a:t>
             </a:fld>
             <a:endParaRPr lang="en-AU"/>
           </a:p>
@@ -9728,7 +11321,7 @@
           <a:p>
             <a:fld id="{D3A58CAA-286E-417A-8488-C377A93EE4A8}" type="datetimeFigureOut">
               <a:rPr lang="en-AU" smtClean="0"/>
-              <a:t>4/04/2018</a:t>
+              <a:t>6/04/2018</a:t>
             </a:fld>
             <a:endParaRPr lang="en-AU"/>
           </a:p>
@@ -9870,7 +11463,7 @@
           <a:p>
             <a:fld id="{D3A58CAA-286E-417A-8488-C377A93EE4A8}" type="datetimeFigureOut">
               <a:rPr lang="en-AU" smtClean="0"/>
-              <a:t>4/04/2018</a:t>
+              <a:t>6/04/2018</a:t>
             </a:fld>
             <a:endParaRPr lang="en-AU"/>
           </a:p>
@@ -9983,7 +11576,7 @@
           <a:p>
             <a:fld id="{D3A58CAA-286E-417A-8488-C377A93EE4A8}" type="datetimeFigureOut">
               <a:rPr lang="en-AU" smtClean="0"/>
-              <a:t>4/04/2018</a:t>
+              <a:t>6/04/2018</a:t>
             </a:fld>
             <a:endParaRPr lang="en-AU"/>
           </a:p>
@@ -10296,7 +11889,7 @@
           <a:p>
             <a:fld id="{D3A58CAA-286E-417A-8488-C377A93EE4A8}" type="datetimeFigureOut">
               <a:rPr lang="en-AU" smtClean="0"/>
-              <a:t>4/04/2018</a:t>
+              <a:t>6/04/2018</a:t>
             </a:fld>
             <a:endParaRPr lang="en-AU"/>
           </a:p>
@@ -10585,7 +12178,7 @@
           <a:p>
             <a:fld id="{D3A58CAA-286E-417A-8488-C377A93EE4A8}" type="datetimeFigureOut">
               <a:rPr lang="en-AU" smtClean="0"/>
-              <a:t>4/04/2018</a:t>
+              <a:t>6/04/2018</a:t>
             </a:fld>
             <a:endParaRPr lang="en-AU"/>
           </a:p>
@@ -10828,7 +12421,7 @@
           <a:p>
             <a:fld id="{D3A58CAA-286E-417A-8488-C377A93EE4A8}" type="datetimeFigureOut">
               <a:rPr lang="en-AU" smtClean="0"/>
-              <a:t>4/04/2018</a:t>
+              <a:t>6/04/2018</a:t>
             </a:fld>
             <a:endParaRPr lang="en-AU"/>
           </a:p>
@@ -11478,7 +13071,7 @@
         </p:nvSpPr>
         <p:spPr>
           <a:xfrm>
-            <a:off x="1066800" y="92653"/>
+            <a:off x="1705631" y="301680"/>
             <a:ext cx="10058400" cy="656326"/>
           </a:xfrm>
         </p:spPr>
@@ -11534,7 +13127,7 @@
         </p:blipFill>
         <p:spPr>
           <a:xfrm>
-            <a:off x="1908518" y="2770799"/>
+            <a:off x="2598630" y="4178532"/>
             <a:ext cx="933981" cy="1005570"/>
           </a:xfrm>
           <a:prstGeom prst="rect">
@@ -11573,7 +13166,7 @@
         </p:blipFill>
         <p:spPr>
           <a:xfrm>
-            <a:off x="5679804" y="1868570"/>
+            <a:off x="6369916" y="2715589"/>
             <a:ext cx="662002" cy="662002"/>
           </a:xfrm>
           <a:prstGeom prst="rect">
@@ -11609,8 +13202,8 @@
         </p:blipFill>
         <p:spPr>
           <a:xfrm>
-            <a:off x="214676" y="1076996"/>
-            <a:ext cx="1169075" cy="1169075"/>
+            <a:off x="252299" y="3382596"/>
+            <a:ext cx="716396" cy="716396"/>
           </a:xfrm>
           <a:prstGeom prst="rect">
             <a:avLst/>
@@ -11631,8 +13224,8 @@
         </p:nvSpPr>
         <p:spPr>
           <a:xfrm>
-            <a:off x="152320" y="678417"/>
-            <a:ext cx="2123732" cy="400110"/>
+            <a:off x="40802" y="2509725"/>
+            <a:ext cx="2123732" cy="707886"/>
           </a:xfrm>
           <a:prstGeom prst="rect">
             <a:avLst/>
@@ -11646,8 +13239,14 @@
           <a:lstStyle/>
           <a:p>
             <a:r>
-              <a:rPr lang="en-AU" sz="2000" b="1" u="sng" dirty="0"/>
-              <a:t>Insurer Client App</a:t>
+              <a:rPr lang="en-AU" sz="2000" b="1" dirty="0"/>
+              <a:t>Insurer</a:t>
+            </a:r>
+          </a:p>
+          <a:p>
+            <a:r>
+              <a:rPr lang="en-AU" sz="2000" b="1" dirty="0"/>
+              <a:t>Client App</a:t>
             </a:r>
           </a:p>
         </p:txBody>
@@ -11666,8 +13265,8 @@
         </p:nvSpPr>
         <p:spPr>
           <a:xfrm>
-            <a:off x="1269204" y="1941003"/>
-            <a:ext cx="2309386" cy="646331"/>
+            <a:off x="1001480" y="4954156"/>
+            <a:ext cx="2309386" cy="400110"/>
           </a:xfrm>
           <a:prstGeom prst="rect">
             <a:avLst/>
@@ -11682,17 +13281,10 @@
           <a:p>
             <a:pPr algn="ctr"/>
             <a:r>
-              <a:rPr lang="en-AU" sz="2000" b="1" u="sng" dirty="0"/>
+              <a:rPr lang="en-AU" sz="2000" b="1" dirty="0"/>
               <a:t>Insurer API</a:t>
             </a:r>
-            <a:endParaRPr lang="en-AU" sz="1600" b="1" u="sng" dirty="0"/>
-          </a:p>
-          <a:p>
-            <a:pPr algn="ctr"/>
-            <a:r>
-              <a:rPr lang="en-AU" sz="1600" dirty="0"/>
-              <a:t>policy transactions</a:t>
-            </a:r>
+            <a:endParaRPr lang="en-AU" sz="1600" b="1" dirty="0"/>
           </a:p>
         </p:txBody>
       </p:sp>
@@ -11709,14 +13301,14 @@
           <p:nvPr>
             <p:extLst>
               <p:ext uri="{D42A27DB-BD31-4B8C-83A1-F6EECF244321}">
-                <p14:modId xmlns:p14="http://schemas.microsoft.com/office/powerpoint/2010/main" val="1415103806"/>
+                <p14:modId xmlns:p14="http://schemas.microsoft.com/office/powerpoint/2010/main" val="336789224"/>
               </p:ext>
             </p:extLst>
           </p:nvPr>
         </p:nvGraphicFramePr>
         <p:xfrm>
-          <a:off x="1061598" y="3962787"/>
-          <a:ext cx="2385095" cy="2114728"/>
+          <a:off x="2059697" y="1701945"/>
+          <a:ext cx="1871835" cy="1726133"/>
         </p:xfrm>
         <a:graphic>
           <a:graphicData uri="http://schemas.openxmlformats.org/drawingml/2006/diagram">
@@ -11738,8 +13330,8 @@
         </p:nvSpPr>
         <p:spPr>
           <a:xfrm>
-            <a:off x="5124645" y="2565299"/>
-            <a:ext cx="1905777" cy="553998"/>
+            <a:off x="5814757" y="3412318"/>
+            <a:ext cx="1905777" cy="400110"/>
           </a:xfrm>
           <a:prstGeom prst="rect">
             <a:avLst/>
@@ -11792,35 +13384,6 @@
               </a:solidFill>
             </a:endParaRPr>
           </a:p>
-          <a:p>
-            <a:r>
-              <a:rPr lang="en-AU" sz="1000" dirty="0">
-                <a:solidFill>
-                  <a:schemeClr val="accent1">
-                    <a:lumMod val="75000"/>
-                  </a:schemeClr>
-                </a:solidFill>
-              </a:rPr>
-              <a:t>Event Type - </a:t>
-            </a:r>
-            <a:r>
-              <a:rPr lang="en-AU" sz="1000" dirty="0" err="1">
-                <a:solidFill>
-                  <a:schemeClr val="accent1">
-                    <a:lumMod val="75000"/>
-                  </a:schemeClr>
-                </a:solidFill>
-              </a:rPr>
-              <a:t>Purchase.Fulfilled</a:t>
-            </a:r>
-            <a:endParaRPr lang="en-AU" sz="1000" dirty="0">
-              <a:solidFill>
-                <a:schemeClr val="accent1">
-                  <a:lumMod val="75000"/>
-                </a:schemeClr>
-              </a:solidFill>
-            </a:endParaRPr>
-          </a:p>
         </p:txBody>
       </p:sp>
       <p:pic>
@@ -11854,7 +13417,7 @@
         </p:blipFill>
         <p:spPr>
           <a:xfrm>
-            <a:off x="9274510" y="1662706"/>
+            <a:off x="9274510" y="2509725"/>
             <a:ext cx="933981" cy="1005570"/>
           </a:xfrm>
           <a:prstGeom prst="rect">
@@ -11876,8 +13439,8 @@
         </p:nvSpPr>
         <p:spPr>
           <a:xfrm>
-            <a:off x="9274510" y="886658"/>
-            <a:ext cx="3442900" cy="646331"/>
+            <a:off x="9803161" y="1905643"/>
+            <a:ext cx="1727166" cy="400110"/>
           </a:xfrm>
           <a:prstGeom prst="rect">
             <a:avLst/>
@@ -11891,14 +13454,8 @@
           <a:lstStyle/>
           <a:p>
             <a:r>
-              <a:rPr lang="en-AU" sz="2000" b="1" u="sng" dirty="0"/>
-              <a:t>Partner-A APIs</a:t>
-            </a:r>
-          </a:p>
-          <a:p>
-            <a:r>
-              <a:rPr lang="en-AU" sz="1600" dirty="0"/>
-              <a:t>distinct notification operations</a:t>
+              <a:rPr lang="en-AU" sz="2000" b="1" dirty="0"/>
+              <a:t>Partner-A API</a:t>
             </a:r>
           </a:p>
         </p:txBody>
@@ -11921,31 +13478,26 @@
         </p:nvCxnSpPr>
         <p:spPr>
           <a:xfrm flipV="1">
-            <a:off x="6341806" y="2165491"/>
-            <a:ext cx="2932704" cy="34080"/>
+            <a:off x="7031918" y="3012510"/>
+            <a:ext cx="2242592" cy="34080"/>
           </a:xfrm>
           <a:prstGeom prst="straightConnector1">
             <a:avLst/>
           </a:prstGeom>
-          <a:ln w="25400" cap="flat" cmpd="sng" algn="ctr">
-            <a:solidFill>
-              <a:schemeClr val="accent1"/>
-            </a:solidFill>
-            <a:prstDash val="dash"/>
-            <a:round/>
+          <a:ln>
             <a:headEnd type="none" w="med" len="med"/>
             <a:tailEnd type="arrow" w="lg" len="lg"/>
           </a:ln>
         </p:spPr>
         <p:style>
-          <a:lnRef idx="0">
-            <a:scrgbClr r="0" g="0" b="0"/>
+          <a:lnRef idx="3">
+            <a:schemeClr val="accent3"/>
           </a:lnRef>
           <a:fillRef idx="0">
-            <a:scrgbClr r="0" g="0" b="0"/>
+            <a:schemeClr val="accent3"/>
           </a:fillRef>
-          <a:effectRef idx="0">
-            <a:scrgbClr r="0" g="0" b="0"/>
+          <a:effectRef idx="2">
+            <a:schemeClr val="accent3"/>
           </a:effectRef>
           <a:fontRef idx="minor">
             <a:schemeClr val="tx1"/>
@@ -11966,7 +13518,7 @@
         </p:nvSpPr>
         <p:spPr>
           <a:xfrm>
-            <a:off x="7356453" y="1781789"/>
+            <a:off x="7356453" y="2628808"/>
             <a:ext cx="2234793" cy="307777"/>
           </a:xfrm>
           <a:prstGeom prst="rect">
@@ -11982,7 +13534,7 @@
           <a:p>
             <a:r>
               <a:rPr lang="en-AU" sz="1400" b="1" dirty="0"/>
-              <a:t>sub filter = “Partner-A”</a:t>
+              <a:t>3- sub filter = “Partner-A”</a:t>
             </a:r>
           </a:p>
         </p:txBody>
@@ -12018,7 +13570,7 @@
         </p:blipFill>
         <p:spPr>
           <a:xfrm>
-            <a:off x="9276156" y="5020151"/>
+            <a:off x="9225822" y="4189370"/>
             <a:ext cx="933981" cy="1005570"/>
           </a:xfrm>
           <a:prstGeom prst="rect">
@@ -12040,8 +13592,8 @@
         </p:nvSpPr>
         <p:spPr>
           <a:xfrm>
-            <a:off x="9274510" y="4324484"/>
-            <a:ext cx="2576711" cy="892552"/>
+            <a:off x="9803161" y="5271074"/>
+            <a:ext cx="2121464" cy="1138773"/>
           </a:xfrm>
           <a:prstGeom prst="rect">
             <a:avLst/>
@@ -12055,14 +13607,14 @@
           <a:lstStyle/>
           <a:p>
             <a:r>
-              <a:rPr lang="en-AU" sz="2000" b="1" u="sng" dirty="0"/>
+              <a:rPr lang="en-AU" sz="2000" b="1" dirty="0"/>
               <a:t>Partner-B API</a:t>
             </a:r>
           </a:p>
           <a:p>
             <a:r>
               <a:rPr lang="en-AU" sz="1600" dirty="0"/>
-              <a:t>single notification operation</a:t>
+              <a:t>light ping, follow-up query</a:t>
             </a:r>
           </a:p>
           <a:p>
@@ -12070,55 +13622,6 @@
           </a:p>
         </p:txBody>
       </p:sp>
-      <p:cxnSp>
-        <p:nvCxnSpPr>
-          <p:cNvPr id="42" name="Straight Arrow Connector 41">
-            <a:extLst>
-              <a:ext uri="{FF2B5EF4-FFF2-40B4-BE49-F238E27FC236}">
-                <a16:creationId xmlns:a16="http://schemas.microsoft.com/office/drawing/2014/main" id="{98DE44D6-5931-421E-BC1B-95B8ACA76E47}"/>
-              </a:ext>
-            </a:extLst>
-          </p:cNvPr>
-          <p:cNvCxnSpPr>
-            <a:cxnSpLocks/>
-            <a:stCxn id="9" idx="3"/>
-            <a:endCxn id="35" idx="1"/>
-          </p:cNvCxnSpPr>
-          <p:nvPr/>
-        </p:nvCxnSpPr>
-        <p:spPr>
-          <a:xfrm>
-            <a:off x="6341806" y="2199571"/>
-            <a:ext cx="2934350" cy="3323365"/>
-          </a:xfrm>
-          <a:prstGeom prst="straightConnector1">
-            <a:avLst/>
-          </a:prstGeom>
-          <a:ln w="25400" cap="flat" cmpd="sng" algn="ctr">
-            <a:solidFill>
-              <a:schemeClr val="accent1"/>
-            </a:solidFill>
-            <a:prstDash val="dash"/>
-            <a:round/>
-            <a:headEnd type="none" w="med" len="med"/>
-            <a:tailEnd type="arrow" w="lg" len="lg"/>
-          </a:ln>
-        </p:spPr>
-        <p:style>
-          <a:lnRef idx="0">
-            <a:scrgbClr r="0" g="0" b="0"/>
-          </a:lnRef>
-          <a:fillRef idx="0">
-            <a:scrgbClr r="0" g="0" b="0"/>
-          </a:fillRef>
-          <a:effectRef idx="0">
-            <a:scrgbClr r="0" g="0" b="0"/>
-          </a:effectRef>
-          <a:fontRef idx="minor">
-            <a:schemeClr val="tx1"/>
-          </a:fontRef>
-        </p:style>
-      </p:cxnSp>
       <p:sp>
         <p:nvSpPr>
           <p:cNvPr id="46" name="TextBox 45">
@@ -12133,7 +13636,7 @@
         </p:nvSpPr>
         <p:spPr>
           <a:xfrm>
-            <a:off x="4770590" y="1177839"/>
+            <a:off x="5462577" y="1841932"/>
             <a:ext cx="2464106" cy="615553"/>
           </a:xfrm>
           <a:prstGeom prst="rect">
@@ -12149,7 +13652,7 @@
           <a:p>
             <a:pPr algn="ctr"/>
             <a:r>
-              <a:rPr lang="en-AU" sz="2000" b="1" u="sng" dirty="0"/>
+              <a:rPr lang="en-AU" sz="2000" b="1" dirty="0"/>
               <a:t>Insurer HUB</a:t>
             </a:r>
           </a:p>
@@ -12159,7 +13662,7 @@
               <a:rPr lang="en-AU" sz="1400" dirty="0"/>
               <a:t>route events to subscribers</a:t>
             </a:r>
-            <a:endParaRPr lang="en-AU" sz="1400" b="1" u="sng" dirty="0"/>
+            <a:endParaRPr lang="en-AU" sz="1400" b="1" dirty="0"/>
           </a:p>
         </p:txBody>
       </p:sp>
@@ -12174,37 +13677,35 @@
           </p:cNvPr>
           <p:cNvCxnSpPr>
             <a:cxnSpLocks/>
-            <a:endCxn id="6" idx="1"/>
+            <a:stCxn id="11" idx="3"/>
+            <a:endCxn id="61" idx="6"/>
           </p:cNvCxnSpPr>
           <p:nvPr/>
         </p:nvCxnSpPr>
         <p:spPr>
-          <a:xfrm rot="16200000" flipH="1">
-            <a:off x="791304" y="2156369"/>
-            <a:ext cx="1119111" cy="1115317"/>
+          <a:xfrm>
+            <a:off x="968695" y="3740794"/>
+            <a:ext cx="2035482" cy="1273"/>
           </a:xfrm>
-          <a:prstGeom prst="bentConnector2">
-            <a:avLst/>
+          <a:prstGeom prst="bentConnector3">
+            <a:avLst>
+              <a:gd name="adj1" fmla="val 50000"/>
+            </a:avLst>
           </a:prstGeom>
-          <a:ln w="25400" cap="flat" cmpd="sng" algn="ctr">
-            <a:solidFill>
-              <a:schemeClr val="accent1"/>
-            </a:solidFill>
-            <a:prstDash val="dash"/>
-            <a:round/>
+          <a:ln>
             <a:headEnd type="none" w="med" len="med"/>
             <a:tailEnd type="arrow" w="lg" len="lg"/>
           </a:ln>
         </p:spPr>
         <p:style>
-          <a:lnRef idx="0">
-            <a:scrgbClr r="0" g="0" b="0"/>
+          <a:lnRef idx="3">
+            <a:schemeClr val="accent3"/>
           </a:lnRef>
           <a:fillRef idx="0">
-            <a:scrgbClr r="0" g="0" b="0"/>
+            <a:schemeClr val="accent3"/>
           </a:fillRef>
-          <a:effectRef idx="0">
-            <a:scrgbClr r="0" g="0" b="0"/>
+          <a:effectRef idx="2">
+            <a:schemeClr val="accent3"/>
           </a:effectRef>
           <a:fontRef idx="minor">
             <a:schemeClr val="tx1"/>
@@ -12229,31 +13730,26 @@
         </p:nvCxnSpPr>
         <p:spPr>
           <a:xfrm flipV="1">
-            <a:off x="2842499" y="2199073"/>
-            <a:ext cx="2103774" cy="1074511"/>
+            <a:off x="3532611" y="3046092"/>
+            <a:ext cx="2103774" cy="1635225"/>
           </a:xfrm>
           <a:prstGeom prst="curvedConnector3">
             <a:avLst/>
           </a:prstGeom>
-          <a:ln w="25400" cap="flat" cmpd="sng" algn="ctr">
-            <a:solidFill>
-              <a:schemeClr val="accent1"/>
-            </a:solidFill>
-            <a:prstDash val="dash"/>
-            <a:round/>
+          <a:ln>
             <a:headEnd type="none" w="med" len="med"/>
             <a:tailEnd type="arrow" w="lg" len="lg"/>
           </a:ln>
         </p:spPr>
         <p:style>
-          <a:lnRef idx="0">
-            <a:scrgbClr r="0" g="0" b="0"/>
+          <a:lnRef idx="3">
+            <a:schemeClr val="accent3"/>
           </a:lnRef>
           <a:fillRef idx="0">
-            <a:scrgbClr r="0" g="0" b="0"/>
+            <a:schemeClr val="accent3"/>
           </a:fillRef>
-          <a:effectRef idx="0">
-            <a:scrgbClr r="0" g="0" b="0"/>
+          <a:effectRef idx="2">
+            <a:schemeClr val="accent3"/>
           </a:effectRef>
           <a:fontRef idx="minor">
             <a:schemeClr val="tx1"/>
@@ -12274,8 +13770,8 @@
         </p:nvSpPr>
         <p:spPr>
           <a:xfrm>
-            <a:off x="214677" y="3371087"/>
-            <a:ext cx="1693842" cy="307777"/>
+            <a:off x="1067671" y="3786276"/>
+            <a:ext cx="1974792" cy="307777"/>
           </a:xfrm>
           <a:prstGeom prst="rect">
             <a:avLst/>
@@ -12290,7 +13786,7 @@
           <a:p>
             <a:r>
               <a:rPr lang="en-AU" sz="1400" b="1" dirty="0"/>
-              <a:t>drive policy lifecycle</a:t>
+              <a:t>1 - drive policy lifecycle</a:t>
             </a:r>
           </a:p>
         </p:txBody>
@@ -12309,8 +13805,8 @@
         </p:nvSpPr>
         <p:spPr>
           <a:xfrm>
-            <a:off x="3902294" y="2850405"/>
-            <a:ext cx="1204105" cy="523220"/>
+            <a:off x="4592406" y="3697424"/>
+            <a:ext cx="1204105" cy="738664"/>
           </a:xfrm>
           <a:prstGeom prst="rect">
             <a:avLst/>
@@ -12325,7 +13821,7 @@
           <a:p>
             <a:r>
               <a:rPr lang="en-AU" sz="1400" b="1" dirty="0"/>
-              <a:t>push events </a:t>
+              <a:t>2 - push events </a:t>
             </a:r>
           </a:p>
           <a:p>
@@ -12350,8 +13846,8 @@
         </p:nvSpPr>
         <p:spPr>
           <a:xfrm>
-            <a:off x="7430886" y="5604573"/>
-            <a:ext cx="1876679" cy="307777"/>
+            <a:off x="7380552" y="4773792"/>
+            <a:ext cx="1876679" cy="523220"/>
           </a:xfrm>
           <a:prstGeom prst="rect">
             <a:avLst/>
@@ -12366,7 +13862,7 @@
           <a:p>
             <a:r>
               <a:rPr lang="en-AU" sz="1400" b="1" dirty="0"/>
-              <a:t>sub filter = “Partner-B”</a:t>
+              <a:t>3- sub filter = “Partner-B”</a:t>
             </a:r>
           </a:p>
         </p:txBody>
@@ -12385,241 +13881,7 @@
         </p:nvSpPr>
         <p:spPr>
           <a:xfrm>
-            <a:off x="10208491" y="1714186"/>
-            <a:ext cx="1860415" cy="861774"/>
-          </a:xfrm>
-          <a:prstGeom prst="rect">
-            <a:avLst/>
-          </a:prstGeom>
-          <a:noFill/>
-        </p:spPr>
-        <p:txBody>
-          <a:bodyPr wrap="square" rtlCol="0">
-            <a:spAutoFit/>
-          </a:bodyPr>
-          <a:lstStyle/>
-          <a:p>
-            <a:r>
-              <a:rPr lang="en-AU" sz="1000" dirty="0">
-                <a:solidFill>
-                  <a:schemeClr val="accent1">
-                    <a:lumMod val="75000"/>
-                  </a:schemeClr>
-                </a:solidFill>
-              </a:rPr>
-              <a:t>/</a:t>
-            </a:r>
-            <a:r>
-              <a:rPr lang="en-AU" sz="1000" dirty="0" err="1">
-                <a:solidFill>
-                  <a:schemeClr val="accent1">
-                    <a:lumMod val="75000"/>
-                  </a:schemeClr>
-                </a:solidFill>
-              </a:rPr>
-              <a:t>api</a:t>
-            </a:r>
-            <a:r>
-              <a:rPr lang="en-AU" sz="1000" dirty="0">
-                <a:solidFill>
-                  <a:schemeClr val="accent1">
-                    <a:lumMod val="75000"/>
-                  </a:schemeClr>
-                </a:solidFill>
-              </a:rPr>
-              <a:t>/</a:t>
-            </a:r>
-            <a:r>
-              <a:rPr lang="en-AU" sz="1000" dirty="0" err="1">
-                <a:solidFill>
-                  <a:schemeClr val="accent1">
-                    <a:lumMod val="75000"/>
-                  </a:schemeClr>
-                </a:solidFill>
-              </a:rPr>
-              <a:t>TransactionApproved</a:t>
-            </a:r>
-            <a:endParaRPr lang="en-AU" sz="1000" dirty="0">
-              <a:solidFill>
-                <a:schemeClr val="accent1">
-                  <a:lumMod val="75000"/>
-                </a:schemeClr>
-              </a:solidFill>
-            </a:endParaRPr>
-          </a:p>
-          <a:p>
-            <a:r>
-              <a:rPr lang="en-AU" sz="1000" dirty="0">
-                <a:solidFill>
-                  <a:schemeClr val="accent1">
-                    <a:lumMod val="75000"/>
-                  </a:schemeClr>
-                </a:solidFill>
-              </a:rPr>
-              <a:t>/</a:t>
-            </a:r>
-            <a:r>
-              <a:rPr lang="en-AU" sz="1000" dirty="0" err="1">
-                <a:solidFill>
-                  <a:schemeClr val="accent1">
-                    <a:lumMod val="75000"/>
-                  </a:schemeClr>
-                </a:solidFill>
-              </a:rPr>
-              <a:t>api</a:t>
-            </a:r>
-            <a:r>
-              <a:rPr lang="en-AU" sz="1000" dirty="0">
-                <a:solidFill>
-                  <a:schemeClr val="accent1">
-                    <a:lumMod val="75000"/>
-                  </a:schemeClr>
-                </a:solidFill>
-              </a:rPr>
-              <a:t>/</a:t>
-            </a:r>
-            <a:r>
-              <a:rPr lang="en-AU" sz="1000" dirty="0" err="1">
-                <a:solidFill>
-                  <a:schemeClr val="accent1">
-                    <a:lumMod val="75000"/>
-                  </a:schemeClr>
-                </a:solidFill>
-              </a:rPr>
-              <a:t>TransactionUpdated</a:t>
-            </a:r>
-            <a:endParaRPr lang="en-AU" sz="1000" dirty="0">
-              <a:solidFill>
-                <a:schemeClr val="accent1">
-                  <a:lumMod val="75000"/>
-                </a:schemeClr>
-              </a:solidFill>
-            </a:endParaRPr>
-          </a:p>
-          <a:p>
-            <a:r>
-              <a:rPr lang="en-AU" sz="1000" dirty="0">
-                <a:solidFill>
-                  <a:schemeClr val="accent1">
-                    <a:lumMod val="75000"/>
-                  </a:schemeClr>
-                </a:solidFill>
-              </a:rPr>
-              <a:t>/</a:t>
-            </a:r>
-            <a:r>
-              <a:rPr lang="en-AU" sz="1000" dirty="0" err="1">
-                <a:solidFill>
-                  <a:schemeClr val="accent1">
-                    <a:lumMod val="75000"/>
-                  </a:schemeClr>
-                </a:solidFill>
-              </a:rPr>
-              <a:t>api</a:t>
-            </a:r>
-            <a:r>
-              <a:rPr lang="en-AU" sz="1000" dirty="0">
-                <a:solidFill>
-                  <a:schemeClr val="accent1">
-                    <a:lumMod val="75000"/>
-                  </a:schemeClr>
-                </a:solidFill>
-              </a:rPr>
-              <a:t>/</a:t>
-            </a:r>
-            <a:r>
-              <a:rPr lang="en-AU" sz="1000" dirty="0" err="1">
-                <a:solidFill>
-                  <a:schemeClr val="accent1">
-                    <a:lumMod val="75000"/>
-                  </a:schemeClr>
-                </a:solidFill>
-              </a:rPr>
-              <a:t>TransactionPartialRefund</a:t>
-            </a:r>
-            <a:endParaRPr lang="en-AU" sz="1000" dirty="0">
-              <a:solidFill>
-                <a:schemeClr val="accent1">
-                  <a:lumMod val="75000"/>
-                </a:schemeClr>
-              </a:solidFill>
-            </a:endParaRPr>
-          </a:p>
-          <a:p>
-            <a:r>
-              <a:rPr lang="en-AU" sz="1000" dirty="0">
-                <a:solidFill>
-                  <a:schemeClr val="accent1">
-                    <a:lumMod val="75000"/>
-                  </a:schemeClr>
-                </a:solidFill>
-              </a:rPr>
-              <a:t>/</a:t>
-            </a:r>
-            <a:r>
-              <a:rPr lang="en-AU" sz="1000" dirty="0" err="1">
-                <a:solidFill>
-                  <a:schemeClr val="accent1">
-                    <a:lumMod val="75000"/>
-                  </a:schemeClr>
-                </a:solidFill>
-              </a:rPr>
-              <a:t>api</a:t>
-            </a:r>
-            <a:r>
-              <a:rPr lang="en-AU" sz="1000" dirty="0">
-                <a:solidFill>
-                  <a:schemeClr val="accent1">
-                    <a:lumMod val="75000"/>
-                  </a:schemeClr>
-                </a:solidFill>
-              </a:rPr>
-              <a:t>/</a:t>
-            </a:r>
-            <a:r>
-              <a:rPr lang="en-AU" sz="1000" dirty="0" err="1">
-                <a:solidFill>
-                  <a:schemeClr val="accent1">
-                    <a:lumMod val="75000"/>
-                  </a:schemeClr>
-                </a:solidFill>
-              </a:rPr>
-              <a:t>TransactionRefund</a:t>
-            </a:r>
-            <a:endParaRPr lang="en-AU" sz="1000" dirty="0">
-              <a:solidFill>
-                <a:schemeClr val="accent1">
-                  <a:lumMod val="75000"/>
-                </a:schemeClr>
-              </a:solidFill>
-            </a:endParaRPr>
-          </a:p>
-          <a:p>
-            <a:endParaRPr lang="en-AU" sz="1000" dirty="0">
-              <a:solidFill>
-                <a:schemeClr val="accent1">
-                  <a:lumMod val="75000"/>
-                </a:schemeClr>
-              </a:solidFill>
-            </a:endParaRPr>
-          </a:p>
-        </p:txBody>
-      </p:sp>
-      <p:sp>
-        <p:nvSpPr>
-          <p:cNvPr id="29" name="TextBox 28">
-            <a:extLst>
-              <a:ext uri="{FF2B5EF4-FFF2-40B4-BE49-F238E27FC236}">
-                <a16:creationId xmlns:a16="http://schemas.microsoft.com/office/drawing/2014/main" id="{AD4A0EEF-3581-45B8-87CE-D27919B47A28}"/>
-              </a:ext>
-            </a:extLst>
-          </p:cNvPr>
-          <p:cNvSpPr txBox="1"/>
-          <p:nvPr/>
-        </p:nvSpPr>
-        <p:spPr>
-          <a:xfrm>
-            <a:off x="10194992" y="5323993"/>
+            <a:off x="10208491" y="2561205"/>
             <a:ext cx="1860415" cy="246221"/>
           </a:xfrm>
           <a:prstGeom prst="rect">
@@ -12641,27 +13903,7 @@
                   </a:schemeClr>
                 </a:solidFill>
               </a:rPr>
-              <a:t>/</a:t>
-            </a:r>
-            <a:r>
-              <a:rPr lang="en-AU" sz="1000" dirty="0" err="1">
-                <a:solidFill>
-                  <a:schemeClr val="accent1">
-                    <a:lumMod val="75000"/>
-                  </a:schemeClr>
-                </a:solidFill>
-              </a:rPr>
-              <a:t>api</a:t>
-            </a:r>
-            <a:r>
-              <a:rPr lang="en-AU" sz="1000" dirty="0">
-                <a:solidFill>
-                  <a:schemeClr val="accent1">
-                    <a:lumMod val="75000"/>
-                  </a:schemeClr>
-                </a:solidFill>
-              </a:rPr>
-              <a:t>/</a:t>
+              <a:t>/api/</a:t>
             </a:r>
             <a:r>
               <a:rPr lang="en-AU" sz="1000" dirty="0" err="1">
@@ -12685,10 +13927,10 @@
       </p:sp>
       <p:sp>
         <p:nvSpPr>
-          <p:cNvPr id="37" name="TextBox 36">
+          <p:cNvPr id="29" name="TextBox 28">
             <a:extLst>
               <a:ext uri="{FF2B5EF4-FFF2-40B4-BE49-F238E27FC236}">
-                <a16:creationId xmlns:a16="http://schemas.microsoft.com/office/drawing/2014/main" id="{F127D982-E241-42DF-8DDE-0F1C672601C1}"/>
+                <a16:creationId xmlns:a16="http://schemas.microsoft.com/office/drawing/2014/main" id="{AD4A0EEF-3581-45B8-87CE-D27919B47A28}"/>
               </a:ext>
             </a:extLst>
           </p:cNvPr>
@@ -12697,8 +13939,8 @@
         </p:nvSpPr>
         <p:spPr>
           <a:xfrm>
-            <a:off x="5060483" y="4205219"/>
-            <a:ext cx="2068346" cy="400110"/>
+            <a:off x="10144658" y="4493212"/>
+            <a:ext cx="1860415" cy="246221"/>
           </a:xfrm>
           <a:prstGeom prst="rect">
             <a:avLst/>
@@ -12719,10 +13961,18 @@
                   </a:schemeClr>
                 </a:solidFill>
               </a:rPr>
-              <a:t>Topic – Resolve My Complaint</a:t>
-            </a:r>
-          </a:p>
-          <a:p>
+              <a:t>/</a:t>
+            </a:r>
+            <a:r>
+              <a:rPr lang="en-AU" sz="1000" dirty="0" err="1">
+                <a:solidFill>
+                  <a:schemeClr val="accent1">
+                    <a:lumMod val="75000"/>
+                  </a:schemeClr>
+                </a:solidFill>
+              </a:rPr>
+              <a:t>api</a:t>
+            </a:r>
             <a:r>
               <a:rPr lang="en-AU" sz="1000" dirty="0">
                 <a:solidFill>
@@ -12731,7 +13981,7 @@
                   </a:schemeClr>
                 </a:solidFill>
               </a:rPr>
-              <a:t>Event Type - </a:t>
+              <a:t>/</a:t>
             </a:r>
             <a:r>
               <a:rPr lang="en-AU" sz="1000" dirty="0" err="1">
@@ -12741,7 +13991,7 @@
                   </a:schemeClr>
                 </a:solidFill>
               </a:rPr>
-              <a:t>Purchase.PartialRefund</a:t>
+              <a:t>TransactionChanged</a:t>
             </a:r>
             <a:endParaRPr lang="en-AU" sz="1000" dirty="0">
               <a:solidFill>
@@ -12767,7 +14017,7 @@
         </p:nvSpPr>
         <p:spPr>
           <a:xfrm>
-            <a:off x="5124645" y="5940718"/>
+            <a:off x="5764423" y="5109937"/>
             <a:ext cx="1860415" cy="553998"/>
           </a:xfrm>
           <a:prstGeom prst="rect">
@@ -12834,10 +14084,10 @@
       </p:sp>
       <p:pic>
         <p:nvPicPr>
-          <p:cNvPr id="39" name="Graphic 38">
+          <p:cNvPr id="40" name="Graphic 39">
             <a:extLst>
               <a:ext uri="{FF2B5EF4-FFF2-40B4-BE49-F238E27FC236}">
-                <a16:creationId xmlns:a16="http://schemas.microsoft.com/office/drawing/2014/main" id="{9B8D325B-5C4A-406F-B136-0094049BD30B}"/>
+                <a16:creationId xmlns:a16="http://schemas.microsoft.com/office/drawing/2014/main" id="{94C66170-951A-460D-8858-F1C9322FBBD0}"/>
               </a:ext>
             </a:extLst>
           </p:cNvPr>
@@ -12863,46 +14113,7 @@
         </p:blipFill>
         <p:spPr>
           <a:xfrm>
-            <a:off x="5763642" y="3483077"/>
-            <a:ext cx="662002" cy="662002"/>
-          </a:xfrm>
-          <a:prstGeom prst="rect">
-            <a:avLst/>
-          </a:prstGeom>
-        </p:spPr>
-      </p:pic>
-      <p:pic>
-        <p:nvPicPr>
-          <p:cNvPr id="40" name="Graphic 39">
-            <a:extLst>
-              <a:ext uri="{FF2B5EF4-FFF2-40B4-BE49-F238E27FC236}">
-                <a16:creationId xmlns:a16="http://schemas.microsoft.com/office/drawing/2014/main" id="{94C66170-951A-460D-8858-F1C9322FBBD0}"/>
-              </a:ext>
-            </a:extLst>
-          </p:cNvPr>
-          <p:cNvPicPr>
-            <a:picLocks noChangeAspect="1"/>
-          </p:cNvPicPr>
-          <p:nvPr/>
-        </p:nvPicPr>
-        <p:blipFill>
-          <a:blip r:embed="rId4">
-            <a:extLst>
-              <a:ext uri="{28A0092B-C50C-407E-A947-70E740481C1C}">
-                <a14:useLocalDpi xmlns:a14="http://schemas.microsoft.com/office/drawing/2010/main" val="0"/>
-              </a:ext>
-              <a:ext uri="{96DAC541-7B7A-43D3-8B79-37D633B846F1}">
-                <asvg:svgBlip xmlns:asvg="http://schemas.microsoft.com/office/drawing/2016/SVG/main" r:embed="rId5"/>
-              </a:ext>
-            </a:extLst>
-          </a:blip>
-          <a:stretch>
-            <a:fillRect/>
-          </a:stretch>
-        </p:blipFill>
-        <p:spPr>
-          <a:xfrm>
-            <a:off x="5764052" y="5163567"/>
+            <a:off x="6403830" y="4332786"/>
             <a:ext cx="662002" cy="662002"/>
           </a:xfrm>
           <a:prstGeom prst="rect">
@@ -12928,178 +14139,26 @@
         </p:nvCxnSpPr>
         <p:spPr>
           <a:xfrm>
-            <a:off x="6426054" y="5494568"/>
-            <a:ext cx="2850102" cy="28368"/>
+            <a:off x="7065832" y="4663787"/>
+            <a:ext cx="2159990" cy="28368"/>
           </a:xfrm>
           <a:prstGeom prst="straightConnector1">
             <a:avLst/>
           </a:prstGeom>
-          <a:ln w="25400" cap="flat" cmpd="sng" algn="ctr">
-            <a:solidFill>
-              <a:schemeClr val="accent1"/>
-            </a:solidFill>
-            <a:prstDash val="dash"/>
-            <a:round/>
+          <a:ln>
             <a:headEnd type="none" w="med" len="med"/>
             <a:tailEnd type="arrow" w="lg" len="lg"/>
           </a:ln>
         </p:spPr>
         <p:style>
-          <a:lnRef idx="0">
-            <a:scrgbClr r="0" g="0" b="0"/>
+          <a:lnRef idx="3">
+            <a:schemeClr val="accent3"/>
           </a:lnRef>
           <a:fillRef idx="0">
-            <a:scrgbClr r="0" g="0" b="0"/>
+            <a:schemeClr val="accent3"/>
           </a:fillRef>
-          <a:effectRef idx="0">
-            <a:scrgbClr r="0" g="0" b="0"/>
-          </a:effectRef>
-          <a:fontRef idx="minor">
-            <a:schemeClr val="tx1"/>
-          </a:fontRef>
-        </p:style>
-      </p:cxnSp>
-      <p:cxnSp>
-        <p:nvCxnSpPr>
-          <p:cNvPr id="45" name="Straight Arrow Connector 44">
-            <a:extLst>
-              <a:ext uri="{FF2B5EF4-FFF2-40B4-BE49-F238E27FC236}">
-                <a16:creationId xmlns:a16="http://schemas.microsoft.com/office/drawing/2014/main" id="{6FC7B727-8A41-4A49-B113-F0A466502EE2}"/>
-              </a:ext>
-            </a:extLst>
-          </p:cNvPr>
-          <p:cNvCxnSpPr>
-            <a:cxnSpLocks/>
-            <a:stCxn id="39" idx="3"/>
-            <a:endCxn id="35" idx="1"/>
-          </p:cNvCxnSpPr>
-          <p:nvPr/>
-        </p:nvCxnSpPr>
-        <p:spPr>
-          <a:xfrm>
-            <a:off x="6425644" y="3814078"/>
-            <a:ext cx="2850512" cy="1708858"/>
-          </a:xfrm>
-          <a:prstGeom prst="straightConnector1">
-            <a:avLst/>
-          </a:prstGeom>
-          <a:ln w="25400" cap="flat" cmpd="sng" algn="ctr">
-            <a:solidFill>
-              <a:schemeClr val="accent1"/>
-            </a:solidFill>
-            <a:prstDash val="dash"/>
-            <a:round/>
-            <a:headEnd type="none" w="med" len="med"/>
-            <a:tailEnd type="arrow" w="lg" len="lg"/>
-          </a:ln>
-        </p:spPr>
-        <p:style>
-          <a:lnRef idx="0">
-            <a:scrgbClr r="0" g="0" b="0"/>
-          </a:lnRef>
-          <a:fillRef idx="0">
-            <a:scrgbClr r="0" g="0" b="0"/>
-          </a:fillRef>
-          <a:effectRef idx="0">
-            <a:scrgbClr r="0" g="0" b="0"/>
-          </a:effectRef>
-          <a:fontRef idx="minor">
-            <a:schemeClr val="tx1"/>
-          </a:fontRef>
-        </p:style>
-      </p:cxnSp>
-      <p:cxnSp>
-        <p:nvCxnSpPr>
-          <p:cNvPr id="48" name="Straight Arrow Connector 47">
-            <a:extLst>
-              <a:ext uri="{FF2B5EF4-FFF2-40B4-BE49-F238E27FC236}">
-                <a16:creationId xmlns:a16="http://schemas.microsoft.com/office/drawing/2014/main" id="{97283C88-74C7-4433-91E8-BCCB3162DECC}"/>
-              </a:ext>
-            </a:extLst>
-          </p:cNvPr>
-          <p:cNvCxnSpPr>
-            <a:cxnSpLocks/>
-            <a:stCxn id="39" idx="3"/>
-            <a:endCxn id="21" idx="1"/>
-          </p:cNvCxnSpPr>
-          <p:nvPr/>
-        </p:nvCxnSpPr>
-        <p:spPr>
-          <a:xfrm flipV="1">
-            <a:off x="6425644" y="2165491"/>
-            <a:ext cx="2848866" cy="1648587"/>
-          </a:xfrm>
-          <a:prstGeom prst="straightConnector1">
-            <a:avLst/>
-          </a:prstGeom>
-          <a:ln w="25400" cap="flat" cmpd="sng" algn="ctr">
-            <a:solidFill>
-              <a:schemeClr val="accent1"/>
-            </a:solidFill>
-            <a:prstDash val="dash"/>
-            <a:round/>
-            <a:headEnd type="none" w="med" len="med"/>
-            <a:tailEnd type="arrow" w="lg" len="lg"/>
-          </a:ln>
-        </p:spPr>
-        <p:style>
-          <a:lnRef idx="0">
-            <a:scrgbClr r="0" g="0" b="0"/>
-          </a:lnRef>
-          <a:fillRef idx="0">
-            <a:scrgbClr r="0" g="0" b="0"/>
-          </a:fillRef>
-          <a:effectRef idx="0">
-            <a:scrgbClr r="0" g="0" b="0"/>
-          </a:effectRef>
-          <a:fontRef idx="minor">
-            <a:schemeClr val="tx1"/>
-          </a:fontRef>
-        </p:style>
-      </p:cxnSp>
-      <p:cxnSp>
-        <p:nvCxnSpPr>
-          <p:cNvPr id="52" name="Straight Arrow Connector 51">
-            <a:extLst>
-              <a:ext uri="{FF2B5EF4-FFF2-40B4-BE49-F238E27FC236}">
-                <a16:creationId xmlns:a16="http://schemas.microsoft.com/office/drawing/2014/main" id="{DCE924CC-EC5F-4D5B-A152-11D01CA11962}"/>
-              </a:ext>
-            </a:extLst>
-          </p:cNvPr>
-          <p:cNvCxnSpPr>
-            <a:cxnSpLocks/>
-            <a:stCxn id="40" idx="3"/>
-            <a:endCxn id="21" idx="1"/>
-          </p:cNvCxnSpPr>
-          <p:nvPr/>
-        </p:nvCxnSpPr>
-        <p:spPr>
-          <a:xfrm flipV="1">
-            <a:off x="6426054" y="2165491"/>
-            <a:ext cx="2848456" cy="3329077"/>
-          </a:xfrm>
-          <a:prstGeom prst="straightConnector1">
-            <a:avLst/>
-          </a:prstGeom>
-          <a:ln w="25400" cap="flat" cmpd="sng" algn="ctr">
-            <a:solidFill>
-              <a:schemeClr val="accent1"/>
-            </a:solidFill>
-            <a:prstDash val="dash"/>
-            <a:round/>
-            <a:headEnd type="none" w="med" len="med"/>
-            <a:tailEnd type="arrow" w="lg" len="lg"/>
-          </a:ln>
-        </p:spPr>
-        <p:style>
-          <a:lnRef idx="0">
-            <a:scrgbClr r="0" g="0" b="0"/>
-          </a:lnRef>
-          <a:fillRef idx="0">
-            <a:scrgbClr r="0" g="0" b="0"/>
-          </a:fillRef>
-          <a:effectRef idx="0">
-            <a:scrgbClr r="0" g="0" b="0"/>
+          <a:effectRef idx="2">
+            <a:schemeClr val="accent3"/>
           </a:effectRef>
           <a:fontRef idx="minor">
             <a:schemeClr val="tx1"/>
@@ -13122,7 +14181,7 @@
         </p:nvCxnSpPr>
         <p:spPr>
           <a:xfrm flipH="1">
-            <a:off x="5060483" y="2199571"/>
+            <a:off x="5750595" y="3046590"/>
             <a:ext cx="619321" cy="0"/>
           </a:xfrm>
           <a:prstGeom prst="line">
@@ -13158,7 +14217,7 @@
         </p:nvSpPr>
         <p:spPr>
           <a:xfrm>
-            <a:off x="4946273" y="2145073"/>
+            <a:off x="5636385" y="2992092"/>
             <a:ext cx="108000" cy="108000"/>
           </a:xfrm>
           <a:prstGeom prst="flowChartConnector">
@@ -13192,10 +14251,10 @@
       </p:sp>
       <p:cxnSp>
         <p:nvCxnSpPr>
-          <p:cNvPr id="57" name="Straight Connector 56">
+          <p:cNvPr id="59" name="Straight Connector 58">
             <a:extLst>
               <a:ext uri="{FF2B5EF4-FFF2-40B4-BE49-F238E27FC236}">
-                <a16:creationId xmlns:a16="http://schemas.microsoft.com/office/drawing/2014/main" id="{A151EDF3-C72C-4593-AD2A-683B34C8E232}"/>
+                <a16:creationId xmlns:a16="http://schemas.microsoft.com/office/drawing/2014/main" id="{0C565394-EBEE-42C7-A12E-E0E86EF678C9}"/>
               </a:ext>
             </a:extLst>
           </p:cNvPr>
@@ -13204,7 +14263,7 @@
         </p:nvCxnSpPr>
         <p:spPr>
           <a:xfrm flipH="1">
-            <a:off x="5060483" y="3800483"/>
+            <a:off x="5694051" y="4666029"/>
             <a:ext cx="619321" cy="0"/>
           </a:xfrm>
           <a:prstGeom prst="line">
@@ -13228,10 +14287,10 @@
       </p:cxnSp>
       <p:sp>
         <p:nvSpPr>
-          <p:cNvPr id="58" name="Flowchart: Connector 57">
+          <p:cNvPr id="60" name="Flowchart: Connector 59">
             <a:extLst>
               <a:ext uri="{FF2B5EF4-FFF2-40B4-BE49-F238E27FC236}">
-                <a16:creationId xmlns:a16="http://schemas.microsoft.com/office/drawing/2014/main" id="{18F18B8A-C398-43EE-9700-504EA7C7A7C8}"/>
+                <a16:creationId xmlns:a16="http://schemas.microsoft.com/office/drawing/2014/main" id="{1DCF1C95-FB52-49FC-97DE-DED3DD79956C}"/>
               </a:ext>
             </a:extLst>
           </p:cNvPr>
@@ -13240,7 +14299,7 @@
         </p:nvSpPr>
         <p:spPr>
           <a:xfrm>
-            <a:off x="4946273" y="3745985"/>
+            <a:off x="5579841" y="4611531"/>
             <a:ext cx="108000" cy="108000"/>
           </a:xfrm>
           <a:prstGeom prst="flowChartConnector">
@@ -13274,20 +14333,108 @@
       </p:sp>
       <p:cxnSp>
         <p:nvCxnSpPr>
-          <p:cNvPr id="59" name="Straight Connector 58">
+          <p:cNvPr id="63" name="Straight Arrow Connector 46">
             <a:extLst>
               <a:ext uri="{FF2B5EF4-FFF2-40B4-BE49-F238E27FC236}">
-                <a16:creationId xmlns:a16="http://schemas.microsoft.com/office/drawing/2014/main" id="{0C565394-EBEE-42C7-A12E-E0E86EF678C9}"/>
+                <a16:creationId xmlns:a16="http://schemas.microsoft.com/office/drawing/2014/main" id="{8AE76C3E-73FE-4E32-8303-B3C1941B9580}"/>
               </a:ext>
             </a:extLst>
           </p:cNvPr>
-          <p:cNvCxnSpPr/>
+          <p:cNvCxnSpPr>
+            <a:cxnSpLocks/>
+            <a:stCxn id="6" idx="3"/>
+            <a:endCxn id="60" idx="2"/>
+          </p:cNvCxnSpPr>
           <p:nvPr/>
         </p:nvCxnSpPr>
         <p:spPr>
-          <a:xfrm flipH="1">
-            <a:off x="5054273" y="5496810"/>
-            <a:ext cx="619321" cy="0"/>
+          <a:xfrm flipV="1">
+            <a:off x="3532611" y="4665531"/>
+            <a:ext cx="2047230" cy="15786"/>
+          </a:xfrm>
+          <a:prstGeom prst="curvedConnector3">
+            <a:avLst/>
+          </a:prstGeom>
+          <a:ln>
+            <a:headEnd type="none" w="med" len="med"/>
+            <a:tailEnd type="arrow" w="lg" len="lg"/>
+          </a:ln>
+        </p:spPr>
+        <p:style>
+          <a:lnRef idx="3">
+            <a:schemeClr val="accent3"/>
+          </a:lnRef>
+          <a:fillRef idx="0">
+            <a:schemeClr val="accent3"/>
+          </a:fillRef>
+          <a:effectRef idx="2">
+            <a:schemeClr val="accent3"/>
+          </a:effectRef>
+          <a:fontRef idx="minor">
+            <a:schemeClr val="tx1"/>
+          </a:fontRef>
+        </p:style>
+      </p:cxnSp>
+      <p:sp>
+        <p:nvSpPr>
+          <p:cNvPr id="44" name="TextBox 43">
+            <a:extLst>
+              <a:ext uri="{FF2B5EF4-FFF2-40B4-BE49-F238E27FC236}">
+                <a16:creationId xmlns:a16="http://schemas.microsoft.com/office/drawing/2014/main" id="{0BA1B44C-0D1A-44B6-BE47-B32436CC499F}"/>
+              </a:ext>
+            </a:extLst>
+          </p:cNvPr>
+          <p:cNvSpPr txBox="1"/>
+          <p:nvPr/>
+        </p:nvSpPr>
+        <p:spPr>
+          <a:xfrm>
+            <a:off x="2004568" y="5772715"/>
+            <a:ext cx="1860415" cy="246221"/>
+          </a:xfrm>
+          <a:prstGeom prst="rect">
+            <a:avLst/>
+          </a:prstGeom>
+          <a:noFill/>
+        </p:spPr>
+        <p:txBody>
+          <a:bodyPr wrap="square" rtlCol="0">
+            <a:spAutoFit/>
+          </a:bodyPr>
+          <a:lstStyle/>
+          <a:p>
+            <a:r>
+              <a:rPr lang="en-AU" sz="1000" dirty="0">
+                <a:solidFill>
+                  <a:schemeClr val="accent1">
+                    <a:lumMod val="75000"/>
+                  </a:schemeClr>
+                </a:solidFill>
+              </a:rPr>
+              <a:t>GET /api/policy</a:t>
+            </a:r>
+          </a:p>
+        </p:txBody>
+      </p:sp>
+      <p:cxnSp>
+        <p:nvCxnSpPr>
+          <p:cNvPr id="49" name="Straight Connector 48">
+            <a:extLst>
+              <a:ext uri="{FF2B5EF4-FFF2-40B4-BE49-F238E27FC236}">
+                <a16:creationId xmlns:a16="http://schemas.microsoft.com/office/drawing/2014/main" id="{0CADC7DA-E50C-404E-9CD5-959AB169D41F}"/>
+              </a:ext>
+            </a:extLst>
+          </p:cNvPr>
+          <p:cNvCxnSpPr>
+            <a:cxnSpLocks/>
+            <a:endCxn id="6" idx="2"/>
+          </p:cNvCxnSpPr>
+          <p:nvPr/>
+        </p:nvCxnSpPr>
+        <p:spPr>
+          <a:xfrm flipV="1">
+            <a:off x="3065621" y="5184102"/>
+            <a:ext cx="0" cy="687304"/>
           </a:xfrm>
           <a:prstGeom prst="line">
             <a:avLst/>
@@ -13310,10 +14457,10 @@
       </p:cxnSp>
       <p:sp>
         <p:nvSpPr>
-          <p:cNvPr id="60" name="Flowchart: Connector 59">
+          <p:cNvPr id="50" name="Flowchart: Connector 49">
             <a:extLst>
               <a:ext uri="{FF2B5EF4-FFF2-40B4-BE49-F238E27FC236}">
-                <a16:creationId xmlns:a16="http://schemas.microsoft.com/office/drawing/2014/main" id="{1DCF1C95-FB52-49FC-97DE-DED3DD79956C}"/>
+                <a16:creationId xmlns:a16="http://schemas.microsoft.com/office/drawing/2014/main" id="{65CA9928-C6C6-4562-8B73-6A7A73573763}"/>
               </a:ext>
             </a:extLst>
           </p:cNvPr>
@@ -13321,8 +14468,8 @@
           <p:nvPr/>
         </p:nvSpPr>
         <p:spPr>
-          <a:xfrm>
-            <a:off x="4940063" y="5442312"/>
+          <a:xfrm rot="11344587">
+            <a:off x="3011619" y="5843961"/>
             <a:ext cx="108000" cy="108000"/>
           </a:xfrm>
           <a:prstGeom prst="flowChartConnector">
@@ -13354,104 +14501,211 @@
           </a:p>
         </p:txBody>
       </p:sp>
+      <p:sp>
+        <p:nvSpPr>
+          <p:cNvPr id="53" name="TextBox 52">
+            <a:extLst>
+              <a:ext uri="{FF2B5EF4-FFF2-40B4-BE49-F238E27FC236}">
+                <a16:creationId xmlns:a16="http://schemas.microsoft.com/office/drawing/2014/main" id="{8DB78BEA-356A-4C10-A384-54324C0D8368}"/>
+              </a:ext>
+            </a:extLst>
+          </p:cNvPr>
+          <p:cNvSpPr txBox="1"/>
+          <p:nvPr/>
+        </p:nvSpPr>
+        <p:spPr>
+          <a:xfrm>
+            <a:off x="3150463" y="3612373"/>
+            <a:ext cx="1860415" cy="246221"/>
+          </a:xfrm>
+          <a:prstGeom prst="rect">
+            <a:avLst/>
+          </a:prstGeom>
+          <a:noFill/>
+        </p:spPr>
+        <p:txBody>
+          <a:bodyPr wrap="square" rtlCol="0">
+            <a:spAutoFit/>
+          </a:bodyPr>
+          <a:lstStyle/>
+          <a:p>
+            <a:r>
+              <a:rPr lang="en-AU" sz="1000" dirty="0">
+                <a:solidFill>
+                  <a:schemeClr val="accent1">
+                    <a:lumMod val="75000"/>
+                  </a:schemeClr>
+                </a:solidFill>
+              </a:rPr>
+              <a:t>POST /api/policy/</a:t>
+            </a:r>
+          </a:p>
+        </p:txBody>
+      </p:sp>
       <p:cxnSp>
         <p:nvCxnSpPr>
-          <p:cNvPr id="62" name="Straight Arrow Connector 46">
+          <p:cNvPr id="54" name="Straight Connector 53">
             <a:extLst>
               <a:ext uri="{FF2B5EF4-FFF2-40B4-BE49-F238E27FC236}">
-                <a16:creationId xmlns:a16="http://schemas.microsoft.com/office/drawing/2014/main" id="{010870DB-610E-4BA1-8224-7D822A5CD42F}"/>
+                <a16:creationId xmlns:a16="http://schemas.microsoft.com/office/drawing/2014/main" id="{58C9420E-C67E-4B5C-ACF0-F7265E5DACDD}"/>
               </a:ext>
             </a:extLst>
           </p:cNvPr>
           <p:cNvCxnSpPr>
             <a:cxnSpLocks/>
-            <a:stCxn id="6" idx="3"/>
-            <a:endCxn id="58" idx="1"/>
+            <a:stCxn id="6" idx="0"/>
           </p:cNvCxnSpPr>
           <p:nvPr/>
         </p:nvCxnSpPr>
         <p:spPr>
-          <a:xfrm>
-            <a:off x="2842499" y="3273584"/>
-            <a:ext cx="2119590" cy="488217"/>
+          <a:xfrm flipV="1">
+            <a:off x="3065621" y="3812428"/>
+            <a:ext cx="0" cy="366104"/>
           </a:xfrm>
-          <a:prstGeom prst="curvedConnector2">
+          <a:prstGeom prst="line">
             <a:avLst/>
           </a:prstGeom>
-          <a:ln w="25400" cap="flat" cmpd="sng" algn="ctr">
-            <a:solidFill>
-              <a:schemeClr val="accent1"/>
-            </a:solidFill>
-            <a:prstDash val="dash"/>
-            <a:round/>
-            <a:headEnd type="none" w="med" len="med"/>
-            <a:tailEnd type="arrow" w="lg" len="lg"/>
-          </a:ln>
         </p:spPr>
         <p:style>
-          <a:lnRef idx="0">
-            <a:scrgbClr r="0" g="0" b="0"/>
+          <a:lnRef idx="3">
+            <a:schemeClr val="accent1"/>
           </a:lnRef>
           <a:fillRef idx="0">
-            <a:scrgbClr r="0" g="0" b="0"/>
+            <a:schemeClr val="accent1"/>
           </a:fillRef>
-          <a:effectRef idx="0">
-            <a:scrgbClr r="0" g="0" b="0"/>
+          <a:effectRef idx="2">
+            <a:schemeClr val="accent1"/>
           </a:effectRef>
           <a:fontRef idx="minor">
             <a:schemeClr val="tx1"/>
           </a:fontRef>
         </p:style>
       </p:cxnSp>
+      <p:sp>
+        <p:nvSpPr>
+          <p:cNvPr id="61" name="Flowchart: Connector 60">
+            <a:extLst>
+              <a:ext uri="{FF2B5EF4-FFF2-40B4-BE49-F238E27FC236}">
+                <a16:creationId xmlns:a16="http://schemas.microsoft.com/office/drawing/2014/main" id="{64279E00-F00A-46EF-974F-4E57F2A2C6F1}"/>
+              </a:ext>
+            </a:extLst>
+          </p:cNvPr>
+          <p:cNvSpPr/>
+          <p:nvPr/>
+        </p:nvSpPr>
+        <p:spPr>
+          <a:xfrm rot="11344587">
+            <a:off x="3003501" y="3696586"/>
+            <a:ext cx="108000" cy="108000"/>
+          </a:xfrm>
+          <a:prstGeom prst="flowChartConnector">
+            <a:avLst/>
+          </a:prstGeom>
+        </p:spPr>
+        <p:style>
+          <a:lnRef idx="2">
+            <a:schemeClr val="accent1">
+              <a:shade val="50000"/>
+            </a:schemeClr>
+          </a:lnRef>
+          <a:fillRef idx="1">
+            <a:schemeClr val="accent1"/>
+          </a:fillRef>
+          <a:effectRef idx="0">
+            <a:schemeClr val="accent1"/>
+          </a:effectRef>
+          <a:fontRef idx="minor">
+            <a:schemeClr val="lt1"/>
+          </a:fontRef>
+        </p:style>
+        <p:txBody>
+          <a:bodyPr rtlCol="0" anchor="ctr"/>
+          <a:lstStyle/>
+          <a:p>
+            <a:pPr algn="ctr"/>
+            <a:endParaRPr lang="en-AU"/>
+          </a:p>
+        </p:txBody>
+      </p:sp>
       <p:cxnSp>
         <p:nvCxnSpPr>
-          <p:cNvPr id="63" name="Straight Arrow Connector 46">
+          <p:cNvPr id="64" name="Straight Arrow Connector 46">
             <a:extLst>
               <a:ext uri="{FF2B5EF4-FFF2-40B4-BE49-F238E27FC236}">
-                <a16:creationId xmlns:a16="http://schemas.microsoft.com/office/drawing/2014/main" id="{8AE76C3E-73FE-4E32-8303-B3C1941B9580}"/>
+                <a16:creationId xmlns:a16="http://schemas.microsoft.com/office/drawing/2014/main" id="{C0D8FA9D-5DD0-4589-99E3-8024E30731CF}"/>
               </a:ext>
             </a:extLst>
           </p:cNvPr>
           <p:cNvCxnSpPr>
             <a:cxnSpLocks/>
-            <a:stCxn id="6" idx="3"/>
-            <a:endCxn id="60" idx="2"/>
+            <a:stCxn id="35" idx="2"/>
+            <a:endCxn id="50" idx="2"/>
           </p:cNvCxnSpPr>
           <p:nvPr/>
         </p:nvCxnSpPr>
         <p:spPr>
-          <a:xfrm>
-            <a:off x="2842499" y="3273584"/>
-            <a:ext cx="2097564" cy="2222728"/>
+          <a:xfrm rot="5400000">
+            <a:off x="6050108" y="2263775"/>
+            <a:ext cx="711540" cy="6573870"/>
           </a:xfrm>
-          <a:prstGeom prst="curvedConnector3">
+          <a:prstGeom prst="bentConnector2">
             <a:avLst/>
           </a:prstGeom>
-          <a:ln w="25400" cap="flat" cmpd="sng" algn="ctr">
-            <a:solidFill>
-              <a:schemeClr val="accent1"/>
-            </a:solidFill>
-            <a:prstDash val="dash"/>
-            <a:round/>
+          <a:ln>
             <a:headEnd type="none" w="med" len="med"/>
             <a:tailEnd type="arrow" w="lg" len="lg"/>
           </a:ln>
         </p:spPr>
         <p:style>
-          <a:lnRef idx="0">
-            <a:scrgbClr r="0" g="0" b="0"/>
+          <a:lnRef idx="3">
+            <a:schemeClr val="accent3"/>
           </a:lnRef>
           <a:fillRef idx="0">
-            <a:scrgbClr r="0" g="0" b="0"/>
+            <a:schemeClr val="accent3"/>
           </a:fillRef>
-          <a:effectRef idx="0">
-            <a:scrgbClr r="0" g="0" b="0"/>
+          <a:effectRef idx="2">
+            <a:schemeClr val="accent3"/>
           </a:effectRef>
           <a:fontRef idx="minor">
             <a:schemeClr val="tx1"/>
           </a:fontRef>
         </p:style>
       </p:cxnSp>
+      <p:sp>
+        <p:nvSpPr>
+          <p:cNvPr id="65" name="TextBox 64">
+            <a:extLst>
+              <a:ext uri="{FF2B5EF4-FFF2-40B4-BE49-F238E27FC236}">
+                <a16:creationId xmlns:a16="http://schemas.microsoft.com/office/drawing/2014/main" id="{52E3B4F1-0675-4A59-8EFB-9A7770D93FC8}"/>
+              </a:ext>
+            </a:extLst>
+          </p:cNvPr>
+          <p:cNvSpPr txBox="1"/>
+          <p:nvPr/>
+        </p:nvSpPr>
+        <p:spPr>
+          <a:xfrm>
+            <a:off x="6218911" y="6107842"/>
+            <a:ext cx="1693842" cy="307777"/>
+          </a:xfrm>
+          <a:prstGeom prst="rect">
+            <a:avLst/>
+          </a:prstGeom>
+          <a:noFill/>
+        </p:spPr>
+        <p:txBody>
+          <a:bodyPr wrap="square" rtlCol="0">
+            <a:spAutoFit/>
+          </a:bodyPr>
+          <a:lstStyle/>
+          <a:p>
+            <a:r>
+              <a:rPr lang="en-AU" sz="1400" b="1" dirty="0"/>
+              <a:t>4 query policy</a:t>
+            </a:r>
+          </a:p>
+        </p:txBody>
+      </p:sp>
     </p:spTree>
     <p:extLst>
       <p:ext uri="{BB962C8B-B14F-4D97-AF65-F5344CB8AC3E}">

--- a/Outbound Integrations.pptx
+++ b/Outbound Integrations.pptx
@@ -123,10 +123,6 @@
     </p:ext>
   </p:extLst>
 </p:presentation>
-</file>
-
-<file path=ppt/revisionInfo.xml><?xml version="1.0" encoding="utf-8"?>
-<p1510:revInfo xmlns:a="http://schemas.openxmlformats.org/drawingml/2006/main" xmlns:r="http://schemas.openxmlformats.org/officeDocument/2006/relationships" xmlns:p1510="http://schemas.microsoft.com/office/powerpoint/2015/10/main"/>
 </file>
 
 <file path=ppt/diagrams/colors1.xml><?xml version="1.0" encoding="utf-8"?>
@@ -8999,7 +8995,7 @@
           <a:p>
             <a:fld id="{35ACAB7E-9791-46EF-9C56-9B9A6246B142}" type="datetimeFigureOut">
               <a:rPr lang="en-AU" smtClean="0"/>
-              <a:t>6/04/2018</a:t>
+              <a:t>29/04/2018</a:t>
             </a:fld>
             <a:endParaRPr lang="en-AU"/>
           </a:p>
@@ -9752,7 +9748,7 @@
           <a:p>
             <a:fld id="{D3A58CAA-286E-417A-8488-C377A93EE4A8}" type="datetimeFigureOut">
               <a:rPr lang="en-AU" smtClean="0"/>
-              <a:t>6/04/2018</a:t>
+              <a:t>29/04/2018</a:t>
             </a:fld>
             <a:endParaRPr lang="en-AU"/>
           </a:p>
@@ -9952,7 +9948,7 @@
           <a:p>
             <a:fld id="{D3A58CAA-286E-417A-8488-C377A93EE4A8}" type="datetimeFigureOut">
               <a:rPr lang="en-AU" smtClean="0"/>
-              <a:t>6/04/2018</a:t>
+              <a:t>29/04/2018</a:t>
             </a:fld>
             <a:endParaRPr lang="en-AU"/>
           </a:p>
@@ -10162,7 +10158,7 @@
           <a:p>
             <a:fld id="{D3A58CAA-286E-417A-8488-C377A93EE4A8}" type="datetimeFigureOut">
               <a:rPr lang="en-AU" smtClean="0"/>
-              <a:t>6/04/2018</a:t>
+              <a:t>29/04/2018</a:t>
             </a:fld>
             <a:endParaRPr lang="en-AU"/>
           </a:p>
@@ -10362,7 +10358,7 @@
           <a:p>
             <a:fld id="{D3A58CAA-286E-417A-8488-C377A93EE4A8}" type="datetimeFigureOut">
               <a:rPr lang="en-AU" smtClean="0"/>
-              <a:t>6/04/2018</a:t>
+              <a:t>29/04/2018</a:t>
             </a:fld>
             <a:endParaRPr lang="en-AU"/>
           </a:p>
@@ -10638,7 +10634,7 @@
           <a:p>
             <a:fld id="{D3A58CAA-286E-417A-8488-C377A93EE4A8}" type="datetimeFigureOut">
               <a:rPr lang="en-AU" smtClean="0"/>
-              <a:t>6/04/2018</a:t>
+              <a:t>29/04/2018</a:t>
             </a:fld>
             <a:endParaRPr lang="en-AU"/>
           </a:p>
@@ -10906,7 +10902,7 @@
           <a:p>
             <a:fld id="{D3A58CAA-286E-417A-8488-C377A93EE4A8}" type="datetimeFigureOut">
               <a:rPr lang="en-AU" smtClean="0"/>
-              <a:t>6/04/2018</a:t>
+              <a:t>29/04/2018</a:t>
             </a:fld>
             <a:endParaRPr lang="en-AU"/>
           </a:p>
@@ -11321,7 +11317,7 @@
           <a:p>
             <a:fld id="{D3A58CAA-286E-417A-8488-C377A93EE4A8}" type="datetimeFigureOut">
               <a:rPr lang="en-AU" smtClean="0"/>
-              <a:t>6/04/2018</a:t>
+              <a:t>29/04/2018</a:t>
             </a:fld>
             <a:endParaRPr lang="en-AU"/>
           </a:p>
@@ -11463,7 +11459,7 @@
           <a:p>
             <a:fld id="{D3A58CAA-286E-417A-8488-C377A93EE4A8}" type="datetimeFigureOut">
               <a:rPr lang="en-AU" smtClean="0"/>
-              <a:t>6/04/2018</a:t>
+              <a:t>29/04/2018</a:t>
             </a:fld>
             <a:endParaRPr lang="en-AU"/>
           </a:p>
@@ -11576,7 +11572,7 @@
           <a:p>
             <a:fld id="{D3A58CAA-286E-417A-8488-C377A93EE4A8}" type="datetimeFigureOut">
               <a:rPr lang="en-AU" smtClean="0"/>
-              <a:t>6/04/2018</a:t>
+              <a:t>29/04/2018</a:t>
             </a:fld>
             <a:endParaRPr lang="en-AU"/>
           </a:p>
@@ -11889,7 +11885,7 @@
           <a:p>
             <a:fld id="{D3A58CAA-286E-417A-8488-C377A93EE4A8}" type="datetimeFigureOut">
               <a:rPr lang="en-AU" smtClean="0"/>
-              <a:t>6/04/2018</a:t>
+              <a:t>29/04/2018</a:t>
             </a:fld>
             <a:endParaRPr lang="en-AU"/>
           </a:p>
@@ -12178,7 +12174,7 @@
           <a:p>
             <a:fld id="{D3A58CAA-286E-417A-8488-C377A93EE4A8}" type="datetimeFigureOut">
               <a:rPr lang="en-AU" smtClean="0"/>
-              <a:t>6/04/2018</a:t>
+              <a:t>29/04/2018</a:t>
             </a:fld>
             <a:endParaRPr lang="en-AU"/>
           </a:p>
@@ -12421,7 +12417,7 @@
           <a:p>
             <a:fld id="{D3A58CAA-286E-417A-8488-C377A93EE4A8}" type="datetimeFigureOut">
               <a:rPr lang="en-AU" smtClean="0"/>
-              <a:t>6/04/2018</a:t>
+              <a:t>29/04/2018</a:t>
             </a:fld>
             <a:endParaRPr lang="en-AU"/>
           </a:p>
@@ -12889,7 +12885,7 @@
           <a:p>
             <a:r>
               <a:rPr lang="en-AU" dirty="0"/>
-              <a:t>aka communicating system events to partners</a:t>
+              <a:t>aka communicating system events to affiliates</a:t>
             </a:r>
           </a:p>
         </p:txBody>
@@ -13439,8 +13435,8 @@
         </p:nvSpPr>
         <p:spPr>
           <a:xfrm>
-            <a:off x="9803161" y="1905643"/>
-            <a:ext cx="1727166" cy="400110"/>
+            <a:off x="9803160" y="1905643"/>
+            <a:ext cx="2323387" cy="707886"/>
           </a:xfrm>
           <a:prstGeom prst="rect">
             <a:avLst/>
@@ -13455,7 +13451,7 @@
           <a:p>
             <a:r>
               <a:rPr lang="en-AU" sz="2000" b="1" dirty="0"/>
-              <a:t>Partner-A API</a:t>
+              <a:t>Affiliate-A Webhook</a:t>
             </a:r>
           </a:p>
         </p:txBody>
@@ -13534,7 +13530,7 @@
           <a:p>
             <a:r>
               <a:rPr lang="en-AU" sz="1400" b="1" dirty="0"/>
-              <a:t>3- sub filter = “Partner-A”</a:t>
+              <a:t>3- sub filter = “Affiliate-A”</a:t>
             </a:r>
           </a:p>
         </p:txBody>
@@ -13593,7 +13589,7 @@
         <p:spPr>
           <a:xfrm>
             <a:off x="9803161" y="5271074"/>
-            <a:ext cx="2121464" cy="1138773"/>
+            <a:ext cx="2121464" cy="1446550"/>
           </a:xfrm>
           <a:prstGeom prst="rect">
             <a:avLst/>
@@ -13608,7 +13604,7 @@
           <a:p>
             <a:r>
               <a:rPr lang="en-AU" sz="2000" b="1" dirty="0"/>
-              <a:t>Partner-B API</a:t>
+              <a:t>Affiliate-B Webhook</a:t>
             </a:r>
           </a:p>
           <a:p>
@@ -13862,7 +13858,7 @@
           <a:p>
             <a:r>
               <a:rPr lang="en-AU" sz="1400" b="1" dirty="0"/>
-              <a:t>3- sub filter = “Partner-B”</a:t>
+              <a:t>3- sub filter = “Affiliate-B”</a:t>
             </a:r>
           </a:p>
         </p:txBody>
@@ -13903,7 +13899,7 @@
                   </a:schemeClr>
                 </a:solidFill>
               </a:rPr>
-              <a:t>/api/</a:t>
+              <a:t>/</a:t>
             </a:r>
             <a:r>
               <a:rPr lang="en-AU" sz="1000" dirty="0" err="1">
@@ -13913,7 +13909,27 @@
                   </a:schemeClr>
                 </a:solidFill>
               </a:rPr>
-              <a:t>TransactionChanged</a:t>
+              <a:t>api</a:t>
+            </a:r>
+            <a:r>
+              <a:rPr lang="en-AU" sz="1000" dirty="0">
+                <a:solidFill>
+                  <a:schemeClr val="accent1">
+                    <a:lumMod val="75000"/>
+                  </a:schemeClr>
+                </a:solidFill>
+              </a:rPr>
+              <a:t>/</a:t>
+            </a:r>
+            <a:r>
+              <a:rPr lang="en-AU" sz="1000" dirty="0" err="1">
+                <a:solidFill>
+                  <a:schemeClr val="accent1">
+                    <a:lumMod val="75000"/>
+                  </a:schemeClr>
+                </a:solidFill>
+              </a:rPr>
+              <a:t>WebhookA</a:t>
             </a:r>
             <a:endParaRPr lang="en-AU" sz="1000" dirty="0">
               <a:solidFill>
@@ -14787,7 +14803,7 @@
           <a:p>
             <a:r>
               <a:rPr lang="en-AU" dirty="0"/>
-              <a:t>Insurance provider wants to share customer events, with partner organisations. e.g. policy purchased, activated, refunded, etc.</a:t>
+              <a:t>Insurance provider wants to share customer events, with affiliate organisations. e.g. policy purchased, activated, refunded, etc.</a:t>
             </a:r>
           </a:p>
           <a:p>
@@ -15013,7 +15029,7 @@
           <a:p>
             <a:r>
               <a:rPr lang="en-AU" sz="2000" dirty="0"/>
-              <a:t>costly for insurer and partner to operate due to wasted calls</a:t>
+              <a:t>costly for insurer and affiliate to operate due to wasted calls</a:t>
             </a:r>
           </a:p>
           <a:p>
@@ -15318,7 +15334,7 @@
               <a:pPr algn="ctr"/>
               <a:r>
                 <a:rPr lang="en-AU" sz="1600" b="1" dirty="0"/>
-                <a:t>Partner</a:t>
+                <a:t>Affiliate</a:t>
               </a:r>
             </a:p>
             <a:p>
@@ -16526,7 +16542,7 @@
             <a:pPr algn="ctr"/>
             <a:r>
               <a:rPr lang="en-AU" sz="1400" b="1" dirty="0"/>
-              <a:t>Partner</a:t>
+              <a:t>Affiliate</a:t>
             </a:r>
           </a:p>
           <a:p>
@@ -16990,7 +17006,7 @@
             <a:pPr algn="ctr"/>
             <a:r>
               <a:rPr lang="en-AU" sz="1400" dirty="0"/>
-              <a:t>Partner Core</a:t>
+              <a:t>Affiliate Core</a:t>
             </a:r>
           </a:p>
           <a:p>
@@ -17268,7 +17284,7 @@
             </a:pPr>
             <a:r>
               <a:rPr lang="en-AU" sz="1800" dirty="0"/>
-              <a:t>A HUB mediates between insurer and partner systems</a:t>
+              <a:t>A HUB mediates between insurer and affiliate systems</a:t>
             </a:r>
           </a:p>
           <a:p>
@@ -17283,7 +17299,7 @@
             </a:pPr>
             <a:r>
               <a:rPr lang="en-AU" sz="1800" dirty="0"/>
-              <a:t>Subscriptions are verified by hub by issuing a challenge to subscriber (partner) and expecting back a result with validation code</a:t>
+              <a:t>Subscriptions are verified by hub by issuing a challenge to subscriber (affiliate) and expecting back a result with validation code</a:t>
             </a:r>
           </a:p>
           <a:p>
@@ -17304,7 +17320,7 @@
           <a:p>
             <a:r>
               <a:rPr lang="en-AU" sz="1800" dirty="0"/>
-              <a:t>light ping – (3) insurer pushes event only, (5) partner subsequently pulls full data from insurer API</a:t>
+              <a:t>light ping – (3) insurer pushes event only, (5) affiliate subsequently pulls full data from insurer API</a:t>
             </a:r>
           </a:p>
           <a:p>
@@ -17510,7 +17526,7 @@
             <a:pPr algn="ctr"/>
             <a:r>
               <a:rPr lang="en-AU" sz="1400" b="1" dirty="0"/>
-              <a:t>Partner</a:t>
+              <a:t>Affiliate</a:t>
             </a:r>
           </a:p>
           <a:p>
@@ -18154,7 +18170,7 @@
             <a:pPr algn="ctr"/>
             <a:r>
               <a:rPr lang="en-AU" sz="1400" b="1" dirty="0"/>
-              <a:t>Partner Core</a:t>
+              <a:t>Affiliate Core</a:t>
             </a:r>
           </a:p>
           <a:p>
@@ -18395,7 +18411,7 @@
             </a:r>
             <a:r>
               <a:rPr lang="en-AU" sz="1600" dirty="0"/>
-              <a:t>insurer hosts custom platform extension code provided by partners</a:t>
+              <a:t>insurer hosts custom platform extension code provided by affiliates</a:t>
             </a:r>
           </a:p>
         </p:txBody>
@@ -18487,7 +18503,7 @@
             <a:pPr algn="ctr"/>
             <a:r>
               <a:rPr lang="en-AU" sz="1400" b="1" dirty="0"/>
-              <a:t>Partner provided</a:t>
+              <a:t>Affiliate provided</a:t>
             </a:r>
           </a:p>
           <a:p>
@@ -18588,7 +18604,7 @@
             <a:pPr algn="ctr"/>
             <a:r>
               <a:rPr lang="en-AU" sz="1400" b="1" dirty="0"/>
-              <a:t>Partner Core</a:t>
+              <a:t>Affiliate Core</a:t>
             </a:r>
           </a:p>
           <a:p>
@@ -19029,7 +19045,7 @@
                   <a:schemeClr val="tx2"/>
                 </a:solidFill>
               </a:rPr>
-              <a:t>Code could be polling, webhook consumer, or anything else that partner requires</a:t>
+              <a:t>Code could be polling, webhook consumer, or anything else that affiliate requires</a:t>
             </a:r>
           </a:p>
         </p:txBody>
@@ -19667,7 +19683,7 @@
             <a:pPr algn="ctr"/>
             <a:r>
               <a:rPr lang="en-AU" dirty="0"/>
-              <a:t>(Partner)</a:t>
+              <a:t>(Affiliate)</a:t>
             </a:r>
           </a:p>
         </p:txBody>
@@ -20269,7 +20285,7 @@
                   <a:schemeClr val="accent1"/>
                 </a:solidFill>
               </a:rPr>
-              <a:t>1a - partner driven subscription</a:t>
+              <a:t>1a - affiliate driven subscription</a:t>
             </a:r>
           </a:p>
         </p:txBody>
